--- a/课程PPT/12.JavaScript异步与网络数据交互.pptx
+++ b/课程PPT/12.JavaScript异步与网络数据交互.pptx
@@ -12,14 +12,15 @@
     <p:sldId id="1225" r:id="rId4"/>
     <p:sldId id="1227" r:id="rId6"/>
     <p:sldId id="1229" r:id="rId7"/>
-    <p:sldId id="1226" r:id="rId8"/>
-    <p:sldId id="1230" r:id="rId9"/>
-    <p:sldId id="1231" r:id="rId10"/>
-    <p:sldId id="1232" r:id="rId11"/>
-    <p:sldId id="1233" r:id="rId12"/>
+    <p:sldId id="1230" r:id="rId8"/>
+    <p:sldId id="1231" r:id="rId9"/>
+    <p:sldId id="1239" r:id="rId10"/>
+    <p:sldId id="1233" r:id="rId11"/>
+    <p:sldId id="1240" r:id="rId12"/>
     <p:sldId id="1234" r:id="rId13"/>
-    <p:sldId id="1235" r:id="rId14"/>
-    <p:sldId id="1104" r:id="rId15"/>
+    <p:sldId id="1241" r:id="rId14"/>
+    <p:sldId id="1242" r:id="rId15"/>
+    <p:sldId id="1104" r:id="rId16"/>
   </p:sldIdLst>
   <p:sldSz cx="12192000" cy="6858000"/>
   <p:notesSz cx="6797675" cy="9928225"/>
@@ -631,6 +632,50 @@
 </file>
 
 <file path=ppt/notesSlides/notesSlide10.xml><?xml version="1.0" encoding="utf-8"?>
+<p:notes xmlns:a="http://schemas.openxmlformats.org/drawingml/2006/main" xmlns:r="http://schemas.openxmlformats.org/officeDocument/2006/relationships" xmlns:p="http://schemas.openxmlformats.org/presentationml/2006/main">
+  <p:cSld>
+    <p:spTree>
+      <p:nvGrpSpPr>
+        <p:cNvPr id="1" name=""/>
+        <p:cNvGrpSpPr/>
+        <p:nvPr/>
+      </p:nvGrpSpPr>
+      <p:grpSpPr/>
+      <p:sp>
+        <p:nvSpPr>
+          <p:cNvPr id="2" name="幻灯片图像占位符 1"/>
+          <p:cNvSpPr/>
+          <p:nvPr>
+            <p:ph type="sldImg" idx="2"/>
+          </p:nvPr>
+        </p:nvSpPr>
+        <p:spPr/>
+      </p:sp>
+      <p:sp>
+        <p:nvSpPr>
+          <p:cNvPr id="3" name="文本占位符 2"/>
+          <p:cNvSpPr/>
+          <p:nvPr>
+            <p:ph type="body" idx="3"/>
+          </p:nvPr>
+        </p:nvSpPr>
+        <p:spPr/>
+        <p:txBody>
+          <a:bodyPr/>
+          <a:p>
+            <a:endParaRPr lang="zh-CN" altLang="en-US"/>
+          </a:p>
+        </p:txBody>
+      </p:sp>
+    </p:spTree>
+  </p:cSld>
+  <p:clrMapOvr>
+    <a:masterClrMapping/>
+  </p:clrMapOvr>
+</p:notes>
+</file>
+
+<file path=ppt/notesSlides/notesSlide11.xml><?xml version="1.0" encoding="utf-8"?>
 <p:notes xmlns:a="http://schemas.openxmlformats.org/drawingml/2006/main" xmlns:r="http://schemas.openxmlformats.org/officeDocument/2006/relationships" xmlns:p="http://schemas.openxmlformats.org/presentationml/2006/main">
   <p:cSld>
     <p:spTree>
@@ -3476,7 +3521,7 @@
                 </a:solidFill>
                 <a:sym typeface="+mn-ea"/>
               </a:rPr>
-              <a:t>对象</a:t>
+              <a:t>对象的属性</a:t>
             </a:r>
             <a:br>
               <a:rPr lang="zh-CN" altLang="en-US" sz="2000" dirty="0">
@@ -3511,17 +3556,757 @@
           <a:lstStyle/>
           <a:p>
             <a:r>
-              <a:rPr lang="en-US" altLang="zh-CN" dirty="0"/>
+              <a:rPr lang="en-US" altLang="zh-CN" dirty="0">
+                <a:sym typeface="+mn-ea"/>
+              </a:rPr>
               <a:t>JS</a:t>
             </a:r>
             <a:r>
-              <a:rPr lang="zh-CN" altLang="en-US" dirty="0"/>
-              <a:t>异步相关概念</a:t>
+              <a:rPr lang="zh-CN" altLang="en-US" dirty="0">
+                <a:sym typeface="+mn-ea"/>
+              </a:rPr>
+              <a:t>异步网络数据交互</a:t>
             </a:r>
             <a:endParaRPr lang="en-US" altLang="zh-CN" dirty="0"/>
           </a:p>
         </p:txBody>
       </p:sp>
+      <p:pic>
+        <p:nvPicPr>
+          <p:cNvPr id="4" name="图片 3"/>
+          <p:cNvPicPr>
+            <a:picLocks noChangeAspect="1"/>
+          </p:cNvPicPr>
+          <p:nvPr/>
+        </p:nvPicPr>
+        <p:blipFill>
+          <a:blip r:embed="rId1"/>
+          <a:stretch>
+            <a:fillRect/>
+          </a:stretch>
+        </p:blipFill>
+        <p:spPr>
+          <a:xfrm>
+            <a:off x="1122045" y="1471930"/>
+            <a:ext cx="10243820" cy="5268595"/>
+          </a:xfrm>
+          <a:prstGeom prst="rect">
+            <a:avLst/>
+          </a:prstGeom>
+        </p:spPr>
+      </p:pic>
+    </p:spTree>
+  </p:cSld>
+  <p:clrMapOvr>
+    <a:masterClrMapping/>
+  </p:clrMapOvr>
+  <p:timing>
+    <p:tnLst>
+      <p:par>
+        <p:cTn id="1" dur="indefinite" restart="never" nodeType="tmRoot">
+          <p:childTnLst>
+            <p:seq concurrent="1" nextAc="seek">
+              <p:cTn id="2" dur="indefinite" nodeType="mainSeq">
+                <p:childTnLst>
+                  <p:par>
+                    <p:cTn id="3" fill="hold">
+                      <p:stCondLst>
+                        <p:cond delay="indefinite"/>
+                      </p:stCondLst>
+                      <p:childTnLst>
+                        <p:par>
+                          <p:cTn id="4" fill="hold">
+                            <p:stCondLst>
+                              <p:cond delay="0"/>
+                            </p:stCondLst>
+                            <p:childTnLst>
+                              <p:par>
+                                <p:cTn id="5" presetID="2" presetClass="entr" presetSubtype="4" fill="hold" nodeType="clickEffect">
+                                  <p:stCondLst>
+                                    <p:cond delay="0"/>
+                                  </p:stCondLst>
+                                  <p:childTnLst>
+                                    <p:set>
+                                      <p:cBhvr>
+                                        <p:cTn id="6" dur="1" fill="hold">
+                                          <p:stCondLst>
+                                            <p:cond delay="0"/>
+                                          </p:stCondLst>
+                                        </p:cTn>
+                                        <p:tgtEl>
+                                          <p:spTgt spid="2">
+                                            <p:txEl>
+                                              <p:pRg st="0" end="0"/>
+                                            </p:txEl>
+                                          </p:spTgt>
+                                        </p:tgtEl>
+                                        <p:attrNameLst>
+                                          <p:attrName>style.visibility</p:attrName>
+                                        </p:attrNameLst>
+                                      </p:cBhvr>
+                                      <p:to>
+                                        <p:strVal val="visible"/>
+                                      </p:to>
+                                    </p:set>
+                                    <p:anim calcmode="lin" valueType="num">
+                                      <p:cBhvr additive="base">
+                                        <p:cTn id="7" dur="500" fill="hold"/>
+                                        <p:tgtEl>
+                                          <p:spTgt spid="2">
+                                            <p:txEl>
+                                              <p:pRg st="0" end="0"/>
+                                            </p:txEl>
+                                          </p:spTgt>
+                                        </p:tgtEl>
+                                        <p:attrNameLst>
+                                          <p:attrName>ppt_x</p:attrName>
+                                        </p:attrNameLst>
+                                      </p:cBhvr>
+                                      <p:tavLst>
+                                        <p:tav tm="0">
+                                          <p:val>
+                                            <p:strVal val="#ppt_x"/>
+                                          </p:val>
+                                        </p:tav>
+                                        <p:tav tm="100000">
+                                          <p:val>
+                                            <p:strVal val="#ppt_x"/>
+                                          </p:val>
+                                        </p:tav>
+                                      </p:tavLst>
+                                    </p:anim>
+                                    <p:anim calcmode="lin" valueType="num">
+                                      <p:cBhvr additive="base">
+                                        <p:cTn id="8" dur="500" fill="hold"/>
+                                        <p:tgtEl>
+                                          <p:spTgt spid="2">
+                                            <p:txEl>
+                                              <p:pRg st="0" end="0"/>
+                                            </p:txEl>
+                                          </p:spTgt>
+                                        </p:tgtEl>
+                                        <p:attrNameLst>
+                                          <p:attrName>ppt_y</p:attrName>
+                                        </p:attrNameLst>
+                                      </p:cBhvr>
+                                      <p:tavLst>
+                                        <p:tav tm="0">
+                                          <p:val>
+                                            <p:strVal val="1+#ppt_h/2"/>
+                                          </p:val>
+                                        </p:tav>
+                                        <p:tav tm="100000">
+                                          <p:val>
+                                            <p:strVal val="#ppt_y"/>
+                                          </p:val>
+                                        </p:tav>
+                                      </p:tavLst>
+                                    </p:anim>
+                                  </p:childTnLst>
+                                </p:cTn>
+                              </p:par>
+                            </p:childTnLst>
+                          </p:cTn>
+                        </p:par>
+                        <p:par>
+                          <p:cTn id="9" fill="hold">
+                            <p:stCondLst>
+                              <p:cond delay="500"/>
+                            </p:stCondLst>
+                            <p:childTnLst>
+                              <p:par>
+                                <p:cTn id="10" presetID="2" presetClass="entr" presetSubtype="4" fill="hold" nodeType="afterEffect">
+                                  <p:stCondLst>
+                                    <p:cond delay="0"/>
+                                  </p:stCondLst>
+                                  <p:childTnLst>
+                                    <p:set>
+                                      <p:cBhvr>
+                                        <p:cTn id="11" dur="1" fill="hold">
+                                          <p:stCondLst>
+                                            <p:cond delay="0"/>
+                                          </p:stCondLst>
+                                        </p:cTn>
+                                        <p:tgtEl>
+                                          <p:spTgt spid="4"/>
+                                        </p:tgtEl>
+                                        <p:attrNameLst>
+                                          <p:attrName>style.visibility</p:attrName>
+                                        </p:attrNameLst>
+                                      </p:cBhvr>
+                                      <p:to>
+                                        <p:strVal val="visible"/>
+                                      </p:to>
+                                    </p:set>
+                                    <p:anim calcmode="lin" valueType="num">
+                                      <p:cBhvr additive="base">
+                                        <p:cTn id="12" dur="500" fill="hold"/>
+                                        <p:tgtEl>
+                                          <p:spTgt spid="4"/>
+                                        </p:tgtEl>
+                                        <p:attrNameLst>
+                                          <p:attrName>ppt_x</p:attrName>
+                                        </p:attrNameLst>
+                                      </p:cBhvr>
+                                      <p:tavLst>
+                                        <p:tav tm="0">
+                                          <p:val>
+                                            <p:strVal val="#ppt_x"/>
+                                          </p:val>
+                                        </p:tav>
+                                        <p:tav tm="100000">
+                                          <p:val>
+                                            <p:strVal val="#ppt_x"/>
+                                          </p:val>
+                                        </p:tav>
+                                      </p:tavLst>
+                                    </p:anim>
+                                    <p:anim calcmode="lin" valueType="num">
+                                      <p:cBhvr additive="base">
+                                        <p:cTn id="13" dur="500" fill="hold"/>
+                                        <p:tgtEl>
+                                          <p:spTgt spid="4"/>
+                                        </p:tgtEl>
+                                        <p:attrNameLst>
+                                          <p:attrName>ppt_y</p:attrName>
+                                        </p:attrNameLst>
+                                      </p:cBhvr>
+                                      <p:tavLst>
+                                        <p:tav tm="0">
+                                          <p:val>
+                                            <p:strVal val="1+#ppt_h/2"/>
+                                          </p:val>
+                                        </p:tav>
+                                        <p:tav tm="100000">
+                                          <p:val>
+                                            <p:strVal val="#ppt_y"/>
+                                          </p:val>
+                                        </p:tav>
+                                      </p:tavLst>
+                                    </p:anim>
+                                  </p:childTnLst>
+                                </p:cTn>
+                              </p:par>
+                            </p:childTnLst>
+                          </p:cTn>
+                        </p:par>
+                      </p:childTnLst>
+                    </p:cTn>
+                  </p:par>
+                </p:childTnLst>
+              </p:cTn>
+              <p:prevCondLst>
+                <p:cond evt="onPrev" delay="0">
+                  <p:tgtEl>
+                    <p:sldTgt/>
+                  </p:tgtEl>
+                </p:cond>
+              </p:prevCondLst>
+              <p:nextCondLst>
+                <p:cond evt="onNext" delay="0">
+                  <p:tgtEl>
+                    <p:sldTgt/>
+                  </p:tgtEl>
+                </p:cond>
+              </p:nextCondLst>
+            </p:seq>
+          </p:childTnLst>
+        </p:cTn>
+      </p:par>
+    </p:tnLst>
+  </p:timing>
+</p:sld>
+</file>
+
+<file path=ppt/slides/slide11.xml><?xml version="1.0" encoding="utf-8"?>
+<p:sld xmlns:a="http://schemas.openxmlformats.org/drawingml/2006/main" xmlns:r="http://schemas.openxmlformats.org/officeDocument/2006/relationships" xmlns:p="http://schemas.openxmlformats.org/presentationml/2006/main">
+  <p:cSld>
+    <p:spTree>
+      <p:nvGrpSpPr>
+        <p:cNvPr id="1" name=""/>
+        <p:cNvGrpSpPr/>
+        <p:nvPr/>
+      </p:nvGrpSpPr>
+      <p:grpSpPr>
+        <a:xfrm>
+          <a:off x="0" y="0"/>
+          <a:ext cx="0" cy="0"/>
+          <a:chOff x="0" y="0"/>
+          <a:chExt cx="0" cy="0"/>
+        </a:xfrm>
+      </p:grpSpPr>
+      <p:sp>
+        <p:nvSpPr>
+          <p:cNvPr id="2" name="内容占位符 1"/>
+          <p:cNvSpPr>
+            <a:spLocks noGrp="1"/>
+          </p:cNvSpPr>
+          <p:nvPr>
+            <p:ph sz="quarter" idx="10"/>
+          </p:nvPr>
+        </p:nvSpPr>
+        <p:spPr>
+          <a:xfrm>
+            <a:off x="927735" y="783590"/>
+            <a:ext cx="10781665" cy="5269230"/>
+          </a:xfrm>
+        </p:spPr>
+        <p:txBody>
+          <a:bodyPr/>
+          <a:lstStyle/>
+          <a:p>
+            <a:pPr>
+              <a:lnSpc>
+                <a:spcPct val="150000"/>
+              </a:lnSpc>
+            </a:pPr>
+            <a:r>
+              <a:rPr lang="en-US" altLang="zh-CN" sz="3200" dirty="0">
+                <a:solidFill>
+                  <a:schemeClr val="tx1"/>
+                </a:solidFill>
+                <a:sym typeface="+mn-ea"/>
+              </a:rPr>
+              <a:t>XMLHttpRequest</a:t>
+            </a:r>
+            <a:r>
+              <a:rPr lang="zh-CN" altLang="en-US" sz="3200" dirty="0">
+                <a:solidFill>
+                  <a:schemeClr val="tx1"/>
+                </a:solidFill>
+                <a:sym typeface="+mn-ea"/>
+              </a:rPr>
+              <a:t>对象的方法 一</a:t>
+            </a:r>
+            <a:br>
+              <a:rPr lang="zh-CN" altLang="en-US" sz="2000" dirty="0">
+                <a:solidFill>
+                  <a:schemeClr val="tx1"/>
+                </a:solidFill>
+                <a:sym typeface="+mn-ea"/>
+              </a:rPr>
+            </a:br>
+            <a:endParaRPr lang="zh-CN" altLang="en-US" sz="2000" dirty="0">
+              <a:solidFill>
+                <a:schemeClr val="tx1"/>
+              </a:solidFill>
+              <a:sym typeface="+mn-ea"/>
+            </a:endParaRPr>
+          </a:p>
+        </p:txBody>
+      </p:sp>
+      <p:sp>
+        <p:nvSpPr>
+          <p:cNvPr id="3" name="内容占位符 2"/>
+          <p:cNvSpPr>
+            <a:spLocks noGrp="1"/>
+          </p:cNvSpPr>
+          <p:nvPr>
+            <p:ph sz="quarter" idx="11"/>
+          </p:nvPr>
+        </p:nvSpPr>
+        <p:spPr/>
+        <p:txBody>
+          <a:bodyPr/>
+          <a:lstStyle/>
+          <a:p>
+            <a:r>
+              <a:rPr lang="en-US" altLang="zh-CN" dirty="0">
+                <a:sym typeface="+mn-ea"/>
+              </a:rPr>
+              <a:t>JS</a:t>
+            </a:r>
+            <a:r>
+              <a:rPr lang="zh-CN" altLang="en-US" dirty="0">
+                <a:sym typeface="+mn-ea"/>
+              </a:rPr>
+              <a:t>异步网络数据交互</a:t>
+            </a:r>
+            <a:endParaRPr lang="en-US" altLang="zh-CN" dirty="0"/>
+          </a:p>
+        </p:txBody>
+      </p:sp>
+      <p:pic>
+        <p:nvPicPr>
+          <p:cNvPr id="5" name="图片 4"/>
+          <p:cNvPicPr>
+            <a:picLocks noChangeAspect="1"/>
+          </p:cNvPicPr>
+          <p:nvPr/>
+        </p:nvPicPr>
+        <p:blipFill>
+          <a:blip r:embed="rId1"/>
+          <a:srcRect b="43690"/>
+          <a:stretch>
+            <a:fillRect/>
+          </a:stretch>
+        </p:blipFill>
+        <p:spPr>
+          <a:xfrm>
+            <a:off x="1106805" y="1623695"/>
+            <a:ext cx="9381490" cy="3858260"/>
+          </a:xfrm>
+          <a:prstGeom prst="rect">
+            <a:avLst/>
+          </a:prstGeom>
+        </p:spPr>
+      </p:pic>
+    </p:spTree>
+  </p:cSld>
+  <p:clrMapOvr>
+    <a:masterClrMapping/>
+  </p:clrMapOvr>
+  <p:timing>
+    <p:tnLst>
+      <p:par>
+        <p:cTn id="1" dur="indefinite" restart="never" nodeType="tmRoot">
+          <p:childTnLst>
+            <p:seq concurrent="1" nextAc="seek">
+              <p:cTn id="2" dur="indefinite" nodeType="mainSeq">
+                <p:childTnLst>
+                  <p:par>
+                    <p:cTn id="3" fill="hold">
+                      <p:stCondLst>
+                        <p:cond delay="indefinite"/>
+                      </p:stCondLst>
+                      <p:childTnLst>
+                        <p:par>
+                          <p:cTn id="4" fill="hold">
+                            <p:stCondLst>
+                              <p:cond delay="0"/>
+                            </p:stCondLst>
+                            <p:childTnLst>
+                              <p:par>
+                                <p:cTn id="5" presetID="2" presetClass="entr" presetSubtype="4" fill="hold" nodeType="clickEffect">
+                                  <p:stCondLst>
+                                    <p:cond delay="0"/>
+                                  </p:stCondLst>
+                                  <p:childTnLst>
+                                    <p:set>
+                                      <p:cBhvr>
+                                        <p:cTn id="6" dur="1" fill="hold">
+                                          <p:stCondLst>
+                                            <p:cond delay="0"/>
+                                          </p:stCondLst>
+                                        </p:cTn>
+                                        <p:tgtEl>
+                                          <p:spTgt spid="2">
+                                            <p:txEl>
+                                              <p:pRg st="0" end="0"/>
+                                            </p:txEl>
+                                          </p:spTgt>
+                                        </p:tgtEl>
+                                        <p:attrNameLst>
+                                          <p:attrName>style.visibility</p:attrName>
+                                        </p:attrNameLst>
+                                      </p:cBhvr>
+                                      <p:to>
+                                        <p:strVal val="visible"/>
+                                      </p:to>
+                                    </p:set>
+                                    <p:anim calcmode="lin" valueType="num">
+                                      <p:cBhvr additive="base">
+                                        <p:cTn id="7" dur="500" fill="hold"/>
+                                        <p:tgtEl>
+                                          <p:spTgt spid="2">
+                                            <p:txEl>
+                                              <p:pRg st="0" end="0"/>
+                                            </p:txEl>
+                                          </p:spTgt>
+                                        </p:tgtEl>
+                                        <p:attrNameLst>
+                                          <p:attrName>ppt_x</p:attrName>
+                                        </p:attrNameLst>
+                                      </p:cBhvr>
+                                      <p:tavLst>
+                                        <p:tav tm="0">
+                                          <p:val>
+                                            <p:strVal val="#ppt_x"/>
+                                          </p:val>
+                                        </p:tav>
+                                        <p:tav tm="100000">
+                                          <p:val>
+                                            <p:strVal val="#ppt_x"/>
+                                          </p:val>
+                                        </p:tav>
+                                      </p:tavLst>
+                                    </p:anim>
+                                    <p:anim calcmode="lin" valueType="num">
+                                      <p:cBhvr additive="base">
+                                        <p:cTn id="8" dur="500" fill="hold"/>
+                                        <p:tgtEl>
+                                          <p:spTgt spid="2">
+                                            <p:txEl>
+                                              <p:pRg st="0" end="0"/>
+                                            </p:txEl>
+                                          </p:spTgt>
+                                        </p:tgtEl>
+                                        <p:attrNameLst>
+                                          <p:attrName>ppt_y</p:attrName>
+                                        </p:attrNameLst>
+                                      </p:cBhvr>
+                                      <p:tavLst>
+                                        <p:tav tm="0">
+                                          <p:val>
+                                            <p:strVal val="1+#ppt_h/2"/>
+                                          </p:val>
+                                        </p:tav>
+                                        <p:tav tm="100000">
+                                          <p:val>
+                                            <p:strVal val="#ppt_y"/>
+                                          </p:val>
+                                        </p:tav>
+                                      </p:tavLst>
+                                    </p:anim>
+                                  </p:childTnLst>
+                                </p:cTn>
+                              </p:par>
+                            </p:childTnLst>
+                          </p:cTn>
+                        </p:par>
+                        <p:par>
+                          <p:cTn id="9" fill="hold">
+                            <p:stCondLst>
+                              <p:cond delay="500"/>
+                            </p:stCondLst>
+                            <p:childTnLst>
+                              <p:par>
+                                <p:cTn id="10" presetID="2" presetClass="entr" presetSubtype="4" fill="hold" nodeType="afterEffect">
+                                  <p:stCondLst>
+                                    <p:cond delay="0"/>
+                                  </p:stCondLst>
+                                  <p:childTnLst>
+                                    <p:set>
+                                      <p:cBhvr>
+                                        <p:cTn id="11" dur="1" fill="hold">
+                                          <p:stCondLst>
+                                            <p:cond delay="0"/>
+                                          </p:stCondLst>
+                                        </p:cTn>
+                                        <p:tgtEl>
+                                          <p:spTgt spid="5"/>
+                                        </p:tgtEl>
+                                        <p:attrNameLst>
+                                          <p:attrName>style.visibility</p:attrName>
+                                        </p:attrNameLst>
+                                      </p:cBhvr>
+                                      <p:to>
+                                        <p:strVal val="visible"/>
+                                      </p:to>
+                                    </p:set>
+                                    <p:anim calcmode="lin" valueType="num">
+                                      <p:cBhvr additive="base">
+                                        <p:cTn id="12" dur="500" fill="hold"/>
+                                        <p:tgtEl>
+                                          <p:spTgt spid="5"/>
+                                        </p:tgtEl>
+                                        <p:attrNameLst>
+                                          <p:attrName>ppt_x</p:attrName>
+                                        </p:attrNameLst>
+                                      </p:cBhvr>
+                                      <p:tavLst>
+                                        <p:tav tm="0">
+                                          <p:val>
+                                            <p:strVal val="#ppt_x"/>
+                                          </p:val>
+                                        </p:tav>
+                                        <p:tav tm="100000">
+                                          <p:val>
+                                            <p:strVal val="#ppt_x"/>
+                                          </p:val>
+                                        </p:tav>
+                                      </p:tavLst>
+                                    </p:anim>
+                                    <p:anim calcmode="lin" valueType="num">
+                                      <p:cBhvr additive="base">
+                                        <p:cTn id="13" dur="500" fill="hold"/>
+                                        <p:tgtEl>
+                                          <p:spTgt spid="5"/>
+                                        </p:tgtEl>
+                                        <p:attrNameLst>
+                                          <p:attrName>ppt_y</p:attrName>
+                                        </p:attrNameLst>
+                                      </p:cBhvr>
+                                      <p:tavLst>
+                                        <p:tav tm="0">
+                                          <p:val>
+                                            <p:strVal val="1+#ppt_h/2"/>
+                                          </p:val>
+                                        </p:tav>
+                                        <p:tav tm="100000">
+                                          <p:val>
+                                            <p:strVal val="#ppt_y"/>
+                                          </p:val>
+                                        </p:tav>
+                                      </p:tavLst>
+                                    </p:anim>
+                                  </p:childTnLst>
+                                </p:cTn>
+                              </p:par>
+                            </p:childTnLst>
+                          </p:cTn>
+                        </p:par>
+                      </p:childTnLst>
+                    </p:cTn>
+                  </p:par>
+                </p:childTnLst>
+              </p:cTn>
+              <p:prevCondLst>
+                <p:cond evt="onPrev" delay="0">
+                  <p:tgtEl>
+                    <p:sldTgt/>
+                  </p:tgtEl>
+                </p:cond>
+              </p:prevCondLst>
+              <p:nextCondLst>
+                <p:cond evt="onNext" delay="0">
+                  <p:tgtEl>
+                    <p:sldTgt/>
+                  </p:tgtEl>
+                </p:cond>
+              </p:nextCondLst>
+            </p:seq>
+          </p:childTnLst>
+        </p:cTn>
+      </p:par>
+    </p:tnLst>
+  </p:timing>
+</p:sld>
+</file>
+
+<file path=ppt/slides/slide12.xml><?xml version="1.0" encoding="utf-8"?>
+<p:sld xmlns:a="http://schemas.openxmlformats.org/drawingml/2006/main" xmlns:r="http://schemas.openxmlformats.org/officeDocument/2006/relationships" xmlns:p="http://schemas.openxmlformats.org/presentationml/2006/main">
+  <p:cSld>
+    <p:spTree>
+      <p:nvGrpSpPr>
+        <p:cNvPr id="1" name=""/>
+        <p:cNvGrpSpPr/>
+        <p:nvPr/>
+      </p:nvGrpSpPr>
+      <p:grpSpPr>
+        <a:xfrm>
+          <a:off x="0" y="0"/>
+          <a:ext cx="0" cy="0"/>
+          <a:chOff x="0" y="0"/>
+          <a:chExt cx="0" cy="0"/>
+        </a:xfrm>
+      </p:grpSpPr>
+      <p:sp>
+        <p:nvSpPr>
+          <p:cNvPr id="2" name="内容占位符 1"/>
+          <p:cNvSpPr>
+            <a:spLocks noGrp="1"/>
+          </p:cNvSpPr>
+          <p:nvPr>
+            <p:ph sz="quarter" idx="10"/>
+          </p:nvPr>
+        </p:nvSpPr>
+        <p:spPr>
+          <a:xfrm>
+            <a:off x="927735" y="783590"/>
+            <a:ext cx="10781665" cy="5269230"/>
+          </a:xfrm>
+        </p:spPr>
+        <p:txBody>
+          <a:bodyPr/>
+          <a:lstStyle/>
+          <a:p>
+            <a:pPr>
+              <a:lnSpc>
+                <a:spcPct val="150000"/>
+              </a:lnSpc>
+            </a:pPr>
+            <a:r>
+              <a:rPr lang="en-US" altLang="zh-CN" sz="3200" dirty="0">
+                <a:solidFill>
+                  <a:schemeClr val="tx1"/>
+                </a:solidFill>
+                <a:sym typeface="+mn-ea"/>
+              </a:rPr>
+              <a:t>XMLHttpRequest</a:t>
+            </a:r>
+            <a:r>
+              <a:rPr lang="zh-CN" altLang="en-US" sz="3200" dirty="0">
+                <a:solidFill>
+                  <a:schemeClr val="tx1"/>
+                </a:solidFill>
+                <a:sym typeface="+mn-ea"/>
+              </a:rPr>
+              <a:t>对象的方法 二</a:t>
+            </a:r>
+            <a:br>
+              <a:rPr lang="zh-CN" altLang="en-US" sz="2000" dirty="0">
+                <a:solidFill>
+                  <a:schemeClr val="tx1"/>
+                </a:solidFill>
+                <a:sym typeface="+mn-ea"/>
+              </a:rPr>
+            </a:br>
+            <a:endParaRPr lang="zh-CN" altLang="en-US" sz="2000" dirty="0">
+              <a:solidFill>
+                <a:schemeClr val="tx1"/>
+              </a:solidFill>
+              <a:sym typeface="+mn-ea"/>
+            </a:endParaRPr>
+          </a:p>
+        </p:txBody>
+      </p:sp>
+      <p:sp>
+        <p:nvSpPr>
+          <p:cNvPr id="3" name="内容占位符 2"/>
+          <p:cNvSpPr>
+            <a:spLocks noGrp="1"/>
+          </p:cNvSpPr>
+          <p:nvPr>
+            <p:ph sz="quarter" idx="11"/>
+          </p:nvPr>
+        </p:nvSpPr>
+        <p:spPr/>
+        <p:txBody>
+          <a:bodyPr/>
+          <a:lstStyle/>
+          <a:p>
+            <a:r>
+              <a:rPr lang="en-US" altLang="zh-CN" dirty="0">
+                <a:sym typeface="+mn-ea"/>
+              </a:rPr>
+              <a:t>JS</a:t>
+            </a:r>
+            <a:r>
+              <a:rPr lang="zh-CN" altLang="en-US" dirty="0">
+                <a:sym typeface="+mn-ea"/>
+              </a:rPr>
+              <a:t>异步网络数据交互</a:t>
+            </a:r>
+            <a:endParaRPr lang="en-US" altLang="zh-CN" dirty="0"/>
+          </a:p>
+        </p:txBody>
+      </p:sp>
+      <p:pic>
+        <p:nvPicPr>
+          <p:cNvPr id="5" name="图片 4"/>
+          <p:cNvPicPr>
+            <a:picLocks noChangeAspect="1"/>
+          </p:cNvPicPr>
+          <p:nvPr/>
+        </p:nvPicPr>
+        <p:blipFill>
+          <a:blip r:embed="rId1"/>
+          <a:srcRect t="55848"/>
+          <a:stretch>
+            <a:fillRect/>
+          </a:stretch>
+        </p:blipFill>
+        <p:spPr>
+          <a:xfrm>
+            <a:off x="1183005" y="1751330"/>
+            <a:ext cx="9991725" cy="3221990"/>
+          </a:xfrm>
+          <a:prstGeom prst="rect">
+            <a:avLst/>
+          </a:prstGeom>
+        </p:spPr>
+      </p:pic>
       <p:sp>
         <p:nvSpPr>
           <p:cNvPr id="6" name="文本框 5"/>
@@ -3530,8 +4315,8 @@
         </p:nvSpPr>
         <p:spPr>
           <a:xfrm>
-            <a:off x="5575300" y="6196330"/>
-            <a:ext cx="5033010" cy="398780"/>
+            <a:off x="5255895" y="6196330"/>
+            <a:ext cx="5798185" cy="398780"/>
           </a:xfrm>
           <a:prstGeom prst="rect">
             <a:avLst/>
@@ -3557,15 +4342,1436 @@
                   <a:srgbClr val="FF0000"/>
                 </a:solidFill>
               </a:rPr>
-              <a:t>Demo2 JSON</a:t>
+              <a:t>Demo5  </a:t>
+            </a:r>
+            <a:r>
+              <a:rPr lang="en-US" altLang="zh-CN" sz="2000">
+                <a:solidFill>
+                  <a:srgbClr val="FF0000"/>
+                </a:solidFill>
+                <a:sym typeface="+mn-ea"/>
+              </a:rPr>
+              <a:t>XMLHttpRequest</a:t>
             </a:r>
             <a:r>
               <a:rPr lang="zh-CN" altLang="en-US" sz="2000">
                 <a:solidFill>
                   <a:srgbClr val="FF0000"/>
                 </a:solidFill>
-              </a:rPr>
-              <a:t>简介</a:t>
+                <a:sym typeface="+mn-ea"/>
+              </a:rPr>
+              <a:t>异步数据交互</a:t>
+            </a:r>
+            <a:r>
+              <a:rPr lang="zh-CN" altLang="en-US" sz="2000">
+                <a:solidFill>
+                  <a:srgbClr val="FF0000"/>
+                </a:solidFill>
+              </a:rPr>
+              <a:t> </a:t>
+            </a:r>
+            <a:endParaRPr lang="en-US" altLang="zh-CN" sz="2000">
+              <a:solidFill>
+                <a:srgbClr val="FF0000"/>
+              </a:solidFill>
+            </a:endParaRPr>
+          </a:p>
+        </p:txBody>
+      </p:sp>
+    </p:spTree>
+  </p:cSld>
+  <p:clrMapOvr>
+    <a:masterClrMapping/>
+  </p:clrMapOvr>
+  <p:timing>
+    <p:tnLst>
+      <p:par>
+        <p:cTn id="1" dur="indefinite" restart="never" nodeType="tmRoot">
+          <p:childTnLst>
+            <p:seq concurrent="1" nextAc="seek">
+              <p:cTn id="2" dur="indefinite" nodeType="mainSeq">
+                <p:childTnLst>
+                  <p:par>
+                    <p:cTn id="3" fill="hold">
+                      <p:stCondLst>
+                        <p:cond delay="indefinite"/>
+                      </p:stCondLst>
+                      <p:childTnLst>
+                        <p:par>
+                          <p:cTn id="4" fill="hold">
+                            <p:stCondLst>
+                              <p:cond delay="0"/>
+                            </p:stCondLst>
+                            <p:childTnLst>
+                              <p:par>
+                                <p:cTn id="5" presetID="2" presetClass="entr" presetSubtype="4" fill="hold" nodeType="clickEffect">
+                                  <p:stCondLst>
+                                    <p:cond delay="0"/>
+                                  </p:stCondLst>
+                                  <p:childTnLst>
+                                    <p:set>
+                                      <p:cBhvr>
+                                        <p:cTn id="6" dur="1" fill="hold">
+                                          <p:stCondLst>
+                                            <p:cond delay="0"/>
+                                          </p:stCondLst>
+                                        </p:cTn>
+                                        <p:tgtEl>
+                                          <p:spTgt spid="2">
+                                            <p:txEl>
+                                              <p:pRg st="0" end="0"/>
+                                            </p:txEl>
+                                          </p:spTgt>
+                                        </p:tgtEl>
+                                        <p:attrNameLst>
+                                          <p:attrName>style.visibility</p:attrName>
+                                        </p:attrNameLst>
+                                      </p:cBhvr>
+                                      <p:to>
+                                        <p:strVal val="visible"/>
+                                      </p:to>
+                                    </p:set>
+                                    <p:anim calcmode="lin" valueType="num">
+                                      <p:cBhvr additive="base">
+                                        <p:cTn id="7" dur="500" fill="hold"/>
+                                        <p:tgtEl>
+                                          <p:spTgt spid="2">
+                                            <p:txEl>
+                                              <p:pRg st="0" end="0"/>
+                                            </p:txEl>
+                                          </p:spTgt>
+                                        </p:tgtEl>
+                                        <p:attrNameLst>
+                                          <p:attrName>ppt_x</p:attrName>
+                                        </p:attrNameLst>
+                                      </p:cBhvr>
+                                      <p:tavLst>
+                                        <p:tav tm="0">
+                                          <p:val>
+                                            <p:strVal val="#ppt_x"/>
+                                          </p:val>
+                                        </p:tav>
+                                        <p:tav tm="100000">
+                                          <p:val>
+                                            <p:strVal val="#ppt_x"/>
+                                          </p:val>
+                                        </p:tav>
+                                      </p:tavLst>
+                                    </p:anim>
+                                    <p:anim calcmode="lin" valueType="num">
+                                      <p:cBhvr additive="base">
+                                        <p:cTn id="8" dur="500" fill="hold"/>
+                                        <p:tgtEl>
+                                          <p:spTgt spid="2">
+                                            <p:txEl>
+                                              <p:pRg st="0" end="0"/>
+                                            </p:txEl>
+                                          </p:spTgt>
+                                        </p:tgtEl>
+                                        <p:attrNameLst>
+                                          <p:attrName>ppt_y</p:attrName>
+                                        </p:attrNameLst>
+                                      </p:cBhvr>
+                                      <p:tavLst>
+                                        <p:tav tm="0">
+                                          <p:val>
+                                            <p:strVal val="1+#ppt_h/2"/>
+                                          </p:val>
+                                        </p:tav>
+                                        <p:tav tm="100000">
+                                          <p:val>
+                                            <p:strVal val="#ppt_y"/>
+                                          </p:val>
+                                        </p:tav>
+                                      </p:tavLst>
+                                    </p:anim>
+                                  </p:childTnLst>
+                                </p:cTn>
+                              </p:par>
+                            </p:childTnLst>
+                          </p:cTn>
+                        </p:par>
+                      </p:childTnLst>
+                    </p:cTn>
+                  </p:par>
+                  <p:par>
+                    <p:cTn id="9" fill="hold">
+                      <p:stCondLst>
+                        <p:cond delay="indefinite"/>
+                      </p:stCondLst>
+                      <p:childTnLst>
+                        <p:par>
+                          <p:cTn id="10" fill="hold">
+                            <p:stCondLst>
+                              <p:cond delay="0"/>
+                            </p:stCondLst>
+                            <p:childTnLst>
+                              <p:par>
+                                <p:cTn id="11" presetID="2" presetClass="entr" presetSubtype="4" fill="hold" nodeType="clickEffect">
+                                  <p:stCondLst>
+                                    <p:cond delay="0"/>
+                                  </p:stCondLst>
+                                  <p:childTnLst>
+                                    <p:set>
+                                      <p:cBhvr>
+                                        <p:cTn id="12" dur="1" fill="hold">
+                                          <p:stCondLst>
+                                            <p:cond delay="0"/>
+                                          </p:stCondLst>
+                                        </p:cTn>
+                                        <p:tgtEl>
+                                          <p:spTgt spid="5"/>
+                                        </p:tgtEl>
+                                        <p:attrNameLst>
+                                          <p:attrName>style.visibility</p:attrName>
+                                        </p:attrNameLst>
+                                      </p:cBhvr>
+                                      <p:to>
+                                        <p:strVal val="visible"/>
+                                      </p:to>
+                                    </p:set>
+                                    <p:anim calcmode="lin" valueType="num">
+                                      <p:cBhvr additive="base">
+                                        <p:cTn id="13" dur="500" fill="hold"/>
+                                        <p:tgtEl>
+                                          <p:spTgt spid="5"/>
+                                        </p:tgtEl>
+                                        <p:attrNameLst>
+                                          <p:attrName>ppt_x</p:attrName>
+                                        </p:attrNameLst>
+                                      </p:cBhvr>
+                                      <p:tavLst>
+                                        <p:tav tm="0">
+                                          <p:val>
+                                            <p:strVal val="#ppt_x"/>
+                                          </p:val>
+                                        </p:tav>
+                                        <p:tav tm="100000">
+                                          <p:val>
+                                            <p:strVal val="#ppt_x"/>
+                                          </p:val>
+                                        </p:tav>
+                                      </p:tavLst>
+                                    </p:anim>
+                                    <p:anim calcmode="lin" valueType="num">
+                                      <p:cBhvr additive="base">
+                                        <p:cTn id="14" dur="500" fill="hold"/>
+                                        <p:tgtEl>
+                                          <p:spTgt spid="5"/>
+                                        </p:tgtEl>
+                                        <p:attrNameLst>
+                                          <p:attrName>ppt_y</p:attrName>
+                                        </p:attrNameLst>
+                                      </p:cBhvr>
+                                      <p:tavLst>
+                                        <p:tav tm="0">
+                                          <p:val>
+                                            <p:strVal val="1+#ppt_h/2"/>
+                                          </p:val>
+                                        </p:tav>
+                                        <p:tav tm="100000">
+                                          <p:val>
+                                            <p:strVal val="#ppt_y"/>
+                                          </p:val>
+                                        </p:tav>
+                                      </p:tavLst>
+                                    </p:anim>
+                                  </p:childTnLst>
+                                </p:cTn>
+                              </p:par>
+                            </p:childTnLst>
+                          </p:cTn>
+                        </p:par>
+                        <p:par>
+                          <p:cTn id="15" fill="hold">
+                            <p:stCondLst>
+                              <p:cond delay="500"/>
+                            </p:stCondLst>
+                            <p:childTnLst>
+                              <p:par>
+                                <p:cTn id="16" presetID="2" presetClass="entr" presetSubtype="4" fill="hold" grpId="0" nodeType="afterEffect">
+                                  <p:stCondLst>
+                                    <p:cond delay="0"/>
+                                  </p:stCondLst>
+                                  <p:childTnLst>
+                                    <p:set>
+                                      <p:cBhvr>
+                                        <p:cTn id="17" dur="1" fill="hold">
+                                          <p:stCondLst>
+                                            <p:cond delay="0"/>
+                                          </p:stCondLst>
+                                        </p:cTn>
+                                        <p:tgtEl>
+                                          <p:spTgt spid="6"/>
+                                        </p:tgtEl>
+                                        <p:attrNameLst>
+                                          <p:attrName>style.visibility</p:attrName>
+                                        </p:attrNameLst>
+                                      </p:cBhvr>
+                                      <p:to>
+                                        <p:strVal val="visible"/>
+                                      </p:to>
+                                    </p:set>
+                                    <p:anim calcmode="lin" valueType="num">
+                                      <p:cBhvr additive="base">
+                                        <p:cTn id="18" dur="500" fill="hold"/>
+                                        <p:tgtEl>
+                                          <p:spTgt spid="6"/>
+                                        </p:tgtEl>
+                                        <p:attrNameLst>
+                                          <p:attrName>ppt_x</p:attrName>
+                                        </p:attrNameLst>
+                                      </p:cBhvr>
+                                      <p:tavLst>
+                                        <p:tav tm="0">
+                                          <p:val>
+                                            <p:strVal val="#ppt_x"/>
+                                          </p:val>
+                                        </p:tav>
+                                        <p:tav tm="100000">
+                                          <p:val>
+                                            <p:strVal val="#ppt_x"/>
+                                          </p:val>
+                                        </p:tav>
+                                      </p:tavLst>
+                                    </p:anim>
+                                    <p:anim calcmode="lin" valueType="num">
+                                      <p:cBhvr additive="base">
+                                        <p:cTn id="19" dur="500" fill="hold"/>
+                                        <p:tgtEl>
+                                          <p:spTgt spid="6"/>
+                                        </p:tgtEl>
+                                        <p:attrNameLst>
+                                          <p:attrName>ppt_y</p:attrName>
+                                        </p:attrNameLst>
+                                      </p:cBhvr>
+                                      <p:tavLst>
+                                        <p:tav tm="0">
+                                          <p:val>
+                                            <p:strVal val="1+#ppt_h/2"/>
+                                          </p:val>
+                                        </p:tav>
+                                        <p:tav tm="100000">
+                                          <p:val>
+                                            <p:strVal val="#ppt_y"/>
+                                          </p:val>
+                                        </p:tav>
+                                      </p:tavLst>
+                                    </p:anim>
+                                  </p:childTnLst>
+                                </p:cTn>
+                              </p:par>
+                            </p:childTnLst>
+                          </p:cTn>
+                        </p:par>
+                      </p:childTnLst>
+                    </p:cTn>
+                  </p:par>
+                </p:childTnLst>
+              </p:cTn>
+              <p:prevCondLst>
+                <p:cond evt="onPrev" delay="0">
+                  <p:tgtEl>
+                    <p:sldTgt/>
+                  </p:tgtEl>
+                </p:cond>
+              </p:prevCondLst>
+              <p:nextCondLst>
+                <p:cond evt="onNext" delay="0">
+                  <p:tgtEl>
+                    <p:sldTgt/>
+                  </p:tgtEl>
+                </p:cond>
+              </p:nextCondLst>
+            </p:seq>
+          </p:childTnLst>
+        </p:cTn>
+      </p:par>
+    </p:tnLst>
+    <p:bldLst>
+      <p:bldP spid="6" grpId="0"/>
+    </p:bldLst>
+  </p:timing>
+</p:sld>
+</file>
+
+<file path=ppt/slides/slide13.xml><?xml version="1.0" encoding="utf-8"?>
+<p:sld xmlns:a="http://schemas.openxmlformats.org/drawingml/2006/main" xmlns:r="http://schemas.openxmlformats.org/officeDocument/2006/relationships" xmlns:p="http://schemas.openxmlformats.org/presentationml/2006/main">
+  <p:cSld>
+    <p:spTree>
+      <p:nvGrpSpPr>
+        <p:cNvPr id="1" name=""/>
+        <p:cNvGrpSpPr/>
+        <p:nvPr/>
+      </p:nvGrpSpPr>
+      <p:grpSpPr>
+        <a:xfrm>
+          <a:off x="0" y="0"/>
+          <a:ext cx="0" cy="0"/>
+          <a:chOff x="0" y="0"/>
+          <a:chExt cx="0" cy="0"/>
+        </a:xfrm>
+      </p:grpSpPr>
+      <p:pic>
+        <p:nvPicPr>
+          <p:cNvPr id="38914" name="Picture 5"/>
+          <p:cNvPicPr>
+            <a:picLocks noChangeAspect="1" noChangeArrowheads="1"/>
+          </p:cNvPicPr>
+          <p:nvPr/>
+        </p:nvPicPr>
+        <p:blipFill>
+          <a:blip r:embed="rId1">
+            <a:extLst>
+              <a:ext uri="{28A0092B-C50C-407E-A947-70E740481C1C}">
+                <a14:useLocalDpi xmlns:a14="http://schemas.microsoft.com/office/drawing/2010/main" val="0"/>
+              </a:ext>
+            </a:extLst>
+          </a:blip>
+          <a:srcRect/>
+          <a:stretch>
+            <a:fillRect/>
+          </a:stretch>
+        </p:blipFill>
+        <p:spPr bwMode="auto">
+          <a:xfrm>
+            <a:off x="0" y="0"/>
+            <a:ext cx="12192000" cy="6858000"/>
+          </a:xfrm>
+          <a:prstGeom prst="rect">
+            <a:avLst/>
+          </a:prstGeom>
+          <a:noFill/>
+          <a:ln>
+            <a:noFill/>
+          </a:ln>
+          <a:extLst>
+            <a:ext uri="{909E8E84-426E-40DD-AFC4-6F175D3DCCD1}">
+              <a14:hiddenFill xmlns:a14="http://schemas.microsoft.com/office/drawing/2010/main">
+                <a:solidFill>
+                  <a:srgbClr val="FFFFFF"/>
+                </a:solidFill>
+              </a14:hiddenFill>
+            </a:ext>
+            <a:ext uri="{91240B29-F687-4F45-9708-019B960494DF}">
+              <a14:hiddenLine xmlns:a14="http://schemas.microsoft.com/office/drawing/2010/main" w="9525">
+                <a:solidFill>
+                  <a:srgbClr val="000000"/>
+                </a:solidFill>
+                <a:miter lim="800000"/>
+                <a:headEnd/>
+                <a:tailEnd/>
+              </a14:hiddenLine>
+            </a:ext>
+          </a:extLst>
+        </p:spPr>
+      </p:pic>
+      <p:sp>
+        <p:nvSpPr>
+          <p:cNvPr id="38915" name="Rectangle 6"/>
+          <p:cNvSpPr>
+            <a:spLocks noGrp="1" noChangeArrowheads="1"/>
+          </p:cNvSpPr>
+          <p:nvPr>
+            <p:ph type="ctrTitle" idx="4294967295"/>
+          </p:nvPr>
+        </p:nvSpPr>
+        <p:spPr bwMode="auto">
+          <a:xfrm>
+            <a:off x="2547041" y="3068835"/>
+            <a:ext cx="7097918" cy="1285875"/>
+          </a:xfrm>
+          <a:prstGeom prst="rect">
+            <a:avLst/>
+          </a:prstGeom>
+          <a:noFill/>
+          <a:extLst>
+            <a:ext uri="{909E8E84-426E-40DD-AFC4-6F175D3DCCD1}">
+              <a14:hiddenFill xmlns:a14="http://schemas.microsoft.com/office/drawing/2010/main">
+                <a:solidFill>
+                  <a:srgbClr val="FFFFFF"/>
+                </a:solidFill>
+              </a14:hiddenFill>
+            </a:ext>
+            <a:ext uri="{91240B29-F687-4F45-9708-019B960494DF}">
+              <a14:hiddenLine xmlns:a14="http://schemas.microsoft.com/office/drawing/2010/main" w="9525">
+                <a:solidFill>
+                  <a:srgbClr val="000000"/>
+                </a:solidFill>
+                <a:miter lim="800000"/>
+                <a:headEnd/>
+                <a:tailEnd/>
+              </a14:hiddenLine>
+            </a:ext>
+          </a:extLst>
+        </p:spPr>
+        <p:txBody>
+          <a:bodyPr anchor="b"/>
+          <a:lstStyle/>
+          <a:p>
+            <a:pPr algn="ctr" eaLnBrk="1" hangingPunct="1"/>
+            <a:r>
+              <a:rPr kumimoji="0" lang="en-US" altLang="zh-CN" sz="5400" dirty="0"/>
+              <a:t>Thank </a:t>
+            </a:r>
+            <a:r>
+              <a:rPr kumimoji="0" lang="en-US" altLang="zh-CN" sz="5400" dirty="0">
+                <a:solidFill>
+                  <a:srgbClr val="FF0000"/>
+                </a:solidFill>
+              </a:rPr>
+              <a:t>You</a:t>
+            </a:r>
+            <a:r>
+              <a:rPr kumimoji="0" lang="zh-CN" altLang="en-US" sz="5400" dirty="0"/>
+              <a:t>！</a:t>
+            </a:r>
+            <a:endParaRPr kumimoji="0" lang="zh-CN" altLang="zh-CN" sz="5400" dirty="0"/>
+          </a:p>
+        </p:txBody>
+      </p:sp>
+      <p:pic>
+        <p:nvPicPr>
+          <p:cNvPr id="38916" name="图片 3" descr="软院logo横版.png"/>
+          <p:cNvPicPr>
+            <a:picLocks noChangeAspect="1"/>
+          </p:cNvPicPr>
+          <p:nvPr/>
+        </p:nvPicPr>
+        <p:blipFill>
+          <a:blip r:embed="rId2">
+            <a:extLst>
+              <a:ext uri="{28A0092B-C50C-407E-A947-70E740481C1C}">
+                <a14:useLocalDpi xmlns:a14="http://schemas.microsoft.com/office/drawing/2010/main" val="0"/>
+              </a:ext>
+            </a:extLst>
+          </a:blip>
+          <a:srcRect/>
+          <a:stretch>
+            <a:fillRect/>
+          </a:stretch>
+        </p:blipFill>
+        <p:spPr bwMode="auto">
+          <a:xfrm>
+            <a:off x="2062164" y="5927725"/>
+            <a:ext cx="3381375" cy="527050"/>
+          </a:xfrm>
+          <a:prstGeom prst="rect">
+            <a:avLst/>
+          </a:prstGeom>
+          <a:noFill/>
+          <a:ln>
+            <a:noFill/>
+          </a:ln>
+          <a:extLst>
+            <a:ext uri="{909E8E84-426E-40DD-AFC4-6F175D3DCCD1}">
+              <a14:hiddenFill xmlns:a14="http://schemas.microsoft.com/office/drawing/2010/main">
+                <a:solidFill>
+                  <a:srgbClr val="FFFFFF"/>
+                </a:solidFill>
+              </a14:hiddenFill>
+            </a:ext>
+            <a:ext uri="{91240B29-F687-4F45-9708-019B960494DF}">
+              <a14:hiddenLine xmlns:a14="http://schemas.microsoft.com/office/drawing/2010/main" w="9525">
+                <a:solidFill>
+                  <a:srgbClr val="000000"/>
+                </a:solidFill>
+                <a:miter lim="800000"/>
+                <a:headEnd/>
+                <a:tailEnd/>
+              </a14:hiddenLine>
+            </a:ext>
+          </a:extLst>
+        </p:spPr>
+      </p:pic>
+    </p:spTree>
+  </p:cSld>
+  <p:clrMapOvr>
+    <a:masterClrMapping/>
+  </p:clrMapOvr>
+  <p:timing>
+    <p:tnLst>
+      <p:par>
+        <p:cTn id="1" dur="indefinite" restart="never" nodeType="tmRoot"/>
+      </p:par>
+    </p:tnLst>
+  </p:timing>
+</p:sld>
+</file>
+
+<file path=ppt/slides/slide2.xml><?xml version="1.0" encoding="utf-8"?>
+<p:sld xmlns:a="http://schemas.openxmlformats.org/drawingml/2006/main" xmlns:r="http://schemas.openxmlformats.org/officeDocument/2006/relationships" xmlns:p="http://schemas.openxmlformats.org/presentationml/2006/main">
+  <p:cSld>
+    <p:spTree>
+      <p:nvGrpSpPr>
+        <p:cNvPr id="1" name=""/>
+        <p:cNvGrpSpPr/>
+        <p:nvPr/>
+      </p:nvGrpSpPr>
+      <p:grpSpPr>
+        <a:xfrm>
+          <a:off x="0" y="0"/>
+          <a:ext cx="0" cy="0"/>
+          <a:chOff x="0" y="0"/>
+          <a:chExt cx="0" cy="0"/>
+        </a:xfrm>
+      </p:grpSpPr>
+      <p:sp>
+        <p:nvSpPr>
+          <p:cNvPr id="5123" name="AutoShape 6"/>
+          <p:cNvSpPr>
+            <a:spLocks noChangeArrowheads="1"/>
+          </p:cNvSpPr>
+          <p:nvPr/>
+        </p:nvSpPr>
+        <p:spPr bwMode="auto">
+          <a:xfrm>
+            <a:off x="2566988" y="1339851"/>
+            <a:ext cx="6711950" cy="4214813"/>
+          </a:xfrm>
+          <a:prstGeom prst="roundRect">
+            <a:avLst>
+              <a:gd name="adj" fmla="val 16667"/>
+            </a:avLst>
+          </a:prstGeom>
+          <a:noFill/>
+          <a:ln w="28575">
+            <a:solidFill>
+              <a:srgbClr val="C0C0C0"/>
+            </a:solidFill>
+            <a:prstDash val="sysDot"/>
+            <a:round/>
+          </a:ln>
+          <a:extLst>
+            <a:ext uri="{909E8E84-426E-40DD-AFC4-6F175D3DCCD1}">
+              <a14:hiddenFill xmlns:a14="http://schemas.microsoft.com/office/drawing/2010/main">
+                <a:solidFill>
+                  <a:srgbClr val="FFFFFF"/>
+                </a:solidFill>
+              </a14:hiddenFill>
+            </a:ext>
+          </a:extLst>
+        </p:spPr>
+        <p:txBody>
+          <a:bodyPr wrap="none" anchor="ctr"/>
+          <a:lstStyle>
+            <a:lvl1pPr marL="457200" indent="-457200">
+              <a:defRPr sz="3200">
+                <a:solidFill>
+                  <a:schemeClr val="tx1"/>
+                </a:solidFill>
+                <a:latin typeface="Arial" panose="020B0604020202020204" pitchFamily="34" charset="0"/>
+                <a:ea typeface="微软雅黑" panose="020B0503020204020204" pitchFamily="34" charset="-122"/>
+              </a:defRPr>
+            </a:lvl1pPr>
+            <a:lvl2pPr marL="742950" indent="-285750">
+              <a:defRPr sz="3200">
+                <a:solidFill>
+                  <a:schemeClr val="tx1"/>
+                </a:solidFill>
+                <a:latin typeface="Arial" panose="020B0604020202020204" pitchFamily="34" charset="0"/>
+                <a:ea typeface="微软雅黑" panose="020B0503020204020204" pitchFamily="34" charset="-122"/>
+              </a:defRPr>
+            </a:lvl2pPr>
+            <a:lvl3pPr marL="1143000" indent="-228600">
+              <a:defRPr sz="3200">
+                <a:solidFill>
+                  <a:schemeClr val="tx1"/>
+                </a:solidFill>
+                <a:latin typeface="Arial" panose="020B0604020202020204" pitchFamily="34" charset="0"/>
+                <a:ea typeface="微软雅黑" panose="020B0503020204020204" pitchFamily="34" charset="-122"/>
+              </a:defRPr>
+            </a:lvl3pPr>
+            <a:lvl4pPr marL="1600200" indent="-228600">
+              <a:defRPr sz="3200">
+                <a:solidFill>
+                  <a:schemeClr val="tx1"/>
+                </a:solidFill>
+                <a:latin typeface="Arial" panose="020B0604020202020204" pitchFamily="34" charset="0"/>
+                <a:ea typeface="微软雅黑" panose="020B0503020204020204" pitchFamily="34" charset="-122"/>
+              </a:defRPr>
+            </a:lvl4pPr>
+            <a:lvl5pPr marL="2057400" indent="-228600">
+              <a:defRPr sz="3200">
+                <a:solidFill>
+                  <a:schemeClr val="tx1"/>
+                </a:solidFill>
+                <a:latin typeface="Arial" panose="020B0604020202020204" pitchFamily="34" charset="0"/>
+                <a:ea typeface="微软雅黑" panose="020B0503020204020204" pitchFamily="34" charset="-122"/>
+              </a:defRPr>
+            </a:lvl5pPr>
+            <a:lvl6pPr marL="2514600" indent="-228600" eaLnBrk="0" fontAlgn="base" hangingPunct="0">
+              <a:spcBef>
+                <a:spcPct val="0"/>
+              </a:spcBef>
+              <a:spcAft>
+                <a:spcPct val="0"/>
+              </a:spcAft>
+              <a:defRPr sz="3200">
+                <a:solidFill>
+                  <a:schemeClr val="tx1"/>
+                </a:solidFill>
+                <a:latin typeface="Arial" panose="020B0604020202020204" pitchFamily="34" charset="0"/>
+                <a:ea typeface="微软雅黑" panose="020B0503020204020204" pitchFamily="34" charset="-122"/>
+              </a:defRPr>
+            </a:lvl6pPr>
+            <a:lvl7pPr marL="2971800" indent="-228600" eaLnBrk="0" fontAlgn="base" hangingPunct="0">
+              <a:spcBef>
+                <a:spcPct val="0"/>
+              </a:spcBef>
+              <a:spcAft>
+                <a:spcPct val="0"/>
+              </a:spcAft>
+              <a:defRPr sz="3200">
+                <a:solidFill>
+                  <a:schemeClr val="tx1"/>
+                </a:solidFill>
+                <a:latin typeface="Arial" panose="020B0604020202020204" pitchFamily="34" charset="0"/>
+                <a:ea typeface="微软雅黑" panose="020B0503020204020204" pitchFamily="34" charset="-122"/>
+              </a:defRPr>
+            </a:lvl7pPr>
+            <a:lvl8pPr marL="3429000" indent="-228600" eaLnBrk="0" fontAlgn="base" hangingPunct="0">
+              <a:spcBef>
+                <a:spcPct val="0"/>
+              </a:spcBef>
+              <a:spcAft>
+                <a:spcPct val="0"/>
+              </a:spcAft>
+              <a:defRPr sz="3200">
+                <a:solidFill>
+                  <a:schemeClr val="tx1"/>
+                </a:solidFill>
+                <a:latin typeface="Arial" panose="020B0604020202020204" pitchFamily="34" charset="0"/>
+                <a:ea typeface="微软雅黑" panose="020B0503020204020204" pitchFamily="34" charset="-122"/>
+              </a:defRPr>
+            </a:lvl8pPr>
+            <a:lvl9pPr marL="3886200" indent="-228600" eaLnBrk="0" fontAlgn="base" hangingPunct="0">
+              <a:spcBef>
+                <a:spcPct val="0"/>
+              </a:spcBef>
+              <a:spcAft>
+                <a:spcPct val="0"/>
+              </a:spcAft>
+              <a:defRPr sz="3200">
+                <a:solidFill>
+                  <a:schemeClr val="tx1"/>
+                </a:solidFill>
+                <a:latin typeface="Arial" panose="020B0604020202020204" pitchFamily="34" charset="0"/>
+                <a:ea typeface="微软雅黑" panose="020B0503020204020204" pitchFamily="34" charset="-122"/>
+              </a:defRPr>
+            </a:lvl9pPr>
+          </a:lstStyle>
+          <a:p>
+            <a:pPr algn="l">
+              <a:lnSpc>
+                <a:spcPct val="150000"/>
+              </a:lnSpc>
+              <a:spcBef>
+                <a:spcPts val="1200"/>
+              </a:spcBef>
+              <a:spcAft>
+                <a:spcPts val="1200"/>
+              </a:spcAft>
+              <a:buClr>
+                <a:srgbClr val="92D050"/>
+              </a:buClr>
+              <a:buFont typeface="Wingdings" panose="05000000000000000000" pitchFamily="2" charset="2"/>
+              <a:buChar char="Ø"/>
+            </a:pPr>
+            <a:r>
+              <a:rPr lang="en-US" altLang="zh-CN" sz="2800" b="1">
+                <a:solidFill>
+                  <a:srgbClr val="FF0000"/>
+                </a:solidFill>
+                <a:sym typeface="+mn-ea"/>
+              </a:rPr>
+              <a:t>JS</a:t>
+            </a:r>
+            <a:r>
+              <a:rPr lang="zh-CN" altLang="en-US" sz="2800" b="1">
+                <a:solidFill>
+                  <a:srgbClr val="FF0000"/>
+                </a:solidFill>
+                <a:sym typeface="+mn-ea"/>
+              </a:rPr>
+              <a:t>异步相关概念</a:t>
+            </a:r>
+            <a:endParaRPr lang="zh-CN" altLang="en-US" sz="2800" b="1">
+              <a:solidFill>
+                <a:srgbClr val="FF0000"/>
+              </a:solidFill>
+              <a:sym typeface="+mn-ea"/>
+            </a:endParaRPr>
+          </a:p>
+          <a:p>
+            <a:pPr algn="l">
+              <a:lnSpc>
+                <a:spcPct val="150000"/>
+              </a:lnSpc>
+              <a:spcBef>
+                <a:spcPts val="1200"/>
+              </a:spcBef>
+              <a:spcAft>
+                <a:spcPts val="1200"/>
+              </a:spcAft>
+              <a:buClr>
+                <a:srgbClr val="92D050"/>
+              </a:buClr>
+              <a:buFont typeface="Wingdings" panose="05000000000000000000" pitchFamily="2" charset="2"/>
+              <a:buChar char="Ø"/>
+            </a:pPr>
+            <a:r>
+              <a:rPr lang="en-US" altLang="zh-CN" sz="2800" b="1">
+                <a:solidFill>
+                  <a:schemeClr val="tx1"/>
+                </a:solidFill>
+                <a:sym typeface="+mn-ea"/>
+              </a:rPr>
+              <a:t>JS</a:t>
+            </a:r>
+            <a:r>
+              <a:rPr lang="zh-CN" altLang="en-US" sz="2800" b="1">
+                <a:solidFill>
+                  <a:schemeClr val="tx1"/>
+                </a:solidFill>
+                <a:sym typeface="+mn-ea"/>
+              </a:rPr>
+              <a:t>异步的几种形式</a:t>
+            </a:r>
+            <a:endParaRPr lang="zh-CN" altLang="en-US" sz="2800" b="1">
+              <a:solidFill>
+                <a:schemeClr val="tx1"/>
+              </a:solidFill>
+              <a:sym typeface="+mn-ea"/>
+            </a:endParaRPr>
+          </a:p>
+          <a:p>
+            <a:pPr algn="l">
+              <a:lnSpc>
+                <a:spcPct val="150000"/>
+              </a:lnSpc>
+              <a:spcBef>
+                <a:spcPts val="1200"/>
+              </a:spcBef>
+              <a:spcAft>
+                <a:spcPts val="1200"/>
+              </a:spcAft>
+              <a:buClr>
+                <a:srgbClr val="92D050"/>
+              </a:buClr>
+              <a:buFont typeface="Wingdings" panose="05000000000000000000" pitchFamily="2" charset="2"/>
+              <a:buChar char="Ø"/>
+            </a:pPr>
+            <a:r>
+              <a:rPr lang="en-US" altLang="zh-CN" sz="2800" b="1">
+                <a:solidFill>
+                  <a:schemeClr val="tx1"/>
+                </a:solidFill>
+                <a:sym typeface="+mn-ea"/>
+              </a:rPr>
+              <a:t>JS</a:t>
+            </a:r>
+            <a:r>
+              <a:rPr lang="zh-CN" altLang="en-US" sz="2800" b="1">
+                <a:solidFill>
+                  <a:schemeClr val="tx1"/>
+                </a:solidFill>
+                <a:sym typeface="+mn-ea"/>
+              </a:rPr>
+              <a:t>异步与数据交互</a:t>
+            </a:r>
+            <a:endParaRPr lang="zh-CN" altLang="en-US" sz="2800" b="1">
+              <a:solidFill>
+                <a:schemeClr val="tx1"/>
+              </a:solidFill>
+              <a:sym typeface="+mn-ea"/>
+            </a:endParaRPr>
+          </a:p>
+        </p:txBody>
+      </p:sp>
+      <p:sp>
+        <p:nvSpPr>
+          <p:cNvPr id="4" name="内容占位符 3"/>
+          <p:cNvSpPr txBox="1"/>
+          <p:nvPr/>
+        </p:nvSpPr>
+        <p:spPr>
+          <a:xfrm>
+            <a:off x="981657" y="236943"/>
+            <a:ext cx="8191557" cy="490476"/>
+          </a:xfrm>
+          <a:prstGeom prst="rect">
+            <a:avLst/>
+          </a:prstGeom>
+        </p:spPr>
+        <p:txBody>
+          <a:bodyPr/>
+          <a:lstStyle>
+            <a:lvl1pPr marL="167005" indent="-167005" algn="l" defTabSz="0" rtl="0" eaLnBrk="0" fontAlgn="base" hangingPunct="0">
+              <a:spcBef>
+                <a:spcPct val="0"/>
+              </a:spcBef>
+              <a:spcAft>
+                <a:spcPct val="15000"/>
+              </a:spcAft>
+              <a:buClr>
+                <a:schemeClr val="tx2"/>
+              </a:buClr>
+              <a:buFont typeface="Arial" panose="020B0604020202020204" pitchFamily="34" charset="0"/>
+              <a:buChar char="•"/>
+              <a:defRPr kumimoji="1" sz="1600">
+                <a:solidFill>
+                  <a:srgbClr val="006F53"/>
+                </a:solidFill>
+                <a:latin typeface="微软雅黑" panose="020B0503020204020204" pitchFamily="34" charset="-122"/>
+                <a:ea typeface="微软雅黑" panose="020B0503020204020204" pitchFamily="34" charset="-122"/>
+                <a:cs typeface="微软雅黑" panose="020B0503020204020204" pitchFamily="34" charset="-122"/>
+              </a:defRPr>
+            </a:lvl1pPr>
+            <a:lvl2pPr marL="398780" indent="-230505" algn="l" defTabSz="0" rtl="0" eaLnBrk="0" fontAlgn="base" hangingPunct="0">
+              <a:spcBef>
+                <a:spcPct val="0"/>
+              </a:spcBef>
+              <a:spcAft>
+                <a:spcPct val="15000"/>
+              </a:spcAft>
+              <a:buClr>
+                <a:schemeClr val="tx2"/>
+              </a:buClr>
+              <a:buFont typeface="Arial" panose="020B0604020202020204" pitchFamily="34" charset="0"/>
+              <a:buChar char="–"/>
+              <a:defRPr kumimoji="1" sz="2800">
+                <a:solidFill>
+                  <a:schemeClr val="bg2"/>
+                </a:solidFill>
+                <a:latin typeface="微软雅黑" panose="020B0503020204020204" pitchFamily="34" charset="-122"/>
+                <a:ea typeface="微软雅黑" panose="020B0503020204020204" pitchFamily="34" charset="-122"/>
+                <a:cs typeface="微软雅黑" panose="020B0503020204020204" pitchFamily="34" charset="-122"/>
+              </a:defRPr>
+            </a:lvl2pPr>
+            <a:lvl3pPr marL="400050" indent="182880" algn="l" defTabSz="0" rtl="0" eaLnBrk="0" fontAlgn="base" hangingPunct="0">
+              <a:spcBef>
+                <a:spcPct val="0"/>
+              </a:spcBef>
+              <a:spcAft>
+                <a:spcPct val="15000"/>
+              </a:spcAft>
+              <a:buClr>
+                <a:schemeClr val="tx2"/>
+              </a:buClr>
+              <a:buFont typeface="Arial" panose="020B0604020202020204" pitchFamily="34" charset="0"/>
+              <a:buChar char="•"/>
+              <a:defRPr kumimoji="1" sz="1600">
+                <a:solidFill>
+                  <a:schemeClr val="bg2"/>
+                </a:solidFill>
+                <a:latin typeface="微软雅黑" panose="020B0503020204020204" pitchFamily="34" charset="-122"/>
+                <a:ea typeface="微软雅黑" panose="020B0503020204020204" pitchFamily="34" charset="-122"/>
+                <a:cs typeface="微软雅黑" panose="020B0503020204020204" pitchFamily="34" charset="-122"/>
+              </a:defRPr>
+            </a:lvl3pPr>
+            <a:lvl4pPr marL="825500" indent="-241300" algn="l" defTabSz="0" rtl="0" eaLnBrk="0" fontAlgn="base" hangingPunct="0">
+              <a:spcBef>
+                <a:spcPct val="0"/>
+              </a:spcBef>
+              <a:spcAft>
+                <a:spcPct val="15000"/>
+              </a:spcAft>
+              <a:buClr>
+                <a:schemeClr val="tx2"/>
+              </a:buClr>
+              <a:buFont typeface="Arial" panose="020B0604020202020204" pitchFamily="34" charset="0"/>
+              <a:buChar char="–"/>
+              <a:defRPr kumimoji="1" sz="1600">
+                <a:solidFill>
+                  <a:schemeClr val="bg2"/>
+                </a:solidFill>
+                <a:latin typeface="微软雅黑" panose="020B0503020204020204" pitchFamily="34" charset="-122"/>
+                <a:ea typeface="微软雅黑" panose="020B0503020204020204" pitchFamily="34" charset="-122"/>
+                <a:cs typeface="微软雅黑" panose="020B0503020204020204" pitchFamily="34" charset="-122"/>
+              </a:defRPr>
+            </a:lvl4pPr>
+            <a:lvl5pPr marL="2057400" indent="-228600" algn="l" defTabSz="0" rtl="0" eaLnBrk="0" fontAlgn="base" hangingPunct="0">
+              <a:spcBef>
+                <a:spcPct val="0"/>
+              </a:spcBef>
+              <a:spcAft>
+                <a:spcPct val="25000"/>
+              </a:spcAft>
+              <a:buClr>
+                <a:schemeClr val="tx2"/>
+              </a:buClr>
+              <a:buFont typeface="Arial" panose="020B0604020202020204" pitchFamily="34" charset="0"/>
+              <a:buChar char="–"/>
+              <a:defRPr kumimoji="1" sz="2000">
+                <a:solidFill>
+                  <a:schemeClr val="tx1"/>
+                </a:solidFill>
+                <a:latin typeface="+mn-lt"/>
+                <a:ea typeface="微软雅黑" panose="020B0503020204020204" pitchFamily="34" charset="-122"/>
+                <a:cs typeface="微软雅黑" panose="020B0503020204020204" pitchFamily="34" charset="-122"/>
+              </a:defRPr>
+            </a:lvl5pPr>
+            <a:lvl6pPr marL="2514600" indent="-228600" algn="l" defTabSz="0" rtl="0" eaLnBrk="0" fontAlgn="base" hangingPunct="0">
+              <a:spcBef>
+                <a:spcPct val="0"/>
+              </a:spcBef>
+              <a:spcAft>
+                <a:spcPct val="25000"/>
+              </a:spcAft>
+              <a:buClr>
+                <a:schemeClr val="tx2"/>
+              </a:buClr>
+              <a:buFont typeface="Arial" panose="020B0604020202020204" pitchFamily="34" charset="0"/>
+              <a:buChar char="–"/>
+              <a:defRPr>
+                <a:solidFill>
+                  <a:schemeClr val="tx1"/>
+                </a:solidFill>
+                <a:latin typeface="+mn-lt"/>
+              </a:defRPr>
+            </a:lvl6pPr>
+            <a:lvl7pPr marL="2971800" indent="-228600" algn="l" defTabSz="0" rtl="0" eaLnBrk="0" fontAlgn="base" hangingPunct="0">
+              <a:spcBef>
+                <a:spcPct val="0"/>
+              </a:spcBef>
+              <a:spcAft>
+                <a:spcPct val="25000"/>
+              </a:spcAft>
+              <a:buClr>
+                <a:schemeClr val="tx2"/>
+              </a:buClr>
+              <a:buFont typeface="Arial" panose="020B0604020202020204" pitchFamily="34" charset="0"/>
+              <a:buChar char="–"/>
+              <a:defRPr>
+                <a:solidFill>
+                  <a:schemeClr val="tx1"/>
+                </a:solidFill>
+                <a:latin typeface="+mn-lt"/>
+              </a:defRPr>
+            </a:lvl7pPr>
+            <a:lvl8pPr marL="3429000" indent="-228600" algn="l" defTabSz="0" rtl="0" eaLnBrk="0" fontAlgn="base" hangingPunct="0">
+              <a:spcBef>
+                <a:spcPct val="0"/>
+              </a:spcBef>
+              <a:spcAft>
+                <a:spcPct val="25000"/>
+              </a:spcAft>
+              <a:buClr>
+                <a:schemeClr val="tx2"/>
+              </a:buClr>
+              <a:buFont typeface="Arial" panose="020B0604020202020204" pitchFamily="34" charset="0"/>
+              <a:buChar char="–"/>
+              <a:defRPr>
+                <a:solidFill>
+                  <a:schemeClr val="tx1"/>
+                </a:solidFill>
+                <a:latin typeface="+mn-lt"/>
+              </a:defRPr>
+            </a:lvl8pPr>
+            <a:lvl9pPr marL="3886200" indent="-228600" algn="l" defTabSz="0" rtl="0" eaLnBrk="0" fontAlgn="base" hangingPunct="0">
+              <a:spcBef>
+                <a:spcPct val="0"/>
+              </a:spcBef>
+              <a:spcAft>
+                <a:spcPct val="25000"/>
+              </a:spcAft>
+              <a:buClr>
+                <a:schemeClr val="tx2"/>
+              </a:buClr>
+              <a:buFont typeface="Arial" panose="020B0604020202020204" pitchFamily="34" charset="0"/>
+              <a:buChar char="–"/>
+              <a:defRPr>
+                <a:solidFill>
+                  <a:schemeClr val="tx1"/>
+                </a:solidFill>
+                <a:latin typeface="+mn-lt"/>
+              </a:defRPr>
+            </a:lvl9pPr>
+          </a:lstStyle>
+          <a:p>
+            <a:pPr marL="0" indent="0">
+              <a:buNone/>
+            </a:pPr>
+            <a:r>
+              <a:rPr lang="zh-CN" altLang="en-US" sz="3200" dirty="0" smtClean="0">
+                <a:solidFill>
+                  <a:srgbClr val="C00000"/>
+                </a:solidFill>
+                <a:cs typeface="+mn-cs"/>
+                <a:sym typeface="+mn-ea"/>
+              </a:rPr>
+              <a:t>内容提纲</a:t>
+            </a:r>
+            <a:endParaRPr lang="zh-CN" altLang="en-US" kern="0" dirty="0"/>
+          </a:p>
+        </p:txBody>
+      </p:sp>
+    </p:spTree>
+  </p:cSld>
+  <p:clrMapOvr>
+    <a:masterClrMapping/>
+  </p:clrMapOvr>
+  <p:timing>
+    <p:tnLst>
+      <p:par>
+        <p:cTn id="1" dur="indefinite" restart="never" nodeType="tmRoot"/>
+      </p:par>
+    </p:tnLst>
+  </p:timing>
+</p:sld>
+</file>
+
+<file path=ppt/slides/slide3.xml><?xml version="1.0" encoding="utf-8"?>
+<p:sld xmlns:a="http://schemas.openxmlformats.org/drawingml/2006/main" xmlns:r="http://schemas.openxmlformats.org/officeDocument/2006/relationships" xmlns:p="http://schemas.openxmlformats.org/presentationml/2006/main">
+  <p:cSld>
+    <p:spTree>
+      <p:nvGrpSpPr>
+        <p:cNvPr id="1" name=""/>
+        <p:cNvGrpSpPr/>
+        <p:nvPr/>
+      </p:nvGrpSpPr>
+      <p:grpSpPr>
+        <a:xfrm>
+          <a:off x="0" y="0"/>
+          <a:ext cx="0" cy="0"/>
+          <a:chOff x="0" y="0"/>
+          <a:chExt cx="0" cy="0"/>
+        </a:xfrm>
+      </p:grpSpPr>
+      <p:sp>
+        <p:nvSpPr>
+          <p:cNvPr id="2" name="内容占位符 1"/>
+          <p:cNvSpPr>
+            <a:spLocks noGrp="1"/>
+          </p:cNvSpPr>
+          <p:nvPr>
+            <p:ph sz="quarter" idx="10"/>
+          </p:nvPr>
+        </p:nvSpPr>
+        <p:spPr>
+          <a:xfrm>
+            <a:off x="927735" y="783590"/>
+            <a:ext cx="10781665" cy="5269230"/>
+          </a:xfrm>
+        </p:spPr>
+        <p:txBody>
+          <a:bodyPr/>
+          <a:lstStyle/>
+          <a:p>
+            <a:pPr>
+              <a:lnSpc>
+                <a:spcPct val="150000"/>
+              </a:lnSpc>
+            </a:pPr>
+            <a:r>
+              <a:rPr lang="zh-CN" sz="3200" dirty="0">
+                <a:solidFill>
+                  <a:schemeClr val="tx1"/>
+                </a:solidFill>
+                <a:sym typeface="+mn-ea"/>
+              </a:rPr>
+              <a:t>单线程与多线程（优缺点）</a:t>
+            </a:r>
+            <a:br>
+              <a:rPr lang="zh-CN" sz="3200" dirty="0">
+                <a:solidFill>
+                  <a:schemeClr val="tx1"/>
+                </a:solidFill>
+                <a:sym typeface="+mn-ea"/>
+              </a:rPr>
+            </a:br>
+            <a:r>
+              <a:rPr lang="en-US" altLang="zh-CN" sz="2000" dirty="0">
+                <a:solidFill>
+                  <a:schemeClr val="tx1"/>
+                </a:solidFill>
+                <a:sym typeface="+mn-ea"/>
+              </a:rPr>
+              <a:t>- </a:t>
+            </a:r>
+            <a:r>
+              <a:rPr lang="zh-CN" altLang="en-US" sz="2000" dirty="0">
+                <a:solidFill>
+                  <a:schemeClr val="tx1"/>
+                </a:solidFill>
+                <a:sym typeface="+mn-ea"/>
+              </a:rPr>
+              <a:t>线程是程序执行流的最基本单元</a:t>
+            </a:r>
+            <a:r>
+              <a:rPr lang="zh-CN" altLang="en-US" sz="2000" dirty="0">
+                <a:solidFill>
+                  <a:schemeClr val="tx1"/>
+                </a:solidFill>
+                <a:sym typeface="+mn-ea"/>
+              </a:rPr>
+              <a:t>（类比单个实体的人）</a:t>
+            </a:r>
+            <a:r>
+              <a:rPr lang="zh-CN" altLang="en-US" sz="2000" dirty="0">
+                <a:solidFill>
+                  <a:schemeClr val="tx1"/>
+                </a:solidFill>
+                <a:sym typeface="+mn-ea"/>
+              </a:rPr>
+              <a:t>，是进程中的一个实体</a:t>
+            </a:r>
+            <a:br>
+              <a:rPr lang="zh-CN" altLang="en-US" sz="2000" dirty="0">
+                <a:solidFill>
+                  <a:schemeClr val="tx1"/>
+                </a:solidFill>
+                <a:sym typeface="+mn-ea"/>
+              </a:rPr>
+            </a:br>
+            <a:r>
+              <a:rPr lang="en-US" altLang="zh-CN" sz="2000" dirty="0">
+                <a:solidFill>
+                  <a:schemeClr val="tx1"/>
+                </a:solidFill>
+                <a:sym typeface="+mn-ea"/>
+              </a:rPr>
+              <a:t>- </a:t>
+            </a:r>
+            <a:r>
+              <a:rPr lang="zh-CN" altLang="en-US" sz="2000" dirty="0">
+                <a:solidFill>
+                  <a:schemeClr val="tx1"/>
+                </a:solidFill>
+                <a:sym typeface="+mn-ea"/>
+              </a:rPr>
+              <a:t>一个线程</a:t>
+            </a:r>
+            <a:r>
+              <a:rPr lang="zh-CN" altLang="en-US" sz="2000" dirty="0">
+                <a:solidFill>
+                  <a:schemeClr val="tx1"/>
+                </a:solidFill>
+                <a:sym typeface="+mn-ea"/>
+              </a:rPr>
+              <a:t>可与同属一个进程的其它线程共享进程所拥有的系统资源</a:t>
+            </a:r>
+            <a:br>
+              <a:rPr lang="zh-CN" altLang="en-US" sz="2000" dirty="0">
+                <a:solidFill>
+                  <a:schemeClr val="tx1"/>
+                </a:solidFill>
+                <a:sym typeface="+mn-ea"/>
+              </a:rPr>
+            </a:br>
+            <a:r>
+              <a:rPr lang="en-US" altLang="zh-CN" sz="2000" dirty="0">
+                <a:solidFill>
+                  <a:schemeClr val="tx1"/>
+                </a:solidFill>
+                <a:sym typeface="+mn-ea"/>
+              </a:rPr>
+              <a:t>- </a:t>
+            </a:r>
+            <a:r>
+              <a:rPr lang="zh-CN" altLang="en-US" sz="2000" dirty="0">
+                <a:solidFill>
+                  <a:schemeClr val="tx1"/>
+                </a:solidFill>
+                <a:sym typeface="+mn-ea"/>
+              </a:rPr>
+              <a:t>标准的线程由线程ID，当前指令指针(PC），寄存器集合和堆栈组成</a:t>
+            </a:r>
+            <a:br>
+              <a:rPr lang="zh-CN" altLang="en-US" sz="2000" dirty="0">
+                <a:solidFill>
+                  <a:schemeClr val="tx1"/>
+                </a:solidFill>
+                <a:sym typeface="+mn-ea"/>
+              </a:rPr>
+            </a:br>
+            <a:r>
+              <a:rPr lang="en-US" altLang="zh-CN" sz="2000" dirty="0">
+                <a:solidFill>
+                  <a:schemeClr val="tx1"/>
+                </a:solidFill>
+                <a:sym typeface="+mn-ea"/>
+              </a:rPr>
+              <a:t>- JS</a:t>
+            </a:r>
+            <a:r>
+              <a:rPr lang="zh-CN" altLang="en-US" sz="2000" dirty="0">
+                <a:solidFill>
+                  <a:schemeClr val="tx1"/>
+                </a:solidFill>
+                <a:sym typeface="+mn-ea"/>
+              </a:rPr>
+              <a:t>是单线程的，指的是</a:t>
+            </a:r>
+            <a:r>
+              <a:rPr lang="zh-CN" altLang="en-US" sz="2000" dirty="0">
+                <a:solidFill>
+                  <a:srgbClr val="FF0000"/>
+                </a:solidFill>
+                <a:sym typeface="+mn-ea"/>
+              </a:rPr>
+              <a:t>JS引擎解释和执行代码是单线程</a:t>
+            </a:r>
+            <a:r>
+              <a:rPr lang="zh-CN" altLang="en-US" sz="2000" dirty="0">
+                <a:solidFill>
+                  <a:schemeClr val="tx1"/>
+                </a:solidFill>
+                <a:sym typeface="+mn-ea"/>
+              </a:rPr>
+              <a:t>的，完成所有任务还要配合其他线程</a:t>
+            </a:r>
+            <a:endParaRPr lang="zh-CN" altLang="en-US" sz="2000" dirty="0">
+              <a:solidFill>
+                <a:schemeClr val="tx1"/>
+              </a:solidFill>
+              <a:sym typeface="+mn-ea"/>
+            </a:endParaRPr>
+          </a:p>
+          <a:p>
+            <a:pPr>
+              <a:lnSpc>
+                <a:spcPct val="150000"/>
+              </a:lnSpc>
+            </a:pPr>
+            <a:r>
+              <a:rPr lang="zh-CN" altLang="en-US" sz="3200" dirty="0">
+                <a:solidFill>
+                  <a:schemeClr val="tx1"/>
+                </a:solidFill>
+                <a:sym typeface="+mn-ea"/>
+              </a:rPr>
+              <a:t>阻塞与非阻塞（优缺点）</a:t>
+            </a:r>
+            <a:br>
+              <a:rPr lang="zh-CN" altLang="en-US" sz="3200" dirty="0">
+                <a:solidFill>
+                  <a:schemeClr val="tx1"/>
+                </a:solidFill>
+                <a:sym typeface="+mn-ea"/>
+              </a:rPr>
+            </a:br>
+            <a:r>
+              <a:rPr lang="en-US" altLang="zh-CN" sz="2000" dirty="0">
+                <a:solidFill>
+                  <a:schemeClr val="tx1"/>
+                </a:solidFill>
+                <a:sym typeface="+mn-ea"/>
+              </a:rPr>
+              <a:t>- 阻塞是指调用结果返回之前，当前线程会被挂起。调用线程只有在得到结果之后才会返回</a:t>
+            </a:r>
+            <a:br>
+              <a:rPr lang="en-US" altLang="zh-CN" sz="2000" dirty="0">
+                <a:solidFill>
+                  <a:schemeClr val="tx1"/>
+                </a:solidFill>
+                <a:sym typeface="+mn-ea"/>
+              </a:rPr>
+            </a:br>
+            <a:r>
+              <a:rPr lang="en-US" altLang="zh-CN" sz="2000" dirty="0">
+                <a:solidFill>
+                  <a:schemeClr val="tx1"/>
+                </a:solidFill>
+                <a:sym typeface="+mn-ea"/>
+              </a:rPr>
+              <a:t>- 非阻塞调用指在不能立刻得到结果之前，该调用不会阻塞当前线程</a:t>
+            </a:r>
+            <a:endParaRPr lang="en-US" altLang="zh-CN" sz="2000" dirty="0">
+              <a:solidFill>
+                <a:schemeClr val="tx1"/>
+              </a:solidFill>
+              <a:sym typeface="+mn-ea"/>
+            </a:endParaRPr>
+          </a:p>
+          <a:p>
+            <a:pPr>
+              <a:lnSpc>
+                <a:spcPct val="150000"/>
+              </a:lnSpc>
+            </a:pPr>
+            <a:r>
+              <a:rPr lang="zh-CN" sz="3200" dirty="0">
+                <a:solidFill>
+                  <a:schemeClr val="tx1"/>
+                </a:solidFill>
+                <a:sym typeface="+mn-ea"/>
+              </a:rPr>
+              <a:t>串行与并行（区别于并发）</a:t>
+            </a:r>
+            <a:br>
+              <a:rPr lang="zh-CN" altLang="en-US" sz="2000" dirty="0">
+                <a:solidFill>
+                  <a:schemeClr val="tx1"/>
+                </a:solidFill>
+                <a:sym typeface="+mn-ea"/>
+              </a:rPr>
+            </a:br>
+            <a:endParaRPr lang="zh-CN" altLang="en-US" sz="2000" dirty="0">
+              <a:solidFill>
+                <a:schemeClr val="tx1"/>
+              </a:solidFill>
+              <a:sym typeface="+mn-ea"/>
+            </a:endParaRPr>
+          </a:p>
+        </p:txBody>
+      </p:sp>
+      <p:sp>
+        <p:nvSpPr>
+          <p:cNvPr id="3" name="内容占位符 2"/>
+          <p:cNvSpPr>
+            <a:spLocks noGrp="1"/>
+          </p:cNvSpPr>
+          <p:nvPr>
+            <p:ph sz="quarter" idx="11"/>
+          </p:nvPr>
+        </p:nvSpPr>
+        <p:spPr/>
+        <p:txBody>
+          <a:bodyPr/>
+          <a:lstStyle/>
+          <a:p>
+            <a:r>
+              <a:rPr lang="en-US" altLang="zh-CN" dirty="0"/>
+              <a:t>JS</a:t>
+            </a:r>
+            <a:r>
+              <a:rPr lang="zh-CN" altLang="en-US" dirty="0"/>
+              <a:t>异步相关概念</a:t>
+            </a:r>
+            <a:endParaRPr lang="en-US" altLang="zh-CN" dirty="0"/>
+          </a:p>
+        </p:txBody>
+      </p:sp>
+      <p:sp>
+        <p:nvSpPr>
+          <p:cNvPr id="4" name="文本框 3"/>
+          <p:cNvSpPr txBox="1"/>
+          <p:nvPr/>
+        </p:nvSpPr>
+        <p:spPr>
+          <a:xfrm>
+            <a:off x="6018530" y="6180455"/>
+            <a:ext cx="4253230" cy="398780"/>
+          </a:xfrm>
+          <a:prstGeom prst="rect">
+            <a:avLst/>
+          </a:prstGeom>
+          <a:noFill/>
+        </p:spPr>
+        <p:txBody>
+          <a:bodyPr wrap="square" rtlCol="0">
+            <a:spAutoFit/>
+          </a:bodyPr>
+          <a:p>
+            <a:r>
+              <a:rPr lang="zh-CN" altLang="en-US" sz="2000">
+                <a:solidFill>
+                  <a:srgbClr val="FF0000"/>
+                </a:solidFill>
+              </a:rPr>
+              <a:t>参见实例</a:t>
             </a:r>
             <a:r>
               <a:rPr lang="en-US" altLang="zh-CN" sz="2000">
@@ -3573,6 +5779,30 @@
                   <a:srgbClr val="FF0000"/>
                 </a:solidFill>
               </a:rPr>
+              <a:t>Demo</a:t>
+            </a:r>
+            <a:r>
+              <a:rPr lang="en-US" sz="2000">
+                <a:solidFill>
+                  <a:srgbClr val="FF0000"/>
+                </a:solidFill>
+              </a:rPr>
+              <a:t>1 </a:t>
+            </a:r>
+            <a:r>
+              <a:rPr lang="zh-CN" altLang="en-US" sz="2000">
+                <a:solidFill>
+                  <a:srgbClr val="FF0000"/>
+                </a:solidFill>
+              </a:rPr>
+              <a:t>基本概念的理解</a:t>
+            </a:r>
+            <a:r>
+              <a:rPr lang="en-US" altLang="zh-CN" sz="2000">
+                <a:solidFill>
+                  <a:srgbClr val="FF0000"/>
+                </a:solidFill>
+              </a:rPr>
               <a:t> </a:t>
             </a:r>
             <a:r>
@@ -3584,6 +5814,680 @@
               <a:t> </a:t>
             </a:r>
             <a:endParaRPr lang="en-US" altLang="zh-CN" sz="2000">
+              <a:solidFill>
+                <a:srgbClr val="FF0000"/>
+              </a:solidFill>
+            </a:endParaRPr>
+          </a:p>
+        </p:txBody>
+      </p:sp>
+    </p:spTree>
+  </p:cSld>
+  <p:clrMapOvr>
+    <a:masterClrMapping/>
+  </p:clrMapOvr>
+  <p:timing>
+    <p:tnLst>
+      <p:par>
+        <p:cTn id="1" dur="indefinite" restart="never" nodeType="tmRoot">
+          <p:childTnLst>
+            <p:seq concurrent="1" nextAc="seek">
+              <p:cTn id="2" dur="indefinite" nodeType="mainSeq">
+                <p:childTnLst>
+                  <p:par>
+                    <p:cTn id="3" fill="hold">
+                      <p:stCondLst>
+                        <p:cond delay="indefinite"/>
+                      </p:stCondLst>
+                      <p:childTnLst>
+                        <p:par>
+                          <p:cTn id="4" fill="hold">
+                            <p:stCondLst>
+                              <p:cond delay="0"/>
+                            </p:stCondLst>
+                            <p:childTnLst>
+                              <p:par>
+                                <p:cTn id="5" presetID="2" presetClass="entr" presetSubtype="4" fill="hold" nodeType="clickEffect">
+                                  <p:stCondLst>
+                                    <p:cond delay="0"/>
+                                  </p:stCondLst>
+                                  <p:childTnLst>
+                                    <p:set>
+                                      <p:cBhvr>
+                                        <p:cTn id="6" dur="1" fill="hold">
+                                          <p:stCondLst>
+                                            <p:cond delay="0"/>
+                                          </p:stCondLst>
+                                        </p:cTn>
+                                        <p:tgtEl>
+                                          <p:spTgt spid="2">
+                                            <p:txEl>
+                                              <p:pRg st="0" end="0"/>
+                                            </p:txEl>
+                                          </p:spTgt>
+                                        </p:tgtEl>
+                                        <p:attrNameLst>
+                                          <p:attrName>style.visibility</p:attrName>
+                                        </p:attrNameLst>
+                                      </p:cBhvr>
+                                      <p:to>
+                                        <p:strVal val="visible"/>
+                                      </p:to>
+                                    </p:set>
+                                    <p:anim calcmode="lin" valueType="num">
+                                      <p:cBhvr additive="base">
+                                        <p:cTn id="7" dur="500" fill="hold"/>
+                                        <p:tgtEl>
+                                          <p:spTgt spid="2">
+                                            <p:txEl>
+                                              <p:pRg st="0" end="0"/>
+                                            </p:txEl>
+                                          </p:spTgt>
+                                        </p:tgtEl>
+                                        <p:attrNameLst>
+                                          <p:attrName>ppt_x</p:attrName>
+                                        </p:attrNameLst>
+                                      </p:cBhvr>
+                                      <p:tavLst>
+                                        <p:tav tm="0">
+                                          <p:val>
+                                            <p:strVal val="#ppt_x"/>
+                                          </p:val>
+                                        </p:tav>
+                                        <p:tav tm="100000">
+                                          <p:val>
+                                            <p:strVal val="#ppt_x"/>
+                                          </p:val>
+                                        </p:tav>
+                                      </p:tavLst>
+                                    </p:anim>
+                                    <p:anim calcmode="lin" valueType="num">
+                                      <p:cBhvr additive="base">
+                                        <p:cTn id="8" dur="500" fill="hold"/>
+                                        <p:tgtEl>
+                                          <p:spTgt spid="2">
+                                            <p:txEl>
+                                              <p:pRg st="0" end="0"/>
+                                            </p:txEl>
+                                          </p:spTgt>
+                                        </p:tgtEl>
+                                        <p:attrNameLst>
+                                          <p:attrName>ppt_y</p:attrName>
+                                        </p:attrNameLst>
+                                      </p:cBhvr>
+                                      <p:tavLst>
+                                        <p:tav tm="0">
+                                          <p:val>
+                                            <p:strVal val="1+#ppt_h/2"/>
+                                          </p:val>
+                                        </p:tav>
+                                        <p:tav tm="100000">
+                                          <p:val>
+                                            <p:strVal val="#ppt_y"/>
+                                          </p:val>
+                                        </p:tav>
+                                      </p:tavLst>
+                                    </p:anim>
+                                  </p:childTnLst>
+                                </p:cTn>
+                              </p:par>
+                            </p:childTnLst>
+                          </p:cTn>
+                        </p:par>
+                      </p:childTnLst>
+                    </p:cTn>
+                  </p:par>
+                  <p:par>
+                    <p:cTn id="9" fill="hold">
+                      <p:stCondLst>
+                        <p:cond delay="indefinite"/>
+                      </p:stCondLst>
+                      <p:childTnLst>
+                        <p:par>
+                          <p:cTn id="10" fill="hold">
+                            <p:stCondLst>
+                              <p:cond delay="0"/>
+                            </p:stCondLst>
+                            <p:childTnLst>
+                              <p:par>
+                                <p:cTn id="11" presetID="2" presetClass="entr" presetSubtype="4" fill="hold" nodeType="clickEffect">
+                                  <p:stCondLst>
+                                    <p:cond delay="0"/>
+                                  </p:stCondLst>
+                                  <p:childTnLst>
+                                    <p:set>
+                                      <p:cBhvr>
+                                        <p:cTn id="12" dur="1" fill="hold">
+                                          <p:stCondLst>
+                                            <p:cond delay="0"/>
+                                          </p:stCondLst>
+                                        </p:cTn>
+                                        <p:tgtEl>
+                                          <p:spTgt spid="2">
+                                            <p:txEl>
+                                              <p:pRg st="1" end="1"/>
+                                            </p:txEl>
+                                          </p:spTgt>
+                                        </p:tgtEl>
+                                        <p:attrNameLst>
+                                          <p:attrName>style.visibility</p:attrName>
+                                        </p:attrNameLst>
+                                      </p:cBhvr>
+                                      <p:to>
+                                        <p:strVal val="visible"/>
+                                      </p:to>
+                                    </p:set>
+                                    <p:anim calcmode="lin" valueType="num">
+                                      <p:cBhvr additive="base">
+                                        <p:cTn id="13" dur="500" fill="hold"/>
+                                        <p:tgtEl>
+                                          <p:spTgt spid="2">
+                                            <p:txEl>
+                                              <p:pRg st="1" end="1"/>
+                                            </p:txEl>
+                                          </p:spTgt>
+                                        </p:tgtEl>
+                                        <p:attrNameLst>
+                                          <p:attrName>ppt_x</p:attrName>
+                                        </p:attrNameLst>
+                                      </p:cBhvr>
+                                      <p:tavLst>
+                                        <p:tav tm="0">
+                                          <p:val>
+                                            <p:strVal val="#ppt_x"/>
+                                          </p:val>
+                                        </p:tav>
+                                        <p:tav tm="100000">
+                                          <p:val>
+                                            <p:strVal val="#ppt_x"/>
+                                          </p:val>
+                                        </p:tav>
+                                      </p:tavLst>
+                                    </p:anim>
+                                    <p:anim calcmode="lin" valueType="num">
+                                      <p:cBhvr additive="base">
+                                        <p:cTn id="14" dur="500" fill="hold"/>
+                                        <p:tgtEl>
+                                          <p:spTgt spid="2">
+                                            <p:txEl>
+                                              <p:pRg st="1" end="1"/>
+                                            </p:txEl>
+                                          </p:spTgt>
+                                        </p:tgtEl>
+                                        <p:attrNameLst>
+                                          <p:attrName>ppt_y</p:attrName>
+                                        </p:attrNameLst>
+                                      </p:cBhvr>
+                                      <p:tavLst>
+                                        <p:tav tm="0">
+                                          <p:val>
+                                            <p:strVal val="1+#ppt_h/2"/>
+                                          </p:val>
+                                        </p:tav>
+                                        <p:tav tm="100000">
+                                          <p:val>
+                                            <p:strVal val="#ppt_y"/>
+                                          </p:val>
+                                        </p:tav>
+                                      </p:tavLst>
+                                    </p:anim>
+                                  </p:childTnLst>
+                                </p:cTn>
+                              </p:par>
+                            </p:childTnLst>
+                          </p:cTn>
+                        </p:par>
+                      </p:childTnLst>
+                    </p:cTn>
+                  </p:par>
+                  <p:par>
+                    <p:cTn id="15" fill="hold">
+                      <p:stCondLst>
+                        <p:cond delay="indefinite"/>
+                      </p:stCondLst>
+                      <p:childTnLst>
+                        <p:par>
+                          <p:cTn id="16" fill="hold">
+                            <p:stCondLst>
+                              <p:cond delay="0"/>
+                            </p:stCondLst>
+                            <p:childTnLst>
+                              <p:par>
+                                <p:cTn id="17" presetID="2" presetClass="entr" presetSubtype="4" fill="hold" nodeType="clickEffect">
+                                  <p:stCondLst>
+                                    <p:cond delay="0"/>
+                                  </p:stCondLst>
+                                  <p:childTnLst>
+                                    <p:set>
+                                      <p:cBhvr>
+                                        <p:cTn id="18" dur="1" fill="hold">
+                                          <p:stCondLst>
+                                            <p:cond delay="0"/>
+                                          </p:stCondLst>
+                                        </p:cTn>
+                                        <p:tgtEl>
+                                          <p:spTgt spid="2">
+                                            <p:txEl>
+                                              <p:pRg st="2" end="2"/>
+                                            </p:txEl>
+                                          </p:spTgt>
+                                        </p:tgtEl>
+                                        <p:attrNameLst>
+                                          <p:attrName>style.visibility</p:attrName>
+                                        </p:attrNameLst>
+                                      </p:cBhvr>
+                                      <p:to>
+                                        <p:strVal val="visible"/>
+                                      </p:to>
+                                    </p:set>
+                                    <p:anim calcmode="lin" valueType="num">
+                                      <p:cBhvr additive="base">
+                                        <p:cTn id="19" dur="500" fill="hold"/>
+                                        <p:tgtEl>
+                                          <p:spTgt spid="2">
+                                            <p:txEl>
+                                              <p:pRg st="2" end="2"/>
+                                            </p:txEl>
+                                          </p:spTgt>
+                                        </p:tgtEl>
+                                        <p:attrNameLst>
+                                          <p:attrName>ppt_x</p:attrName>
+                                        </p:attrNameLst>
+                                      </p:cBhvr>
+                                      <p:tavLst>
+                                        <p:tav tm="0">
+                                          <p:val>
+                                            <p:strVal val="#ppt_x"/>
+                                          </p:val>
+                                        </p:tav>
+                                        <p:tav tm="100000">
+                                          <p:val>
+                                            <p:strVal val="#ppt_x"/>
+                                          </p:val>
+                                        </p:tav>
+                                      </p:tavLst>
+                                    </p:anim>
+                                    <p:anim calcmode="lin" valueType="num">
+                                      <p:cBhvr additive="base">
+                                        <p:cTn id="20" dur="500" fill="hold"/>
+                                        <p:tgtEl>
+                                          <p:spTgt spid="2">
+                                            <p:txEl>
+                                              <p:pRg st="2" end="2"/>
+                                            </p:txEl>
+                                          </p:spTgt>
+                                        </p:tgtEl>
+                                        <p:attrNameLst>
+                                          <p:attrName>ppt_y</p:attrName>
+                                        </p:attrNameLst>
+                                      </p:cBhvr>
+                                      <p:tavLst>
+                                        <p:tav tm="0">
+                                          <p:val>
+                                            <p:strVal val="1+#ppt_h/2"/>
+                                          </p:val>
+                                        </p:tav>
+                                        <p:tav tm="100000">
+                                          <p:val>
+                                            <p:strVal val="#ppt_y"/>
+                                          </p:val>
+                                        </p:tav>
+                                      </p:tavLst>
+                                    </p:anim>
+                                  </p:childTnLst>
+                                </p:cTn>
+                              </p:par>
+                            </p:childTnLst>
+                          </p:cTn>
+                        </p:par>
+                        <p:par>
+                          <p:cTn id="21" fill="hold">
+                            <p:stCondLst>
+                              <p:cond delay="500"/>
+                            </p:stCondLst>
+                            <p:childTnLst>
+                              <p:par>
+                                <p:cTn id="22" presetID="2" presetClass="entr" presetSubtype="4" fill="hold" grpId="0" nodeType="afterEffect">
+                                  <p:stCondLst>
+                                    <p:cond delay="0"/>
+                                  </p:stCondLst>
+                                  <p:childTnLst>
+                                    <p:set>
+                                      <p:cBhvr>
+                                        <p:cTn id="23" dur="1" fill="hold">
+                                          <p:stCondLst>
+                                            <p:cond delay="0"/>
+                                          </p:stCondLst>
+                                        </p:cTn>
+                                        <p:tgtEl>
+                                          <p:spTgt spid="4"/>
+                                        </p:tgtEl>
+                                        <p:attrNameLst>
+                                          <p:attrName>style.visibility</p:attrName>
+                                        </p:attrNameLst>
+                                      </p:cBhvr>
+                                      <p:to>
+                                        <p:strVal val="visible"/>
+                                      </p:to>
+                                    </p:set>
+                                    <p:anim calcmode="lin" valueType="num">
+                                      <p:cBhvr additive="base">
+                                        <p:cTn id="24" dur="500" fill="hold"/>
+                                        <p:tgtEl>
+                                          <p:spTgt spid="4"/>
+                                        </p:tgtEl>
+                                        <p:attrNameLst>
+                                          <p:attrName>ppt_x</p:attrName>
+                                        </p:attrNameLst>
+                                      </p:cBhvr>
+                                      <p:tavLst>
+                                        <p:tav tm="0">
+                                          <p:val>
+                                            <p:strVal val="#ppt_x"/>
+                                          </p:val>
+                                        </p:tav>
+                                        <p:tav tm="100000">
+                                          <p:val>
+                                            <p:strVal val="#ppt_x"/>
+                                          </p:val>
+                                        </p:tav>
+                                      </p:tavLst>
+                                    </p:anim>
+                                    <p:anim calcmode="lin" valueType="num">
+                                      <p:cBhvr additive="base">
+                                        <p:cTn id="25" dur="500" fill="hold"/>
+                                        <p:tgtEl>
+                                          <p:spTgt spid="4"/>
+                                        </p:tgtEl>
+                                        <p:attrNameLst>
+                                          <p:attrName>ppt_y</p:attrName>
+                                        </p:attrNameLst>
+                                      </p:cBhvr>
+                                      <p:tavLst>
+                                        <p:tav tm="0">
+                                          <p:val>
+                                            <p:strVal val="1+#ppt_h/2"/>
+                                          </p:val>
+                                        </p:tav>
+                                        <p:tav tm="100000">
+                                          <p:val>
+                                            <p:strVal val="#ppt_y"/>
+                                          </p:val>
+                                        </p:tav>
+                                      </p:tavLst>
+                                    </p:anim>
+                                  </p:childTnLst>
+                                </p:cTn>
+                              </p:par>
+                            </p:childTnLst>
+                          </p:cTn>
+                        </p:par>
+                      </p:childTnLst>
+                    </p:cTn>
+                  </p:par>
+                </p:childTnLst>
+              </p:cTn>
+              <p:prevCondLst>
+                <p:cond evt="onPrev" delay="0">
+                  <p:tgtEl>
+                    <p:sldTgt/>
+                  </p:tgtEl>
+                </p:cond>
+              </p:prevCondLst>
+              <p:nextCondLst>
+                <p:cond evt="onNext" delay="0">
+                  <p:tgtEl>
+                    <p:sldTgt/>
+                  </p:tgtEl>
+                </p:cond>
+              </p:nextCondLst>
+            </p:seq>
+          </p:childTnLst>
+        </p:cTn>
+      </p:par>
+    </p:tnLst>
+    <p:bldLst>
+      <p:bldP spid="4" grpId="0"/>
+    </p:bldLst>
+  </p:timing>
+</p:sld>
+</file>
+
+<file path=ppt/slides/slide4.xml><?xml version="1.0" encoding="utf-8"?>
+<p:sld xmlns:a="http://schemas.openxmlformats.org/drawingml/2006/main" xmlns:r="http://schemas.openxmlformats.org/officeDocument/2006/relationships" xmlns:p="http://schemas.openxmlformats.org/presentationml/2006/main">
+  <p:cSld>
+    <p:spTree>
+      <p:nvGrpSpPr>
+        <p:cNvPr id="1" name=""/>
+        <p:cNvGrpSpPr/>
+        <p:nvPr/>
+      </p:nvGrpSpPr>
+      <p:grpSpPr>
+        <a:xfrm>
+          <a:off x="0" y="0"/>
+          <a:ext cx="0" cy="0"/>
+          <a:chOff x="0" y="0"/>
+          <a:chExt cx="0" cy="0"/>
+        </a:xfrm>
+      </p:grpSpPr>
+      <p:sp>
+        <p:nvSpPr>
+          <p:cNvPr id="2" name="内容占位符 1"/>
+          <p:cNvSpPr>
+            <a:spLocks noGrp="1"/>
+          </p:cNvSpPr>
+          <p:nvPr>
+            <p:ph sz="quarter" idx="10"/>
+          </p:nvPr>
+        </p:nvSpPr>
+        <p:spPr>
+          <a:xfrm>
+            <a:off x="927735" y="783590"/>
+            <a:ext cx="10781665" cy="5269230"/>
+          </a:xfrm>
+        </p:spPr>
+        <p:txBody>
+          <a:bodyPr/>
+          <a:lstStyle/>
+          <a:p>
+            <a:pPr>
+              <a:lnSpc>
+                <a:spcPct val="150000"/>
+              </a:lnSpc>
+            </a:pPr>
+            <a:r>
+              <a:rPr lang="zh-CN" sz="3200" dirty="0">
+                <a:solidFill>
+                  <a:schemeClr val="tx1"/>
+                </a:solidFill>
+                <a:sym typeface="+mn-ea"/>
+              </a:rPr>
+              <a:t>同步与异步（</a:t>
+            </a:r>
+            <a:r>
+              <a:rPr lang="en-US" altLang="zh-CN" sz="3200" dirty="0">
+                <a:solidFill>
+                  <a:schemeClr val="tx1"/>
+                </a:solidFill>
+                <a:sym typeface="+mn-ea"/>
+              </a:rPr>
+              <a:t>JS</a:t>
+            </a:r>
+            <a:r>
+              <a:rPr lang="zh-CN" altLang="en-US" sz="3200" dirty="0">
+                <a:solidFill>
+                  <a:schemeClr val="tx1"/>
+                </a:solidFill>
+                <a:sym typeface="+mn-ea"/>
+              </a:rPr>
+              <a:t>中的任务主要分为两种）</a:t>
+            </a:r>
+            <a:br>
+              <a:rPr lang="zh-CN" altLang="en-US" sz="2000" dirty="0">
+                <a:solidFill>
+                  <a:schemeClr val="tx1"/>
+                </a:solidFill>
+                <a:sym typeface="+mn-ea"/>
+              </a:rPr>
+            </a:br>
+            <a:r>
+              <a:rPr lang="en-US" altLang="zh-CN" sz="2000" dirty="0">
+                <a:solidFill>
+                  <a:schemeClr val="tx1"/>
+                </a:solidFill>
+                <a:sym typeface="+mn-ea"/>
+              </a:rPr>
+              <a:t>- </a:t>
+            </a:r>
+            <a:r>
+              <a:rPr lang="zh-CN" altLang="en-US" sz="2000" dirty="0">
+                <a:solidFill>
+                  <a:schemeClr val="tx1"/>
+                </a:solidFill>
+                <a:sym typeface="+mn-ea"/>
+              </a:rPr>
+              <a:t>同步任务：在主线程上排队执行的任务，只有前一个任务执行完毕，才能执行后一个任务</a:t>
+            </a:r>
+            <a:br>
+              <a:rPr lang="zh-CN" altLang="en-US" sz="2000" dirty="0">
+                <a:solidFill>
+                  <a:schemeClr val="tx1"/>
+                </a:solidFill>
+                <a:sym typeface="+mn-ea"/>
+              </a:rPr>
+            </a:br>
+            <a:r>
+              <a:rPr lang="en-US" altLang="zh-CN" sz="2000" dirty="0">
+                <a:solidFill>
+                  <a:schemeClr val="tx1"/>
+                </a:solidFill>
+                <a:sym typeface="+mn-ea"/>
+              </a:rPr>
+              <a:t>- </a:t>
+            </a:r>
+            <a:r>
+              <a:rPr lang="zh-CN" altLang="en-US" sz="2000" dirty="0">
+                <a:solidFill>
+                  <a:schemeClr val="tx1"/>
+                </a:solidFill>
+                <a:sym typeface="+mn-ea"/>
+              </a:rPr>
+              <a:t>异步任务：不进入主线程、而进入"任务队列"（task queue）的任务，只有等主线程任务执行完毕，"任务队列"开始通知主线程，请求执行任务，该任务才会进入主线程执行</a:t>
+            </a:r>
+            <a:br>
+              <a:rPr lang="zh-CN" altLang="en-US" sz="2000" dirty="0">
+                <a:solidFill>
+                  <a:schemeClr val="tx1"/>
+                </a:solidFill>
+                <a:sym typeface="+mn-ea"/>
+              </a:rPr>
+            </a:br>
+            <a:endParaRPr lang="zh-CN" altLang="en-US" sz="2000" dirty="0">
+              <a:solidFill>
+                <a:schemeClr val="tx1"/>
+              </a:solidFill>
+              <a:sym typeface="+mn-ea"/>
+            </a:endParaRPr>
+          </a:p>
+        </p:txBody>
+      </p:sp>
+      <p:sp>
+        <p:nvSpPr>
+          <p:cNvPr id="3" name="内容占位符 2"/>
+          <p:cNvSpPr>
+            <a:spLocks noGrp="1"/>
+          </p:cNvSpPr>
+          <p:nvPr>
+            <p:ph sz="quarter" idx="11"/>
+          </p:nvPr>
+        </p:nvSpPr>
+        <p:spPr/>
+        <p:txBody>
+          <a:bodyPr/>
+          <a:lstStyle/>
+          <a:p>
+            <a:r>
+              <a:rPr lang="en-US" altLang="zh-CN" dirty="0"/>
+              <a:t>JS</a:t>
+            </a:r>
+            <a:r>
+              <a:rPr lang="zh-CN" altLang="en-US" dirty="0"/>
+              <a:t>异步相关概念</a:t>
+            </a:r>
+            <a:endParaRPr lang="en-US" altLang="zh-CN" dirty="0"/>
+          </a:p>
+        </p:txBody>
+      </p:sp>
+      <p:pic>
+        <p:nvPicPr>
+          <p:cNvPr id="4" name="图片 3"/>
+          <p:cNvPicPr>
+            <a:picLocks noChangeAspect="1"/>
+          </p:cNvPicPr>
+          <p:nvPr/>
+        </p:nvPicPr>
+        <p:blipFill>
+          <a:blip r:embed="rId1"/>
+          <a:stretch>
+            <a:fillRect/>
+          </a:stretch>
+        </p:blipFill>
+        <p:spPr>
+          <a:xfrm>
+            <a:off x="1245870" y="2958465"/>
+            <a:ext cx="6765925" cy="3763645"/>
+          </a:xfrm>
+          <a:prstGeom prst="rect">
+            <a:avLst/>
+          </a:prstGeom>
+        </p:spPr>
+      </p:pic>
+      <p:sp>
+        <p:nvSpPr>
+          <p:cNvPr id="5" name="文本框 4"/>
+          <p:cNvSpPr txBox="1"/>
+          <p:nvPr/>
+        </p:nvSpPr>
+        <p:spPr>
+          <a:xfrm>
+            <a:off x="4689475" y="6196330"/>
+            <a:ext cx="6715125" cy="398780"/>
+          </a:xfrm>
+          <a:prstGeom prst="rect">
+            <a:avLst/>
+          </a:prstGeom>
+          <a:noFill/>
+        </p:spPr>
+        <p:txBody>
+          <a:bodyPr wrap="square" rtlCol="0">
+            <a:spAutoFit/>
+          </a:bodyPr>
+          <a:p>
+            <a:r>
+              <a:rPr lang="zh-CN" sz="2000">
+                <a:solidFill>
+                  <a:srgbClr val="FF0000"/>
+                </a:solidFill>
+              </a:rPr>
+              <a:t>参考链接</a:t>
+            </a:r>
+            <a:r>
+              <a:rPr lang="en-US" altLang="zh-CN" sz="2000">
+                <a:solidFill>
+                  <a:srgbClr val="FF0000"/>
+                </a:solidFill>
+              </a:rPr>
+              <a:t>: </a:t>
+            </a:r>
+            <a:r>
+              <a:rPr sz="2000">
+                <a:solidFill>
+                  <a:srgbClr val="FF0000"/>
+                </a:solidFill>
+              </a:rPr>
+              <a:t>https://segmentfault.com/a/1190000004322358</a:t>
+            </a:r>
+            <a:endParaRPr sz="2000">
               <a:solidFill>
                 <a:srgbClr val="FF0000"/>
               </a:solidFill>
@@ -3711,7 +6615,7 @@
                             </p:stCondLst>
                             <p:childTnLst>
                               <p:par>
-                                <p:cTn id="10" presetID="2" presetClass="entr" presetSubtype="4" fill="hold" grpId="0" nodeType="afterEffect">
+                                <p:cTn id="10" presetID="2" presetClass="entr" presetSubtype="4" fill="hold" nodeType="afterEffect">
                                   <p:stCondLst>
                                     <p:cond delay="0"/>
                                   </p:stCondLst>
@@ -3724,7 +6628,7 @@
                                           </p:stCondLst>
                                         </p:cTn>
                                         <p:tgtEl>
-                                          <p:spTgt spid="6"/>
+                                          <p:spTgt spid="4"/>
                                         </p:tgtEl>
                                         <p:attrNameLst>
                                           <p:attrName>style.visibility</p:attrName>
@@ -3738,7 +6642,7 @@
                                       <p:cBhvr additive="base">
                                         <p:cTn id="12" dur="500" fill="hold"/>
                                         <p:tgtEl>
-                                          <p:spTgt spid="6"/>
+                                          <p:spTgt spid="4"/>
                                         </p:tgtEl>
                                         <p:attrNameLst>
                                           <p:attrName>ppt_x</p:attrName>
@@ -3761,7 +6665,98 @@
                                       <p:cBhvr additive="base">
                                         <p:cTn id="13" dur="500" fill="hold"/>
                                         <p:tgtEl>
-                                          <p:spTgt spid="6"/>
+                                          <p:spTgt spid="4"/>
+                                        </p:tgtEl>
+                                        <p:attrNameLst>
+                                          <p:attrName>ppt_y</p:attrName>
+                                        </p:attrNameLst>
+                                      </p:cBhvr>
+                                      <p:tavLst>
+                                        <p:tav tm="0">
+                                          <p:val>
+                                            <p:strVal val="1+#ppt_h/2"/>
+                                          </p:val>
+                                        </p:tav>
+                                        <p:tav tm="100000">
+                                          <p:val>
+                                            <p:strVal val="#ppt_y"/>
+                                          </p:val>
+                                        </p:tav>
+                                      </p:tavLst>
+                                    </p:anim>
+                                  </p:childTnLst>
+                                </p:cTn>
+                              </p:par>
+                            </p:childTnLst>
+                          </p:cTn>
+                        </p:par>
+                      </p:childTnLst>
+                    </p:cTn>
+                  </p:par>
+                  <p:par>
+                    <p:cTn id="14" fill="hold">
+                      <p:stCondLst>
+                        <p:cond delay="indefinite"/>
+                      </p:stCondLst>
+                      <p:childTnLst>
+                        <p:par>
+                          <p:cTn id="15" fill="hold">
+                            <p:stCondLst>
+                              <p:cond delay="0"/>
+                            </p:stCondLst>
+                            <p:childTnLst>
+                              <p:par>
+                                <p:cTn id="16" presetID="2" presetClass="entr" presetSubtype="4" fill="hold" grpId="0" nodeType="clickEffect">
+                                  <p:stCondLst>
+                                    <p:cond delay="0"/>
+                                  </p:stCondLst>
+                                  <p:childTnLst>
+                                    <p:set>
+                                      <p:cBhvr>
+                                        <p:cTn id="17" dur="1" fill="hold">
+                                          <p:stCondLst>
+                                            <p:cond delay="0"/>
+                                          </p:stCondLst>
+                                        </p:cTn>
+                                        <p:tgtEl>
+                                          <p:spTgt spid="5"/>
+                                        </p:tgtEl>
+                                        <p:attrNameLst>
+                                          <p:attrName>style.visibility</p:attrName>
+                                        </p:attrNameLst>
+                                      </p:cBhvr>
+                                      <p:to>
+                                        <p:strVal val="visible"/>
+                                      </p:to>
+                                    </p:set>
+                                    <p:anim calcmode="lin" valueType="num">
+                                      <p:cBhvr additive="base">
+                                        <p:cTn id="18" dur="500" fill="hold"/>
+                                        <p:tgtEl>
+                                          <p:spTgt spid="5"/>
+                                        </p:tgtEl>
+                                        <p:attrNameLst>
+                                          <p:attrName>ppt_x</p:attrName>
+                                        </p:attrNameLst>
+                                      </p:cBhvr>
+                                      <p:tavLst>
+                                        <p:tav tm="0">
+                                          <p:val>
+                                            <p:strVal val="#ppt_x"/>
+                                          </p:val>
+                                        </p:tav>
+                                        <p:tav tm="100000">
+                                          <p:val>
+                                            <p:strVal val="#ppt_x"/>
+                                          </p:val>
+                                        </p:tav>
+                                      </p:tavLst>
+                                    </p:anim>
+                                    <p:anim calcmode="lin" valueType="num">
+                                      <p:cBhvr additive="base">
+                                        <p:cTn id="19" dur="500" fill="hold"/>
+                                        <p:tgtEl>
+                                          <p:spTgt spid="5"/>
                                         </p:tgtEl>
                                         <p:attrNameLst>
                                           <p:attrName>ppt_y</p:attrName>
@@ -3811,607 +6806,13 @@
       </p:par>
     </p:tnLst>
     <p:bldLst>
-      <p:bldP spid="6" grpId="0"/>
+      <p:bldP spid="5" grpId="0"/>
     </p:bldLst>
   </p:timing>
 </p:sld>
 </file>
 
-<file path=ppt/slides/slide11.xml><?xml version="1.0" encoding="utf-8"?>
-<p:sld xmlns:a="http://schemas.openxmlformats.org/drawingml/2006/main" xmlns:r="http://schemas.openxmlformats.org/officeDocument/2006/relationships" xmlns:p="http://schemas.openxmlformats.org/presentationml/2006/main">
-  <p:cSld>
-    <p:spTree>
-      <p:nvGrpSpPr>
-        <p:cNvPr id="1" name=""/>
-        <p:cNvGrpSpPr/>
-        <p:nvPr/>
-      </p:nvGrpSpPr>
-      <p:grpSpPr>
-        <a:xfrm>
-          <a:off x="0" y="0"/>
-          <a:ext cx="0" cy="0"/>
-          <a:chOff x="0" y="0"/>
-          <a:chExt cx="0" cy="0"/>
-        </a:xfrm>
-      </p:grpSpPr>
-      <p:sp>
-        <p:nvSpPr>
-          <p:cNvPr id="2" name="内容占位符 1"/>
-          <p:cNvSpPr>
-            <a:spLocks noGrp="1"/>
-          </p:cNvSpPr>
-          <p:nvPr>
-            <p:ph sz="quarter" idx="10"/>
-          </p:nvPr>
-        </p:nvSpPr>
-        <p:spPr>
-          <a:xfrm>
-            <a:off x="927735" y="783590"/>
-            <a:ext cx="10781665" cy="5269230"/>
-          </a:xfrm>
-        </p:spPr>
-        <p:txBody>
-          <a:bodyPr/>
-          <a:lstStyle/>
-          <a:p>
-            <a:pPr>
-              <a:lnSpc>
-                <a:spcPct val="150000"/>
-              </a:lnSpc>
-            </a:pPr>
-            <a:r>
-              <a:rPr lang="en-US" altLang="zh-CN" sz="3200" dirty="0">
-                <a:solidFill>
-                  <a:schemeClr val="tx1"/>
-                </a:solidFill>
-                <a:sym typeface="+mn-ea"/>
-              </a:rPr>
-              <a:t>fetch</a:t>
-            </a:r>
-            <a:br>
-              <a:rPr lang="zh-CN" altLang="en-US" sz="2000" dirty="0">
-                <a:solidFill>
-                  <a:schemeClr val="tx1"/>
-                </a:solidFill>
-                <a:sym typeface="+mn-ea"/>
-              </a:rPr>
-            </a:br>
-            <a:endParaRPr lang="zh-CN" altLang="en-US" sz="2000" dirty="0">
-              <a:solidFill>
-                <a:schemeClr val="tx1"/>
-              </a:solidFill>
-              <a:sym typeface="+mn-ea"/>
-            </a:endParaRPr>
-          </a:p>
-        </p:txBody>
-      </p:sp>
-      <p:sp>
-        <p:nvSpPr>
-          <p:cNvPr id="3" name="内容占位符 2"/>
-          <p:cNvSpPr>
-            <a:spLocks noGrp="1"/>
-          </p:cNvSpPr>
-          <p:nvPr>
-            <p:ph sz="quarter" idx="11"/>
-          </p:nvPr>
-        </p:nvSpPr>
-        <p:spPr/>
-        <p:txBody>
-          <a:bodyPr/>
-          <a:lstStyle/>
-          <a:p>
-            <a:r>
-              <a:rPr lang="en-US" altLang="zh-CN" dirty="0"/>
-              <a:t>JS</a:t>
-            </a:r>
-            <a:r>
-              <a:rPr lang="zh-CN" altLang="en-US" dirty="0"/>
-              <a:t>异步相关概念</a:t>
-            </a:r>
-            <a:endParaRPr lang="en-US" altLang="zh-CN" dirty="0"/>
-          </a:p>
-        </p:txBody>
-      </p:sp>
-      <p:sp>
-        <p:nvSpPr>
-          <p:cNvPr id="6" name="文本框 5"/>
-          <p:cNvSpPr txBox="1"/>
-          <p:nvPr/>
-        </p:nvSpPr>
-        <p:spPr>
-          <a:xfrm>
-            <a:off x="5575300" y="6196330"/>
-            <a:ext cx="5033010" cy="398780"/>
-          </a:xfrm>
-          <a:prstGeom prst="rect">
-            <a:avLst/>
-          </a:prstGeom>
-          <a:noFill/>
-        </p:spPr>
-        <p:txBody>
-          <a:bodyPr wrap="square" rtlCol="0">
-            <a:spAutoFit/>
-          </a:bodyPr>
-          <a:p>
-            <a:r>
-              <a:rPr lang="zh-CN" altLang="en-US" sz="2000">
-                <a:solidFill>
-                  <a:srgbClr val="FF0000"/>
-                </a:solidFill>
-              </a:rPr>
-              <a:t>参见实例</a:t>
-            </a:r>
-            <a:r>
-              <a:rPr lang="en-US" altLang="zh-CN" sz="2000">
-                <a:solidFill>
-                  <a:srgbClr val="FF0000"/>
-                </a:solidFill>
-              </a:rPr>
-              <a:t>Demo2 JSON</a:t>
-            </a:r>
-            <a:r>
-              <a:rPr lang="zh-CN" altLang="en-US" sz="2000">
-                <a:solidFill>
-                  <a:srgbClr val="FF0000"/>
-                </a:solidFill>
-              </a:rPr>
-              <a:t>简介</a:t>
-            </a:r>
-            <a:r>
-              <a:rPr lang="en-US" altLang="zh-CN" sz="2000">
-                <a:solidFill>
-                  <a:srgbClr val="FF0000"/>
-                </a:solidFill>
-              </a:rPr>
-              <a:t> </a:t>
-            </a:r>
-            <a:r>
-              <a:rPr lang="zh-CN" altLang="en-US" sz="2000">
-                <a:solidFill>
-                  <a:srgbClr val="FF0000"/>
-                </a:solidFill>
-              </a:rPr>
-              <a:t> </a:t>
-            </a:r>
-            <a:endParaRPr lang="en-US" altLang="zh-CN" sz="2000">
-              <a:solidFill>
-                <a:srgbClr val="FF0000"/>
-              </a:solidFill>
-            </a:endParaRPr>
-          </a:p>
-        </p:txBody>
-      </p:sp>
-    </p:spTree>
-  </p:cSld>
-  <p:clrMapOvr>
-    <a:masterClrMapping/>
-  </p:clrMapOvr>
-  <p:timing>
-    <p:tnLst>
-      <p:par>
-        <p:cTn id="1" dur="indefinite" restart="never" nodeType="tmRoot">
-          <p:childTnLst>
-            <p:seq concurrent="1" nextAc="seek">
-              <p:cTn id="2" dur="indefinite" nodeType="mainSeq">
-                <p:childTnLst>
-                  <p:par>
-                    <p:cTn id="3" fill="hold">
-                      <p:stCondLst>
-                        <p:cond delay="indefinite"/>
-                      </p:stCondLst>
-                      <p:childTnLst>
-                        <p:par>
-                          <p:cTn id="4" fill="hold">
-                            <p:stCondLst>
-                              <p:cond delay="0"/>
-                            </p:stCondLst>
-                            <p:childTnLst>
-                              <p:par>
-                                <p:cTn id="5" presetID="2" presetClass="entr" presetSubtype="4" fill="hold" nodeType="clickEffect">
-                                  <p:stCondLst>
-                                    <p:cond delay="0"/>
-                                  </p:stCondLst>
-                                  <p:childTnLst>
-                                    <p:set>
-                                      <p:cBhvr>
-                                        <p:cTn id="6" dur="1" fill="hold">
-                                          <p:stCondLst>
-                                            <p:cond delay="0"/>
-                                          </p:stCondLst>
-                                        </p:cTn>
-                                        <p:tgtEl>
-                                          <p:spTgt spid="2">
-                                            <p:txEl>
-                                              <p:pRg st="0" end="0"/>
-                                            </p:txEl>
-                                          </p:spTgt>
-                                        </p:tgtEl>
-                                        <p:attrNameLst>
-                                          <p:attrName>style.visibility</p:attrName>
-                                        </p:attrNameLst>
-                                      </p:cBhvr>
-                                      <p:to>
-                                        <p:strVal val="visible"/>
-                                      </p:to>
-                                    </p:set>
-                                    <p:anim calcmode="lin" valueType="num">
-                                      <p:cBhvr additive="base">
-                                        <p:cTn id="7" dur="500" fill="hold"/>
-                                        <p:tgtEl>
-                                          <p:spTgt spid="2">
-                                            <p:txEl>
-                                              <p:pRg st="0" end="0"/>
-                                            </p:txEl>
-                                          </p:spTgt>
-                                        </p:tgtEl>
-                                        <p:attrNameLst>
-                                          <p:attrName>ppt_x</p:attrName>
-                                        </p:attrNameLst>
-                                      </p:cBhvr>
-                                      <p:tavLst>
-                                        <p:tav tm="0">
-                                          <p:val>
-                                            <p:strVal val="#ppt_x"/>
-                                          </p:val>
-                                        </p:tav>
-                                        <p:tav tm="100000">
-                                          <p:val>
-                                            <p:strVal val="#ppt_x"/>
-                                          </p:val>
-                                        </p:tav>
-                                      </p:tavLst>
-                                    </p:anim>
-                                    <p:anim calcmode="lin" valueType="num">
-                                      <p:cBhvr additive="base">
-                                        <p:cTn id="8" dur="500" fill="hold"/>
-                                        <p:tgtEl>
-                                          <p:spTgt spid="2">
-                                            <p:txEl>
-                                              <p:pRg st="0" end="0"/>
-                                            </p:txEl>
-                                          </p:spTgt>
-                                        </p:tgtEl>
-                                        <p:attrNameLst>
-                                          <p:attrName>ppt_y</p:attrName>
-                                        </p:attrNameLst>
-                                      </p:cBhvr>
-                                      <p:tavLst>
-                                        <p:tav tm="0">
-                                          <p:val>
-                                            <p:strVal val="1+#ppt_h/2"/>
-                                          </p:val>
-                                        </p:tav>
-                                        <p:tav tm="100000">
-                                          <p:val>
-                                            <p:strVal val="#ppt_y"/>
-                                          </p:val>
-                                        </p:tav>
-                                      </p:tavLst>
-                                    </p:anim>
-                                  </p:childTnLst>
-                                </p:cTn>
-                              </p:par>
-                            </p:childTnLst>
-                          </p:cTn>
-                        </p:par>
-                        <p:par>
-                          <p:cTn id="9" fill="hold">
-                            <p:stCondLst>
-                              <p:cond delay="500"/>
-                            </p:stCondLst>
-                            <p:childTnLst>
-                              <p:par>
-                                <p:cTn id="10" presetID="2" presetClass="entr" presetSubtype="4" fill="hold" grpId="0" nodeType="afterEffect">
-                                  <p:stCondLst>
-                                    <p:cond delay="0"/>
-                                  </p:stCondLst>
-                                  <p:childTnLst>
-                                    <p:set>
-                                      <p:cBhvr>
-                                        <p:cTn id="11" dur="1" fill="hold">
-                                          <p:stCondLst>
-                                            <p:cond delay="0"/>
-                                          </p:stCondLst>
-                                        </p:cTn>
-                                        <p:tgtEl>
-                                          <p:spTgt spid="6"/>
-                                        </p:tgtEl>
-                                        <p:attrNameLst>
-                                          <p:attrName>style.visibility</p:attrName>
-                                        </p:attrNameLst>
-                                      </p:cBhvr>
-                                      <p:to>
-                                        <p:strVal val="visible"/>
-                                      </p:to>
-                                    </p:set>
-                                    <p:anim calcmode="lin" valueType="num">
-                                      <p:cBhvr additive="base">
-                                        <p:cTn id="12" dur="500" fill="hold"/>
-                                        <p:tgtEl>
-                                          <p:spTgt spid="6"/>
-                                        </p:tgtEl>
-                                        <p:attrNameLst>
-                                          <p:attrName>ppt_x</p:attrName>
-                                        </p:attrNameLst>
-                                      </p:cBhvr>
-                                      <p:tavLst>
-                                        <p:tav tm="0">
-                                          <p:val>
-                                            <p:strVal val="#ppt_x"/>
-                                          </p:val>
-                                        </p:tav>
-                                        <p:tav tm="100000">
-                                          <p:val>
-                                            <p:strVal val="#ppt_x"/>
-                                          </p:val>
-                                        </p:tav>
-                                      </p:tavLst>
-                                    </p:anim>
-                                    <p:anim calcmode="lin" valueType="num">
-                                      <p:cBhvr additive="base">
-                                        <p:cTn id="13" dur="500" fill="hold"/>
-                                        <p:tgtEl>
-                                          <p:spTgt spid="6"/>
-                                        </p:tgtEl>
-                                        <p:attrNameLst>
-                                          <p:attrName>ppt_y</p:attrName>
-                                        </p:attrNameLst>
-                                      </p:cBhvr>
-                                      <p:tavLst>
-                                        <p:tav tm="0">
-                                          <p:val>
-                                            <p:strVal val="1+#ppt_h/2"/>
-                                          </p:val>
-                                        </p:tav>
-                                        <p:tav tm="100000">
-                                          <p:val>
-                                            <p:strVal val="#ppt_y"/>
-                                          </p:val>
-                                        </p:tav>
-                                      </p:tavLst>
-                                    </p:anim>
-                                  </p:childTnLst>
-                                </p:cTn>
-                              </p:par>
-                            </p:childTnLst>
-                          </p:cTn>
-                        </p:par>
-                      </p:childTnLst>
-                    </p:cTn>
-                  </p:par>
-                </p:childTnLst>
-              </p:cTn>
-              <p:prevCondLst>
-                <p:cond evt="onPrev" delay="0">
-                  <p:tgtEl>
-                    <p:sldTgt/>
-                  </p:tgtEl>
-                </p:cond>
-              </p:prevCondLst>
-              <p:nextCondLst>
-                <p:cond evt="onNext" delay="0">
-                  <p:tgtEl>
-                    <p:sldTgt/>
-                  </p:tgtEl>
-                </p:cond>
-              </p:nextCondLst>
-            </p:seq>
-          </p:childTnLst>
-        </p:cTn>
-      </p:par>
-    </p:tnLst>
-    <p:bldLst>
-      <p:bldP spid="6" grpId="0"/>
-    </p:bldLst>
-  </p:timing>
-</p:sld>
-</file>
-
-<file path=ppt/slides/slide12.xml><?xml version="1.0" encoding="utf-8"?>
-<p:sld xmlns:a="http://schemas.openxmlformats.org/drawingml/2006/main" xmlns:r="http://schemas.openxmlformats.org/officeDocument/2006/relationships" xmlns:p="http://schemas.openxmlformats.org/presentationml/2006/main">
-  <p:cSld>
-    <p:spTree>
-      <p:nvGrpSpPr>
-        <p:cNvPr id="1" name=""/>
-        <p:cNvGrpSpPr/>
-        <p:nvPr/>
-      </p:nvGrpSpPr>
-      <p:grpSpPr>
-        <a:xfrm>
-          <a:off x="0" y="0"/>
-          <a:ext cx="0" cy="0"/>
-          <a:chOff x="0" y="0"/>
-          <a:chExt cx="0" cy="0"/>
-        </a:xfrm>
-      </p:grpSpPr>
-      <p:pic>
-        <p:nvPicPr>
-          <p:cNvPr id="38914" name="Picture 5"/>
-          <p:cNvPicPr>
-            <a:picLocks noChangeAspect="1" noChangeArrowheads="1"/>
-          </p:cNvPicPr>
-          <p:nvPr/>
-        </p:nvPicPr>
-        <p:blipFill>
-          <a:blip r:embed="rId1">
-            <a:extLst>
-              <a:ext uri="{28A0092B-C50C-407E-A947-70E740481C1C}">
-                <a14:useLocalDpi xmlns:a14="http://schemas.microsoft.com/office/drawing/2010/main" val="0"/>
-              </a:ext>
-            </a:extLst>
-          </a:blip>
-          <a:srcRect/>
-          <a:stretch>
-            <a:fillRect/>
-          </a:stretch>
-        </p:blipFill>
-        <p:spPr bwMode="auto">
-          <a:xfrm>
-            <a:off x="0" y="0"/>
-            <a:ext cx="12192000" cy="6858000"/>
-          </a:xfrm>
-          <a:prstGeom prst="rect">
-            <a:avLst/>
-          </a:prstGeom>
-          <a:noFill/>
-          <a:ln>
-            <a:noFill/>
-          </a:ln>
-          <a:extLst>
-            <a:ext uri="{909E8E84-426E-40DD-AFC4-6F175D3DCCD1}">
-              <a14:hiddenFill xmlns:a14="http://schemas.microsoft.com/office/drawing/2010/main">
-                <a:solidFill>
-                  <a:srgbClr val="FFFFFF"/>
-                </a:solidFill>
-              </a14:hiddenFill>
-            </a:ext>
-            <a:ext uri="{91240B29-F687-4F45-9708-019B960494DF}">
-              <a14:hiddenLine xmlns:a14="http://schemas.microsoft.com/office/drawing/2010/main" w="9525">
-                <a:solidFill>
-                  <a:srgbClr val="000000"/>
-                </a:solidFill>
-                <a:miter lim="800000"/>
-                <a:headEnd/>
-                <a:tailEnd/>
-              </a14:hiddenLine>
-            </a:ext>
-          </a:extLst>
-        </p:spPr>
-      </p:pic>
-      <p:sp>
-        <p:nvSpPr>
-          <p:cNvPr id="38915" name="Rectangle 6"/>
-          <p:cNvSpPr>
-            <a:spLocks noGrp="1" noChangeArrowheads="1"/>
-          </p:cNvSpPr>
-          <p:nvPr>
-            <p:ph type="ctrTitle" idx="4294967295"/>
-          </p:nvPr>
-        </p:nvSpPr>
-        <p:spPr bwMode="auto">
-          <a:xfrm>
-            <a:off x="2547041" y="3068835"/>
-            <a:ext cx="7097918" cy="1285875"/>
-          </a:xfrm>
-          <a:prstGeom prst="rect">
-            <a:avLst/>
-          </a:prstGeom>
-          <a:noFill/>
-          <a:extLst>
-            <a:ext uri="{909E8E84-426E-40DD-AFC4-6F175D3DCCD1}">
-              <a14:hiddenFill xmlns:a14="http://schemas.microsoft.com/office/drawing/2010/main">
-                <a:solidFill>
-                  <a:srgbClr val="FFFFFF"/>
-                </a:solidFill>
-              </a14:hiddenFill>
-            </a:ext>
-            <a:ext uri="{91240B29-F687-4F45-9708-019B960494DF}">
-              <a14:hiddenLine xmlns:a14="http://schemas.microsoft.com/office/drawing/2010/main" w="9525">
-                <a:solidFill>
-                  <a:srgbClr val="000000"/>
-                </a:solidFill>
-                <a:miter lim="800000"/>
-                <a:headEnd/>
-                <a:tailEnd/>
-              </a14:hiddenLine>
-            </a:ext>
-          </a:extLst>
-        </p:spPr>
-        <p:txBody>
-          <a:bodyPr anchor="b"/>
-          <a:lstStyle/>
-          <a:p>
-            <a:pPr algn="ctr" eaLnBrk="1" hangingPunct="1"/>
-            <a:r>
-              <a:rPr kumimoji="0" lang="en-US" altLang="zh-CN" sz="5400" dirty="0"/>
-              <a:t>Thank </a:t>
-            </a:r>
-            <a:r>
-              <a:rPr kumimoji="0" lang="en-US" altLang="zh-CN" sz="5400" dirty="0">
-                <a:solidFill>
-                  <a:srgbClr val="FF0000"/>
-                </a:solidFill>
-              </a:rPr>
-              <a:t>You</a:t>
-            </a:r>
-            <a:r>
-              <a:rPr kumimoji="0" lang="zh-CN" altLang="en-US" sz="5400" dirty="0"/>
-              <a:t>！</a:t>
-            </a:r>
-            <a:endParaRPr kumimoji="0" lang="zh-CN" altLang="zh-CN" sz="5400" dirty="0"/>
-          </a:p>
-        </p:txBody>
-      </p:sp>
-      <p:pic>
-        <p:nvPicPr>
-          <p:cNvPr id="38916" name="图片 3" descr="软院logo横版.png"/>
-          <p:cNvPicPr>
-            <a:picLocks noChangeAspect="1"/>
-          </p:cNvPicPr>
-          <p:nvPr/>
-        </p:nvPicPr>
-        <p:blipFill>
-          <a:blip r:embed="rId2">
-            <a:extLst>
-              <a:ext uri="{28A0092B-C50C-407E-A947-70E740481C1C}">
-                <a14:useLocalDpi xmlns:a14="http://schemas.microsoft.com/office/drawing/2010/main" val="0"/>
-              </a:ext>
-            </a:extLst>
-          </a:blip>
-          <a:srcRect/>
-          <a:stretch>
-            <a:fillRect/>
-          </a:stretch>
-        </p:blipFill>
-        <p:spPr bwMode="auto">
-          <a:xfrm>
-            <a:off x="2062164" y="5927725"/>
-            <a:ext cx="3381375" cy="527050"/>
-          </a:xfrm>
-          <a:prstGeom prst="rect">
-            <a:avLst/>
-          </a:prstGeom>
-          <a:noFill/>
-          <a:ln>
-            <a:noFill/>
-          </a:ln>
-          <a:extLst>
-            <a:ext uri="{909E8E84-426E-40DD-AFC4-6F175D3DCCD1}">
-              <a14:hiddenFill xmlns:a14="http://schemas.microsoft.com/office/drawing/2010/main">
-                <a:solidFill>
-                  <a:srgbClr val="FFFFFF"/>
-                </a:solidFill>
-              </a14:hiddenFill>
-            </a:ext>
-            <a:ext uri="{91240B29-F687-4F45-9708-019B960494DF}">
-              <a14:hiddenLine xmlns:a14="http://schemas.microsoft.com/office/drawing/2010/main" w="9525">
-                <a:solidFill>
-                  <a:srgbClr val="000000"/>
-                </a:solidFill>
-                <a:miter lim="800000"/>
-                <a:headEnd/>
-                <a:tailEnd/>
-              </a14:hiddenLine>
-            </a:ext>
-          </a:extLst>
-        </p:spPr>
-      </p:pic>
-    </p:spTree>
-  </p:cSld>
-  <p:clrMapOvr>
-    <a:masterClrMapping/>
-  </p:clrMapOvr>
-  <p:timing>
-    <p:tnLst>
-      <p:par>
-        <p:cTn id="1" dur="indefinite" restart="never" nodeType="tmRoot"/>
-      </p:par>
-    </p:tnLst>
-  </p:timing>
-</p:sld>
-</file>
-
-<file path=ppt/slides/slide2.xml><?xml version="1.0" encoding="utf-8"?>
+<file path=ppt/slides/slide5.xml><?xml version="1.0" encoding="utf-8"?>
 <p:sld xmlns:a="http://schemas.openxmlformats.org/drawingml/2006/main" xmlns:r="http://schemas.openxmlformats.org/officeDocument/2006/relationships" xmlns:p="http://schemas.openxmlformats.org/presentationml/2006/main">
   <p:cSld>
     <p:spTree>
@@ -4593,7 +6994,7 @@
             <a:r>
               <a:rPr lang="en-US" altLang="zh-CN" sz="2800" b="1">
                 <a:solidFill>
-                  <a:srgbClr val="FF0000"/>
+                  <a:schemeClr val="tx1"/>
                 </a:solidFill>
                 <a:sym typeface="+mn-ea"/>
               </a:rPr>
@@ -4602,7 +7003,7 @@
             <a:r>
               <a:rPr lang="zh-CN" altLang="en-US" sz="2800" b="1">
                 <a:solidFill>
-                  <a:srgbClr val="FF0000"/>
+                  <a:schemeClr val="tx1"/>
                 </a:solidFill>
                 <a:sym typeface="+mn-ea"/>
               </a:rPr>
@@ -4610,7 +7011,7 @@
             </a:r>
             <a:endParaRPr lang="zh-CN" altLang="en-US" sz="2800" b="1">
               <a:solidFill>
-                <a:srgbClr val="FF0000"/>
+                <a:schemeClr val="tx1"/>
               </a:solidFill>
               <a:sym typeface="+mn-ea"/>
             </a:endParaRPr>
@@ -4635,7 +7036,7 @@
             <a:r>
               <a:rPr lang="en-US" altLang="zh-CN" sz="2800" b="1">
                 <a:solidFill>
-                  <a:schemeClr val="tx1"/>
+                  <a:schemeClr val="accent3"/>
                 </a:solidFill>
                 <a:sym typeface="+mn-ea"/>
               </a:rPr>
@@ -4644,7 +7045,7 @@
             <a:r>
               <a:rPr lang="zh-CN" altLang="en-US" sz="2800" b="1">
                 <a:solidFill>
-                  <a:schemeClr val="tx1"/>
+                  <a:schemeClr val="accent3"/>
                 </a:solidFill>
                 <a:sym typeface="+mn-ea"/>
               </a:rPr>
@@ -4652,7 +7053,7 @@
             </a:r>
             <a:endParaRPr lang="zh-CN" altLang="en-US" sz="2800" b="1">
               <a:solidFill>
-                <a:schemeClr val="tx1"/>
+                <a:schemeClr val="accent3"/>
               </a:solidFill>
               <a:sym typeface="+mn-ea"/>
             </a:endParaRPr>
@@ -4934,7 +7335,7 @@
 </p:sld>
 </file>
 
-<file path=ppt/slides/slide3.xml><?xml version="1.0" encoding="utf-8"?>
+<file path=ppt/slides/slide6.xml><?xml version="1.0" encoding="utf-8"?>
 <p:sld xmlns:a="http://schemas.openxmlformats.org/drawingml/2006/main" xmlns:r="http://schemas.openxmlformats.org/officeDocument/2006/relationships" xmlns:p="http://schemas.openxmlformats.org/presentationml/2006/main">
   <p:cSld>
     <p:spTree>
@@ -4983,7 +7384,7 @@
                 </a:solidFill>
                 <a:sym typeface="+mn-ea"/>
               </a:rPr>
-              <a:t>单线程与多线程</a:t>
+              <a:t>回调函数</a:t>
             </a:r>
             <a:br>
               <a:rPr lang="zh-CN" sz="3200" dirty="0">
@@ -5009,16 +7410,7 @@
                 </a:solidFill>
                 <a:sym typeface="+mn-ea"/>
               </a:rPr>
-              <a:t>线程是程序执行流的最基本单元，</a:t>
-            </a:r>
-            <a:r>
-              <a:rPr lang="zh-CN" altLang="en-US" sz="2000" dirty="0">
-                <a:solidFill>
-                  <a:schemeClr val="tx1"/>
-                </a:solidFill>
-                <a:sym typeface="+mn-ea"/>
-              </a:rPr>
-              <a:t>是进程中的一个实体（类比单个实体的人）</a:t>
+              <a:t>优点：简单、容易理解和部署</a:t>
             </a:r>
             <a:br>
               <a:rPr lang="zh-CN" altLang="en-US" sz="2000" dirty="0">
@@ -5044,7 +7436,16 @@
                 </a:solidFill>
                 <a:sym typeface="+mn-ea"/>
               </a:rPr>
-              <a:t>可与同属一个进程的其它线程共享进程所拥有的系统</a:t>
+              <a:t>缺点：不利于代码的阅读和维护，各部分之间高度耦合（</a:t>
+            </a:r>
+            <a:r>
+              <a:rPr lang="en-US" altLang="zh-CN" sz="2000" dirty="0">
+                <a:solidFill>
+                  <a:schemeClr val="tx1"/>
+                </a:solidFill>
+                <a:sym typeface="+mn-ea"/>
+              </a:rPr>
+              <a:t>Coupling</a:t>
             </a:r>
             <a:r>
               <a:rPr lang="zh-CN" altLang="en-US" sz="2000" dirty="0">
@@ -5053,7 +7454,7 @@
                 </a:solidFill>
                 <a:sym typeface="+mn-ea"/>
               </a:rPr>
-              <a:t>资源</a:t>
+              <a:t>），流程会很混乱，而且</a:t>
             </a:r>
             <a:br>
               <a:rPr lang="zh-CN" altLang="en-US" sz="2000" dirty="0">
@@ -5064,22 +7465,13 @@
               </a:rPr>
             </a:br>
             <a:r>
-              <a:rPr lang="en-US" altLang="zh-CN" sz="2000" dirty="0">
-                <a:solidFill>
-                  <a:schemeClr val="tx1"/>
-                </a:solidFill>
-                <a:sym typeface="+mn-ea"/>
-              </a:rPr>
-              <a:t>- </a:t>
-            </a:r>
-            <a:r>
               <a:rPr lang="zh-CN" altLang="en-US" sz="2000" dirty="0">
                 <a:solidFill>
                   <a:schemeClr val="tx1"/>
                 </a:solidFill>
                 <a:sym typeface="+mn-ea"/>
               </a:rPr>
-              <a:t>标准的线程由线程ID，当前指令指针(PC），寄存器集合和堆栈组成</a:t>
+              <a:t>             每个任务只能指定一个回调函数</a:t>
             </a:r>
             <a:endParaRPr lang="zh-CN" altLang="en-US" sz="2000" dirty="0">
               <a:solidFill>
@@ -5101,7 +7493,102 @@
                 </a:solidFill>
                 <a:sym typeface="+mn-ea"/>
               </a:rPr>
-              <a:t>阻塞与非阻塞</a:t>
+              <a:t>事件监听机制</a:t>
+            </a:r>
+            <a:br>
+              <a:rPr lang="zh-CN" altLang="en-US" sz="3200" dirty="0">
+                <a:solidFill>
+                  <a:schemeClr val="tx1"/>
+                </a:solidFill>
+                <a:sym typeface="+mn-ea"/>
+              </a:rPr>
+            </a:br>
+            <a:r>
+              <a:rPr lang="en-US" altLang="zh-CN" sz="2000" dirty="0">
+                <a:solidFill>
+                  <a:schemeClr val="tx1"/>
+                </a:solidFill>
+                <a:sym typeface="+mn-ea"/>
+              </a:rPr>
+              <a:t>- </a:t>
+            </a:r>
+            <a:r>
+              <a:rPr lang="zh-CN" altLang="en-US" sz="2000" dirty="0">
+                <a:solidFill>
+                  <a:schemeClr val="tx1"/>
+                </a:solidFill>
+                <a:sym typeface="+mn-ea"/>
+              </a:rPr>
+              <a:t>任务的执行不取决于代码的顺序执行，而取决于某个事件是否发生</a:t>
+            </a:r>
+            <a:br>
+              <a:rPr lang="zh-CN" altLang="en-US" sz="3200" dirty="0">
+                <a:solidFill>
+                  <a:schemeClr val="tx1"/>
+                </a:solidFill>
+                <a:sym typeface="+mn-ea"/>
+              </a:rPr>
+            </a:br>
+            <a:r>
+              <a:rPr lang="en-US" altLang="zh-CN" sz="2000" dirty="0">
+                <a:solidFill>
+                  <a:schemeClr val="tx1"/>
+                </a:solidFill>
+                <a:sym typeface="+mn-ea"/>
+              </a:rPr>
+              <a:t>- </a:t>
+            </a:r>
+            <a:r>
+              <a:rPr lang="zh-CN" altLang="en-US" sz="2000" dirty="0">
+                <a:solidFill>
+                  <a:schemeClr val="tx1"/>
+                </a:solidFill>
+                <a:sym typeface="+mn-ea"/>
+              </a:rPr>
+              <a:t>优点：容易理解，可以绑定多个事件，每个事件可以指定多个回调函数，可以在多个不同模</a:t>
+            </a:r>
+            <a:br>
+              <a:rPr lang="zh-CN" altLang="en-US" sz="2000" dirty="0">
+                <a:solidFill>
+                  <a:schemeClr val="tx1"/>
+                </a:solidFill>
+                <a:sym typeface="+mn-ea"/>
+              </a:rPr>
+            </a:br>
+            <a:r>
+              <a:rPr lang="zh-CN" altLang="en-US" sz="2000" dirty="0">
+                <a:solidFill>
+                  <a:schemeClr val="tx1"/>
+                </a:solidFill>
+                <a:sym typeface="+mn-ea"/>
+              </a:rPr>
+              <a:t>             块中传递事件和数据</a:t>
+            </a:r>
+            <a:br>
+              <a:rPr lang="zh-CN" altLang="en-US" sz="2000" dirty="0">
+                <a:solidFill>
+                  <a:schemeClr val="tx1"/>
+                </a:solidFill>
+                <a:sym typeface="+mn-ea"/>
+              </a:rPr>
+            </a:br>
+            <a:r>
+              <a:rPr lang="en-US" altLang="zh-CN" sz="2000" dirty="0">
+                <a:solidFill>
+                  <a:schemeClr val="tx1"/>
+                </a:solidFill>
+                <a:sym typeface="+mn-ea"/>
+              </a:rPr>
+              <a:t>- </a:t>
+            </a:r>
+            <a:r>
+              <a:rPr lang="zh-CN" altLang="en-US" sz="2000" dirty="0">
+                <a:solidFill>
+                  <a:schemeClr val="tx1"/>
+                </a:solidFill>
+                <a:sym typeface="+mn-ea"/>
+              </a:rPr>
+              <a:t>缺点：整个程序都要变成事件驱动型，运行流程会变的不清晰</a:t>
             </a:r>
             <a:br>
               <a:rPr lang="zh-CN" altLang="en-US" sz="2000" dirty="0">
@@ -5141,7 +7628,7 @@
             </a:r>
             <a:r>
               <a:rPr lang="zh-CN" altLang="en-US" dirty="0"/>
-              <a:t>异步相关概念</a:t>
+              <a:t>异步的几种形式</a:t>
             </a:r>
             <a:endParaRPr lang="en-US" altLang="zh-CN" dirty="0"/>
           </a:p>
@@ -5182,7 +7669,7 @@
                   <a:srgbClr val="FF0000"/>
                 </a:solidFill>
               </a:rPr>
-              <a:t>Demo2 JSON</a:t>
+              <a:t>Demo2 </a:t>
             </a:r>
             <a:r>
               <a:rPr lang="zh-CN" altLang="en-US" sz="2000">
@@ -5190,7 +7677,7 @@
                   <a:srgbClr val="FF0000"/>
                 </a:solidFill>
               </a:rPr>
-              <a:t>简介</a:t>
+              <a:t>回调函数与事件监听机制</a:t>
             </a:r>
             <a:r>
               <a:rPr lang="en-US" altLang="zh-CN" sz="2000">
@@ -5545,7 +8032,7 @@
 </p:sld>
 </file>
 
-<file path=ppt/slides/slide4.xml><?xml version="1.0" encoding="utf-8"?>
+<file path=ppt/slides/slide7.xml><?xml version="1.0" encoding="utf-8"?>
 <p:sld xmlns:a="http://schemas.openxmlformats.org/drawingml/2006/main" xmlns:r="http://schemas.openxmlformats.org/officeDocument/2006/relationships" xmlns:p="http://schemas.openxmlformats.org/presentationml/2006/main">
   <p:cSld>
     <p:spTree>
@@ -5594,7 +8081,7 @@
                 </a:solidFill>
                 <a:sym typeface="+mn-ea"/>
               </a:rPr>
-              <a:t>同步与异步</a:t>
+              <a:t>发布订阅（观察者模式）</a:t>
             </a:r>
             <a:br>
               <a:rPr lang="zh-CN" sz="3200" dirty="0">
@@ -5614,13 +8101,30 @@
               <a:t>- </a:t>
             </a:r>
             <a:r>
-              <a:rPr lang="zh-CN" altLang="en-US" sz="2000" dirty="0">
-                <a:solidFill>
-                  <a:schemeClr val="tx1"/>
-                </a:solidFill>
-                <a:sym typeface="+mn-ea"/>
-              </a:rPr>
-              <a:t>线程</a:t>
+              <a:rPr sz="2000" dirty="0">
+                <a:solidFill>
+                  <a:schemeClr val="tx1"/>
+                </a:solidFill>
+                <a:sym typeface="+mn-ea"/>
+              </a:rPr>
+              <a:t>发布---订阅模式又叫观察者模式，它定义了对象间的一种一对多的关系，让多个观察者对象</a:t>
+            </a:r>
+            <a:br>
+              <a:rPr sz="2000" dirty="0">
+                <a:solidFill>
+                  <a:schemeClr val="tx1"/>
+                </a:solidFill>
+                <a:sym typeface="+mn-ea"/>
+              </a:rPr>
+            </a:br>
+            <a:r>
+              <a:rPr sz="2000" dirty="0">
+                <a:solidFill>
+                  <a:schemeClr val="tx1"/>
+                </a:solidFill>
+                <a:sym typeface="+mn-ea"/>
+              </a:rPr>
+              <a:t>   同时监听某一个主题对象，当一个对象发生改变时，所有依赖于它的对象都将得到通知</a:t>
             </a:r>
             <a:br>
               <a:rPr lang="zh-CN" altLang="en-US" sz="2000" dirty="0">
@@ -5640,13 +8144,94 @@
               <a:t>- </a:t>
             </a:r>
             <a:r>
+              <a:rPr sz="2000" dirty="0">
+                <a:solidFill>
+                  <a:schemeClr val="tx1"/>
+                </a:solidFill>
+                <a:sym typeface="+mn-ea"/>
+              </a:rPr>
+              <a:t>发布---订阅模式</a:t>
+            </a:r>
+            <a:r>
+              <a:rPr lang="zh-CN" sz="2000" dirty="0">
+                <a:solidFill>
+                  <a:schemeClr val="tx1"/>
+                </a:solidFill>
+                <a:sym typeface="+mn-ea"/>
+              </a:rPr>
+              <a:t>的性质与</a:t>
+            </a:r>
+            <a:r>
+              <a:rPr lang="en-US" altLang="zh-CN" sz="2000" dirty="0">
+                <a:solidFill>
+                  <a:schemeClr val="tx1"/>
+                </a:solidFill>
+                <a:sym typeface="+mn-ea"/>
+              </a:rPr>
+              <a:t>“</a:t>
+            </a:r>
+            <a:r>
               <a:rPr lang="zh-CN" altLang="en-US" sz="2000" dirty="0">
                 <a:solidFill>
                   <a:schemeClr val="tx1"/>
                 </a:solidFill>
                 <a:sym typeface="+mn-ea"/>
               </a:rPr>
-              <a:t>可与</a:t>
+              <a:t>事件监听</a:t>
+            </a:r>
+            <a:r>
+              <a:rPr lang="en-US" altLang="zh-CN" sz="2000" dirty="0">
+                <a:solidFill>
+                  <a:schemeClr val="tx1"/>
+                </a:solidFill>
+                <a:sym typeface="+mn-ea"/>
+              </a:rPr>
+              <a:t>”</a:t>
+            </a:r>
+            <a:r>
+              <a:rPr lang="zh-CN" altLang="en-US" sz="2000" dirty="0">
+                <a:solidFill>
+                  <a:schemeClr val="tx1"/>
+                </a:solidFill>
+                <a:sym typeface="+mn-ea"/>
+              </a:rPr>
+              <a:t>类似，但是我们可以通过常</a:t>
+            </a:r>
+            <a:r>
+              <a:rPr lang="en-US" altLang="zh-CN" sz="2000" dirty="0">
+                <a:solidFill>
+                  <a:schemeClr val="tx1"/>
+                </a:solidFill>
+                <a:sym typeface="+mn-ea"/>
+              </a:rPr>
+              <a:t>“</a:t>
+            </a:r>
+            <a:r>
+              <a:rPr lang="zh-CN" altLang="en-US" sz="2000" dirty="0">
+                <a:solidFill>
+                  <a:schemeClr val="tx1"/>
+                </a:solidFill>
+                <a:sym typeface="+mn-ea"/>
+              </a:rPr>
+              <a:t>消息中心</a:t>
+            </a:r>
+            <a:r>
+              <a:rPr lang="en-US" altLang="zh-CN" sz="2000" dirty="0">
+                <a:solidFill>
+                  <a:schemeClr val="tx1"/>
+                </a:solidFill>
+                <a:sym typeface="+mn-ea"/>
+              </a:rPr>
+              <a:t>”</a:t>
+            </a:r>
+            <a:r>
+              <a:rPr lang="zh-CN" altLang="en-US" sz="2000" dirty="0">
+                <a:solidFill>
+                  <a:schemeClr val="tx1"/>
+                </a:solidFill>
+                <a:sym typeface="+mn-ea"/>
+              </a:rPr>
+              <a:t>，了解存在</a:t>
             </a:r>
             <a:br>
               <a:rPr lang="zh-CN" altLang="en-US" sz="2000" dirty="0">
@@ -5657,22 +8242,13 @@
               </a:rPr>
             </a:br>
             <a:r>
-              <a:rPr lang="en-US" altLang="zh-CN" sz="2000" dirty="0">
-                <a:solidFill>
-                  <a:schemeClr val="tx1"/>
-                </a:solidFill>
-                <a:sym typeface="+mn-ea"/>
-              </a:rPr>
-              <a:t>- </a:t>
-            </a:r>
-            <a:r>
               <a:rPr lang="zh-CN" altLang="en-US" sz="2000" dirty="0">
                 <a:solidFill>
                   <a:schemeClr val="tx1"/>
                 </a:solidFill>
                 <a:sym typeface="+mn-ea"/>
               </a:rPr>
-              <a:t>标准</a:t>
+              <a:t>   多少信号、每个信号有多少订阅者，从而监控程序的运行</a:t>
             </a:r>
             <a:endParaRPr lang="zh-CN" altLang="en-US" sz="2000" dirty="0">
               <a:solidFill>
@@ -5688,13 +8264,109 @@
               </a:lnSpc>
             </a:pPr>
             <a:r>
+              <a:rPr lang="en-US" altLang="zh-CN" sz="3200" dirty="0">
+                <a:solidFill>
+                  <a:schemeClr val="tx1"/>
+                </a:solidFill>
+                <a:sym typeface="+mn-ea"/>
+              </a:rPr>
+              <a:t>Promise</a:t>
+            </a:r>
+            <a:br>
               <a:rPr lang="zh-CN" altLang="en-US" sz="3200" dirty="0">
                 <a:solidFill>
                   <a:schemeClr val="tx1"/>
                 </a:solidFill>
                 <a:sym typeface="+mn-ea"/>
               </a:rPr>
-              <a:t>串行与并行（区别于并发）</a:t>
+            </a:br>
+            <a:r>
+              <a:rPr lang="en-US" altLang="zh-CN" sz="2000" dirty="0">
+                <a:solidFill>
+                  <a:schemeClr val="tx1"/>
+                </a:solidFill>
+                <a:sym typeface="+mn-ea"/>
+              </a:rPr>
+              <a:t>- </a:t>
+            </a:r>
+            <a:r>
+              <a:rPr lang="zh-CN" altLang="en-US" sz="2000" dirty="0">
+                <a:solidFill>
+                  <a:schemeClr val="tx1"/>
+                </a:solidFill>
+                <a:sym typeface="+mn-ea"/>
+              </a:rPr>
+              <a:t>每一个异步任务返回一个</a:t>
+            </a:r>
+            <a:r>
+              <a:rPr lang="en-US" altLang="zh-CN" sz="2000" dirty="0">
+                <a:solidFill>
+                  <a:schemeClr val="tx1"/>
+                </a:solidFill>
+                <a:sym typeface="+mn-ea"/>
+              </a:rPr>
+              <a:t>Promise</a:t>
+            </a:r>
+            <a:r>
+              <a:rPr lang="zh-CN" altLang="en-US" sz="2000" dirty="0">
+                <a:solidFill>
+                  <a:schemeClr val="tx1"/>
+                </a:solidFill>
+                <a:sym typeface="+mn-ea"/>
+              </a:rPr>
+              <a:t>对象，可链式的指定回调函数</a:t>
+            </a:r>
+            <a:br>
+              <a:rPr lang="zh-CN" altLang="en-US" sz="2000" dirty="0">
+                <a:solidFill>
+                  <a:schemeClr val="tx1"/>
+                </a:solidFill>
+                <a:sym typeface="+mn-ea"/>
+              </a:rPr>
+            </a:br>
+            <a:r>
+              <a:rPr lang="en-US" altLang="zh-CN" sz="2000" dirty="0">
+                <a:solidFill>
+                  <a:schemeClr val="tx1"/>
+                </a:solidFill>
+                <a:sym typeface="+mn-ea"/>
+              </a:rPr>
+              <a:t>- </a:t>
+            </a:r>
+            <a:r>
+              <a:rPr lang="zh-CN" altLang="en-US" sz="2000" dirty="0">
+                <a:solidFill>
+                  <a:schemeClr val="tx1"/>
+                </a:solidFill>
+                <a:sym typeface="+mn-ea"/>
+              </a:rPr>
+              <a:t>优点：回调函数编程里链式写法，程序的流程更接近人们的思维方式，便于理解和代码追踪</a:t>
+            </a:r>
+            <a:br>
+              <a:rPr lang="zh-CN" altLang="en-US" sz="2000" dirty="0">
+                <a:solidFill>
+                  <a:schemeClr val="tx1"/>
+                </a:solidFill>
+                <a:sym typeface="+mn-ea"/>
+              </a:rPr>
+            </a:br>
+            <a:r>
+              <a:rPr lang="en-US" altLang="zh-CN" sz="2000" dirty="0">
+                <a:solidFill>
+                  <a:schemeClr val="tx1"/>
+                </a:solidFill>
+                <a:sym typeface="+mn-ea"/>
+              </a:rPr>
+              <a:t>- </a:t>
+            </a:r>
+            <a:r>
+              <a:rPr lang="zh-CN" altLang="en-US" sz="2000" dirty="0">
+                <a:solidFill>
+                  <a:schemeClr val="tx1"/>
+                </a:solidFill>
+                <a:sym typeface="+mn-ea"/>
+              </a:rPr>
+              <a:t>缺点：要求对异步有更深入的理解</a:t>
             </a:r>
             <a:br>
               <a:rPr lang="zh-CN" altLang="en-US" sz="2000" dirty="0">
@@ -5734,7 +8406,7 @@
             </a:r>
             <a:r>
               <a:rPr lang="zh-CN" altLang="en-US" dirty="0"/>
-              <a:t>异步相关概念</a:t>
+              <a:t>异步的几种形式</a:t>
             </a:r>
             <a:endParaRPr lang="en-US" altLang="zh-CN" dirty="0"/>
           </a:p>
@@ -5775,7 +8447,7 @@
                   <a:srgbClr val="FF0000"/>
                 </a:solidFill>
               </a:rPr>
-              <a:t>Demo2 JSON</a:t>
+              <a:t>Demo3 </a:t>
             </a:r>
             <a:r>
               <a:rPr lang="zh-CN" altLang="en-US" sz="2000">
@@ -5783,7 +8455,15 @@
                   <a:srgbClr val="FF0000"/>
                 </a:solidFill>
               </a:rPr>
-              <a:t>简介</a:t>
+              <a:t>发布订阅</a:t>
+            </a:r>
+            <a:r>
+              <a:rPr lang="zh-CN" altLang="en-US" sz="2000">
+                <a:solidFill>
+                  <a:srgbClr val="FF0000"/>
+                </a:solidFill>
+              </a:rPr>
+              <a:t>模式</a:t>
             </a:r>
             <a:r>
               <a:rPr lang="en-US" altLang="zh-CN" sz="2000">
@@ -6138,510 +8818,7 @@
 </p:sld>
 </file>
 
-<file path=ppt/slides/slide5.xml><?xml version="1.0" encoding="utf-8"?>
-<p:sld xmlns:a="http://schemas.openxmlformats.org/drawingml/2006/main" xmlns:r="http://schemas.openxmlformats.org/officeDocument/2006/relationships" xmlns:p="http://schemas.openxmlformats.org/presentationml/2006/main">
-  <p:cSld>
-    <p:spTree>
-      <p:nvGrpSpPr>
-        <p:cNvPr id="1" name=""/>
-        <p:cNvGrpSpPr/>
-        <p:nvPr/>
-      </p:nvGrpSpPr>
-      <p:grpSpPr>
-        <a:xfrm>
-          <a:off x="0" y="0"/>
-          <a:ext cx="0" cy="0"/>
-          <a:chOff x="0" y="0"/>
-          <a:chExt cx="0" cy="0"/>
-        </a:xfrm>
-      </p:grpSpPr>
-      <p:sp>
-        <p:nvSpPr>
-          <p:cNvPr id="2" name="内容占位符 1"/>
-          <p:cNvSpPr>
-            <a:spLocks noGrp="1"/>
-          </p:cNvSpPr>
-          <p:nvPr>
-            <p:ph sz="quarter" idx="10"/>
-          </p:nvPr>
-        </p:nvSpPr>
-        <p:spPr>
-          <a:xfrm>
-            <a:off x="927735" y="783590"/>
-            <a:ext cx="10781665" cy="5269230"/>
-          </a:xfrm>
-        </p:spPr>
-        <p:txBody>
-          <a:bodyPr/>
-          <a:lstStyle/>
-          <a:p>
-            <a:pPr>
-              <a:lnSpc>
-                <a:spcPct val="150000"/>
-              </a:lnSpc>
-            </a:pPr>
-            <a:r>
-              <a:rPr sz="3200" dirty="0">
-                <a:solidFill>
-                  <a:schemeClr val="tx1"/>
-                </a:solidFill>
-                <a:sym typeface="+mn-ea"/>
-              </a:rPr>
-              <a:t>http://www.cnblogs.com/hity-tt/p/6733062.html</a:t>
-            </a:r>
-            <a:endParaRPr sz="3200" dirty="0">
-              <a:solidFill>
-                <a:schemeClr val="tx1"/>
-              </a:solidFill>
-              <a:sym typeface="+mn-ea"/>
-            </a:endParaRPr>
-          </a:p>
-          <a:p>
-            <a:pPr>
-              <a:lnSpc>
-                <a:spcPct val="150000"/>
-              </a:lnSpc>
-            </a:pPr>
-            <a:r>
-              <a:rPr sz="3200" dirty="0">
-                <a:solidFill>
-                  <a:schemeClr val="tx1"/>
-                </a:solidFill>
-                <a:sym typeface="+mn-ea"/>
-              </a:rPr>
-              <a:t>https://segmentfault.com/a/1190000004322358</a:t>
-            </a:r>
-            <a:endParaRPr sz="3200" dirty="0">
-              <a:solidFill>
-                <a:schemeClr val="tx1"/>
-              </a:solidFill>
-              <a:sym typeface="+mn-ea"/>
-            </a:endParaRPr>
-          </a:p>
-        </p:txBody>
-      </p:sp>
-      <p:sp>
-        <p:nvSpPr>
-          <p:cNvPr id="3" name="内容占位符 2"/>
-          <p:cNvSpPr>
-            <a:spLocks noGrp="1"/>
-          </p:cNvSpPr>
-          <p:nvPr>
-            <p:ph sz="quarter" idx="11"/>
-          </p:nvPr>
-        </p:nvSpPr>
-        <p:spPr/>
-        <p:txBody>
-          <a:bodyPr/>
-          <a:lstStyle/>
-          <a:p>
-            <a:r>
-              <a:rPr lang="zh-CN" altLang="en-US" dirty="0"/>
-              <a:t>异步参考链接</a:t>
-            </a:r>
-            <a:endParaRPr lang="zh-CN" altLang="en-US" dirty="0"/>
-          </a:p>
-        </p:txBody>
-      </p:sp>
-      <p:sp>
-        <p:nvSpPr>
-          <p:cNvPr id="6" name="文本框 5"/>
-          <p:cNvSpPr txBox="1"/>
-          <p:nvPr/>
-        </p:nvSpPr>
-        <p:spPr>
-          <a:xfrm>
-            <a:off x="5575300" y="6196330"/>
-            <a:ext cx="5033010" cy="398780"/>
-          </a:xfrm>
-          <a:prstGeom prst="rect">
-            <a:avLst/>
-          </a:prstGeom>
-          <a:noFill/>
-        </p:spPr>
-        <p:txBody>
-          <a:bodyPr wrap="square" rtlCol="0">
-            <a:spAutoFit/>
-          </a:bodyPr>
-          <a:p>
-            <a:r>
-              <a:rPr lang="zh-CN" altLang="en-US" sz="2000">
-                <a:solidFill>
-                  <a:srgbClr val="FF0000"/>
-                </a:solidFill>
-              </a:rPr>
-              <a:t>参见实例</a:t>
-            </a:r>
-            <a:r>
-              <a:rPr lang="en-US" altLang="zh-CN" sz="2000">
-                <a:solidFill>
-                  <a:srgbClr val="FF0000"/>
-                </a:solidFill>
-              </a:rPr>
-              <a:t>Demo2 JSON</a:t>
-            </a:r>
-            <a:r>
-              <a:rPr lang="zh-CN" altLang="en-US" sz="2000">
-                <a:solidFill>
-                  <a:srgbClr val="FF0000"/>
-                </a:solidFill>
-              </a:rPr>
-              <a:t>简介</a:t>
-            </a:r>
-            <a:r>
-              <a:rPr lang="en-US" altLang="zh-CN" sz="2000">
-                <a:solidFill>
-                  <a:srgbClr val="FF0000"/>
-                </a:solidFill>
-              </a:rPr>
-              <a:t> </a:t>
-            </a:r>
-            <a:r>
-              <a:rPr lang="zh-CN" altLang="en-US" sz="2000">
-                <a:solidFill>
-                  <a:srgbClr val="FF0000"/>
-                </a:solidFill>
-              </a:rPr>
-              <a:t> </a:t>
-            </a:r>
-            <a:endParaRPr lang="en-US" altLang="zh-CN" sz="2000">
-              <a:solidFill>
-                <a:srgbClr val="FF0000"/>
-              </a:solidFill>
-            </a:endParaRPr>
-          </a:p>
-        </p:txBody>
-      </p:sp>
-    </p:spTree>
-  </p:cSld>
-  <p:clrMapOvr>
-    <a:masterClrMapping/>
-  </p:clrMapOvr>
-  <p:timing>
-    <p:tnLst>
-      <p:par>
-        <p:cTn id="1" dur="indefinite" restart="never" nodeType="tmRoot">
-          <p:childTnLst>
-            <p:seq concurrent="1" nextAc="seek">
-              <p:cTn id="2" dur="indefinite" nodeType="mainSeq">
-                <p:childTnLst>
-                  <p:par>
-                    <p:cTn id="3" fill="hold">
-                      <p:stCondLst>
-                        <p:cond delay="indefinite"/>
-                      </p:stCondLst>
-                      <p:childTnLst>
-                        <p:par>
-                          <p:cTn id="4" fill="hold">
-                            <p:stCondLst>
-                              <p:cond delay="0"/>
-                            </p:stCondLst>
-                            <p:childTnLst>
-                              <p:par>
-                                <p:cTn id="5" presetID="2" presetClass="entr" presetSubtype="4" fill="hold" nodeType="clickEffect">
-                                  <p:stCondLst>
-                                    <p:cond delay="0"/>
-                                  </p:stCondLst>
-                                  <p:childTnLst>
-                                    <p:set>
-                                      <p:cBhvr>
-                                        <p:cTn id="6" dur="1" fill="hold">
-                                          <p:stCondLst>
-                                            <p:cond delay="0"/>
-                                          </p:stCondLst>
-                                        </p:cTn>
-                                        <p:tgtEl>
-                                          <p:spTgt spid="2">
-                                            <p:txEl>
-                                              <p:pRg st="1" end="1"/>
-                                            </p:txEl>
-                                          </p:spTgt>
-                                        </p:tgtEl>
-                                        <p:attrNameLst>
-                                          <p:attrName>style.visibility</p:attrName>
-                                        </p:attrNameLst>
-                                      </p:cBhvr>
-                                      <p:to>
-                                        <p:strVal val="visible"/>
-                                      </p:to>
-                                    </p:set>
-                                    <p:anim calcmode="lin" valueType="num">
-                                      <p:cBhvr additive="base">
-                                        <p:cTn id="7" dur="500" fill="hold"/>
-                                        <p:tgtEl>
-                                          <p:spTgt spid="2">
-                                            <p:txEl>
-                                              <p:pRg st="1" end="1"/>
-                                            </p:txEl>
-                                          </p:spTgt>
-                                        </p:tgtEl>
-                                        <p:attrNameLst>
-                                          <p:attrName>ppt_x</p:attrName>
-                                        </p:attrNameLst>
-                                      </p:cBhvr>
-                                      <p:tavLst>
-                                        <p:tav tm="0">
-                                          <p:val>
-                                            <p:strVal val="#ppt_x"/>
-                                          </p:val>
-                                        </p:tav>
-                                        <p:tav tm="100000">
-                                          <p:val>
-                                            <p:strVal val="#ppt_x"/>
-                                          </p:val>
-                                        </p:tav>
-                                      </p:tavLst>
-                                    </p:anim>
-                                    <p:anim calcmode="lin" valueType="num">
-                                      <p:cBhvr additive="base">
-                                        <p:cTn id="8" dur="500" fill="hold"/>
-                                        <p:tgtEl>
-                                          <p:spTgt spid="2">
-                                            <p:txEl>
-                                              <p:pRg st="1" end="1"/>
-                                            </p:txEl>
-                                          </p:spTgt>
-                                        </p:tgtEl>
-                                        <p:attrNameLst>
-                                          <p:attrName>ppt_y</p:attrName>
-                                        </p:attrNameLst>
-                                      </p:cBhvr>
-                                      <p:tavLst>
-                                        <p:tav tm="0">
-                                          <p:val>
-                                            <p:strVal val="1+#ppt_h/2"/>
-                                          </p:val>
-                                        </p:tav>
-                                        <p:tav tm="100000">
-                                          <p:val>
-                                            <p:strVal val="#ppt_y"/>
-                                          </p:val>
-                                        </p:tav>
-                                      </p:tavLst>
-                                    </p:anim>
-                                  </p:childTnLst>
-                                </p:cTn>
-                              </p:par>
-                            </p:childTnLst>
-                          </p:cTn>
-                        </p:par>
-                      </p:childTnLst>
-                    </p:cTn>
-                  </p:par>
-                  <p:par>
-                    <p:cTn id="9" fill="hold">
-                      <p:stCondLst>
-                        <p:cond delay="indefinite"/>
-                      </p:stCondLst>
-                      <p:childTnLst>
-                        <p:par>
-                          <p:cTn id="10" fill="hold">
-                            <p:stCondLst>
-                              <p:cond delay="0"/>
-                            </p:stCondLst>
-                            <p:childTnLst>
-                              <p:par>
-                                <p:cTn id="11" presetID="2" presetClass="entr" presetSubtype="4" fill="hold" nodeType="clickEffect">
-                                  <p:stCondLst>
-                                    <p:cond delay="0"/>
-                                  </p:stCondLst>
-                                  <p:childTnLst>
-                                    <p:set>
-                                      <p:cBhvr>
-                                        <p:cTn id="12" dur="1" fill="hold">
-                                          <p:stCondLst>
-                                            <p:cond delay="0"/>
-                                          </p:stCondLst>
-                                        </p:cTn>
-                                        <p:tgtEl>
-                                          <p:spTgt spid="2">
-                                            <p:txEl>
-                                              <p:pRg st="0" end="0"/>
-                                            </p:txEl>
-                                          </p:spTgt>
-                                        </p:tgtEl>
-                                        <p:attrNameLst>
-                                          <p:attrName>style.visibility</p:attrName>
-                                        </p:attrNameLst>
-                                      </p:cBhvr>
-                                      <p:to>
-                                        <p:strVal val="visible"/>
-                                      </p:to>
-                                    </p:set>
-                                    <p:anim calcmode="lin" valueType="num">
-                                      <p:cBhvr additive="base">
-                                        <p:cTn id="13" dur="500" fill="hold"/>
-                                        <p:tgtEl>
-                                          <p:spTgt spid="2">
-                                            <p:txEl>
-                                              <p:pRg st="0" end="0"/>
-                                            </p:txEl>
-                                          </p:spTgt>
-                                        </p:tgtEl>
-                                        <p:attrNameLst>
-                                          <p:attrName>ppt_x</p:attrName>
-                                        </p:attrNameLst>
-                                      </p:cBhvr>
-                                      <p:tavLst>
-                                        <p:tav tm="0">
-                                          <p:val>
-                                            <p:strVal val="#ppt_x"/>
-                                          </p:val>
-                                        </p:tav>
-                                        <p:tav tm="100000">
-                                          <p:val>
-                                            <p:strVal val="#ppt_x"/>
-                                          </p:val>
-                                        </p:tav>
-                                      </p:tavLst>
-                                    </p:anim>
-                                    <p:anim calcmode="lin" valueType="num">
-                                      <p:cBhvr additive="base">
-                                        <p:cTn id="14" dur="500" fill="hold"/>
-                                        <p:tgtEl>
-                                          <p:spTgt spid="2">
-                                            <p:txEl>
-                                              <p:pRg st="0" end="0"/>
-                                            </p:txEl>
-                                          </p:spTgt>
-                                        </p:tgtEl>
-                                        <p:attrNameLst>
-                                          <p:attrName>ppt_y</p:attrName>
-                                        </p:attrNameLst>
-                                      </p:cBhvr>
-                                      <p:tavLst>
-                                        <p:tav tm="0">
-                                          <p:val>
-                                            <p:strVal val="1+#ppt_h/2"/>
-                                          </p:val>
-                                        </p:tav>
-                                        <p:tav tm="100000">
-                                          <p:val>
-                                            <p:strVal val="#ppt_y"/>
-                                          </p:val>
-                                        </p:tav>
-                                      </p:tavLst>
-                                    </p:anim>
-                                  </p:childTnLst>
-                                </p:cTn>
-                              </p:par>
-                            </p:childTnLst>
-                          </p:cTn>
-                        </p:par>
-                        <p:par>
-                          <p:cTn id="15" fill="hold">
-                            <p:stCondLst>
-                              <p:cond delay="500"/>
-                            </p:stCondLst>
-                            <p:childTnLst>
-                              <p:par>
-                                <p:cTn id="16" presetID="2" presetClass="entr" presetSubtype="4" fill="hold" grpId="0" nodeType="afterEffect">
-                                  <p:stCondLst>
-                                    <p:cond delay="0"/>
-                                  </p:stCondLst>
-                                  <p:childTnLst>
-                                    <p:set>
-                                      <p:cBhvr>
-                                        <p:cTn id="17" dur="1" fill="hold">
-                                          <p:stCondLst>
-                                            <p:cond delay="0"/>
-                                          </p:stCondLst>
-                                        </p:cTn>
-                                        <p:tgtEl>
-                                          <p:spTgt spid="6"/>
-                                        </p:tgtEl>
-                                        <p:attrNameLst>
-                                          <p:attrName>style.visibility</p:attrName>
-                                        </p:attrNameLst>
-                                      </p:cBhvr>
-                                      <p:to>
-                                        <p:strVal val="visible"/>
-                                      </p:to>
-                                    </p:set>
-                                    <p:anim calcmode="lin" valueType="num">
-                                      <p:cBhvr additive="base">
-                                        <p:cTn id="18" dur="500" fill="hold"/>
-                                        <p:tgtEl>
-                                          <p:spTgt spid="6"/>
-                                        </p:tgtEl>
-                                        <p:attrNameLst>
-                                          <p:attrName>ppt_x</p:attrName>
-                                        </p:attrNameLst>
-                                      </p:cBhvr>
-                                      <p:tavLst>
-                                        <p:tav tm="0">
-                                          <p:val>
-                                            <p:strVal val="#ppt_x"/>
-                                          </p:val>
-                                        </p:tav>
-                                        <p:tav tm="100000">
-                                          <p:val>
-                                            <p:strVal val="#ppt_x"/>
-                                          </p:val>
-                                        </p:tav>
-                                      </p:tavLst>
-                                    </p:anim>
-                                    <p:anim calcmode="lin" valueType="num">
-                                      <p:cBhvr additive="base">
-                                        <p:cTn id="19" dur="500" fill="hold"/>
-                                        <p:tgtEl>
-                                          <p:spTgt spid="6"/>
-                                        </p:tgtEl>
-                                        <p:attrNameLst>
-                                          <p:attrName>ppt_y</p:attrName>
-                                        </p:attrNameLst>
-                                      </p:cBhvr>
-                                      <p:tavLst>
-                                        <p:tav tm="0">
-                                          <p:val>
-                                            <p:strVal val="1+#ppt_h/2"/>
-                                          </p:val>
-                                        </p:tav>
-                                        <p:tav tm="100000">
-                                          <p:val>
-                                            <p:strVal val="#ppt_y"/>
-                                          </p:val>
-                                        </p:tav>
-                                      </p:tavLst>
-                                    </p:anim>
-                                  </p:childTnLst>
-                                </p:cTn>
-                              </p:par>
-                            </p:childTnLst>
-                          </p:cTn>
-                        </p:par>
-                      </p:childTnLst>
-                    </p:cTn>
-                  </p:par>
-                </p:childTnLst>
-              </p:cTn>
-              <p:prevCondLst>
-                <p:cond evt="onPrev" delay="0">
-                  <p:tgtEl>
-                    <p:sldTgt/>
-                  </p:tgtEl>
-                </p:cond>
-              </p:prevCondLst>
-              <p:nextCondLst>
-                <p:cond evt="onNext" delay="0">
-                  <p:tgtEl>
-                    <p:sldTgt/>
-                  </p:tgtEl>
-                </p:cond>
-              </p:nextCondLst>
-            </p:seq>
-          </p:childTnLst>
-        </p:cTn>
-      </p:par>
-    </p:tnLst>
-    <p:bldLst>
-      <p:bldP spid="6" grpId="0"/>
-    </p:bldLst>
-  </p:timing>
-</p:sld>
-</file>
-
-<file path=ppt/slides/slide6.xml><?xml version="1.0" encoding="utf-8"?>
+<file path=ppt/slides/slide8.xml><?xml version="1.0" encoding="utf-8"?>
 <p:sld xmlns:a="http://schemas.openxmlformats.org/drawingml/2006/main" xmlns:r="http://schemas.openxmlformats.org/officeDocument/2006/relationships" xmlns:p="http://schemas.openxmlformats.org/presentationml/2006/main">
   <p:cSld>
     <p:spTree>
@@ -6865,7 +9042,7 @@
             <a:r>
               <a:rPr lang="en-US" altLang="zh-CN" sz="2800" b="1">
                 <a:solidFill>
-                  <a:schemeClr val="accent3"/>
+                  <a:schemeClr val="tx1"/>
                 </a:solidFill>
                 <a:sym typeface="+mn-ea"/>
               </a:rPr>
@@ -6874,7 +9051,7 @@
             <a:r>
               <a:rPr lang="zh-CN" altLang="en-US" sz="2800" b="1">
                 <a:solidFill>
-                  <a:schemeClr val="accent3"/>
+                  <a:schemeClr val="tx1"/>
                 </a:solidFill>
                 <a:sym typeface="+mn-ea"/>
               </a:rPr>
@@ -6882,7 +9059,7 @@
             </a:r>
             <a:endParaRPr lang="zh-CN" altLang="en-US" sz="2800" b="1">
               <a:solidFill>
-                <a:schemeClr val="accent3"/>
+                <a:schemeClr val="tx1"/>
               </a:solidFill>
               <a:sym typeface="+mn-ea"/>
             </a:endParaRPr>
@@ -6907,7 +9084,7 @@
             <a:r>
               <a:rPr lang="en-US" altLang="zh-CN" sz="2800" b="1">
                 <a:solidFill>
-                  <a:schemeClr val="tx1"/>
+                  <a:srgbClr val="FF0000"/>
                 </a:solidFill>
                 <a:sym typeface="+mn-ea"/>
               </a:rPr>
@@ -6916,7 +9093,7 @@
             <a:r>
               <a:rPr lang="zh-CN" altLang="en-US" sz="2800" b="1">
                 <a:solidFill>
-                  <a:schemeClr val="tx1"/>
+                  <a:srgbClr val="FF0000"/>
                 </a:solidFill>
                 <a:sym typeface="+mn-ea"/>
               </a:rPr>
@@ -6924,7 +9101,7 @@
             </a:r>
             <a:endParaRPr lang="zh-CN" altLang="en-US" sz="2800" b="1">
               <a:solidFill>
-                <a:schemeClr val="tx1"/>
+                <a:srgbClr val="FF0000"/>
               </a:solidFill>
               <a:sym typeface="+mn-ea"/>
             </a:endParaRPr>
@@ -7164,7 +9341,7 @@
 </p:sld>
 </file>
 
-<file path=ppt/slides/slide7.xml><?xml version="1.0" encoding="utf-8"?>
+<file path=ppt/slides/slide9.xml><?xml version="1.0" encoding="utf-8"?>
 <p:sld xmlns:a="http://schemas.openxmlformats.org/drawingml/2006/main" xmlns:r="http://schemas.openxmlformats.org/officeDocument/2006/relationships" xmlns:p="http://schemas.openxmlformats.org/presentationml/2006/main">
   <p:cSld>
     <p:spTree>
@@ -7207,13 +9384,13 @@
               </a:lnSpc>
             </a:pPr>
             <a:r>
-              <a:rPr lang="zh-CN" sz="3200" dirty="0">
-                <a:solidFill>
-                  <a:schemeClr val="tx1"/>
-                </a:solidFill>
-                <a:sym typeface="+mn-ea"/>
-              </a:rPr>
-              <a:t>回调函数</a:t>
+              <a:rPr lang="en-US" altLang="zh-CN" sz="3200" dirty="0">
+                <a:solidFill>
+                  <a:schemeClr val="tx1"/>
+                </a:solidFill>
+                <a:sym typeface="+mn-ea"/>
+              </a:rPr>
+              <a:t>Ajax</a:t>
             </a:r>
             <a:br>
               <a:rPr lang="zh-CN" sz="3200" dirty="0">
@@ -7223,19 +9400,192 @@
                 <a:sym typeface="+mn-ea"/>
               </a:rPr>
             </a:br>
-            <a:endParaRPr lang="zh-CN" sz="3200" dirty="0">
-              <a:solidFill>
-                <a:schemeClr val="tx1"/>
-              </a:solidFill>
-              <a:sym typeface="+mn-ea"/>
-            </a:endParaRPr>
-          </a:p>
-          <a:p>
-            <a:pPr>
-              <a:lnSpc>
-                <a:spcPct val="150000"/>
-              </a:lnSpc>
-            </a:pPr>
+            <a:r>
+              <a:rPr lang="en-US" altLang="zh-CN" sz="2000" dirty="0">
+                <a:solidFill>
+                  <a:schemeClr val="tx1"/>
+                </a:solidFill>
+                <a:sym typeface="+mn-ea"/>
+              </a:rPr>
+              <a:t>- </a:t>
+            </a:r>
+            <a:r>
+              <a:rPr sz="2000" dirty="0">
+                <a:solidFill>
+                  <a:schemeClr val="tx1"/>
+                </a:solidFill>
+                <a:sym typeface="+mn-ea"/>
+              </a:rPr>
+              <a:t>AJAX = Asynchronous JavaScript and XML（异步 JavaScript 和 XML</a:t>
+            </a:r>
+            <a:r>
+              <a:rPr lang="zh-CN" sz="2000" dirty="0">
+                <a:solidFill>
+                  <a:schemeClr val="tx1"/>
+                </a:solidFill>
+                <a:sym typeface="+mn-ea"/>
+              </a:rPr>
+              <a:t>，也可用</a:t>
+            </a:r>
+            <a:r>
+              <a:rPr lang="en-US" altLang="zh-CN" sz="2000" dirty="0">
+                <a:solidFill>
+                  <a:schemeClr val="tx1"/>
+                </a:solidFill>
+                <a:sym typeface="+mn-ea"/>
+              </a:rPr>
+              <a:t>JSON</a:t>
+            </a:r>
+            <a:r>
+              <a:rPr sz="2000" dirty="0">
+                <a:solidFill>
+                  <a:schemeClr val="tx1"/>
+                </a:solidFill>
+                <a:sym typeface="+mn-ea"/>
+              </a:rPr>
+              <a:t>）</a:t>
+            </a:r>
+            <a:br>
+              <a:rPr sz="2000" dirty="0">
+                <a:solidFill>
+                  <a:schemeClr val="tx1"/>
+                </a:solidFill>
+                <a:sym typeface="+mn-ea"/>
+              </a:rPr>
+            </a:br>
+            <a:r>
+              <a:rPr lang="en-US" sz="2000" dirty="0">
+                <a:solidFill>
+                  <a:schemeClr val="tx1"/>
+                </a:solidFill>
+                <a:sym typeface="+mn-ea"/>
+              </a:rPr>
+              <a:t>- </a:t>
+            </a:r>
+            <a:r>
+              <a:rPr sz="2000" dirty="0">
+                <a:solidFill>
+                  <a:schemeClr val="tx1"/>
+                </a:solidFill>
+                <a:sym typeface="+mn-ea"/>
+              </a:rPr>
+              <a:t>AJAX 不是新的编程语言，而是一种使用现有标准的方法</a:t>
+            </a:r>
+            <a:br>
+              <a:rPr sz="2000" dirty="0">
+                <a:solidFill>
+                  <a:schemeClr val="tx1"/>
+                </a:solidFill>
+                <a:sym typeface="+mn-ea"/>
+              </a:rPr>
+            </a:br>
+            <a:r>
+              <a:rPr lang="en-US" sz="2000" dirty="0">
+                <a:solidFill>
+                  <a:schemeClr val="tx1"/>
+                </a:solidFill>
+                <a:sym typeface="+mn-ea"/>
+              </a:rPr>
+              <a:t>- </a:t>
+            </a:r>
+            <a:r>
+              <a:rPr sz="2000" dirty="0">
+                <a:solidFill>
+                  <a:schemeClr val="tx1"/>
+                </a:solidFill>
+                <a:sym typeface="+mn-ea"/>
+              </a:rPr>
+              <a:t>AJAX 是与服务器交换数据并更新部分网页的艺术，在不重新加载整个页面的情况下</a:t>
+            </a:r>
+            <a:br>
+              <a:rPr sz="2000" dirty="0">
+                <a:solidFill>
+                  <a:schemeClr val="tx1"/>
+                </a:solidFill>
+                <a:sym typeface="+mn-ea"/>
+              </a:rPr>
+            </a:br>
+            <a:r>
+              <a:rPr lang="en-US" sz="2000" dirty="0">
+                <a:solidFill>
+                  <a:schemeClr val="tx1"/>
+                </a:solidFill>
+                <a:sym typeface="+mn-ea"/>
+              </a:rPr>
+              <a:t>- </a:t>
+            </a:r>
+            <a:r>
+              <a:rPr lang="zh-CN" altLang="en-US" sz="2000" dirty="0">
+                <a:solidFill>
+                  <a:schemeClr val="tx1"/>
+                </a:solidFill>
+                <a:sym typeface="+mn-ea"/>
+              </a:rPr>
+              <a:t>实现方式（</a:t>
+            </a:r>
+            <a:r>
+              <a:rPr lang="en-US" altLang="zh-CN" sz="2000" dirty="0">
+                <a:solidFill>
+                  <a:schemeClr val="tx1"/>
+                </a:solidFill>
+                <a:sym typeface="+mn-ea"/>
+              </a:rPr>
+              <a:t>XMLHttpRequest</a:t>
+            </a:r>
+            <a:r>
+              <a:rPr lang="zh-CN" altLang="en-US" sz="2000" dirty="0">
+                <a:solidFill>
+                  <a:schemeClr val="tx1"/>
+                </a:solidFill>
+                <a:sym typeface="+mn-ea"/>
+              </a:rPr>
+              <a:t>对象</a:t>
+            </a:r>
+            <a:r>
+              <a:rPr lang="zh-CN" altLang="en-US" sz="2000" dirty="0">
+                <a:solidFill>
+                  <a:schemeClr val="tx1"/>
+                </a:solidFill>
+                <a:sym typeface="+mn-ea"/>
+              </a:rPr>
+              <a:t>、</a:t>
+            </a:r>
+            <a:r>
+              <a:rPr lang="en-US" altLang="zh-CN" sz="2000" dirty="0">
+                <a:solidFill>
+                  <a:schemeClr val="tx1"/>
+                </a:solidFill>
+                <a:sym typeface="+mn-ea"/>
+              </a:rPr>
+              <a:t>jQuery</a:t>
+            </a:r>
+            <a:r>
+              <a:rPr lang="zh-CN" altLang="en-US" sz="2000" dirty="0">
+                <a:solidFill>
+                  <a:schemeClr val="tx1"/>
+                </a:solidFill>
+                <a:sym typeface="+mn-ea"/>
+              </a:rPr>
+              <a:t>中的</a:t>
+            </a:r>
+            <a:r>
+              <a:rPr lang="en-US" altLang="zh-CN" sz="2000" dirty="0">
+                <a:solidFill>
+                  <a:schemeClr val="tx1"/>
+                </a:solidFill>
+                <a:sym typeface="+mn-ea"/>
+              </a:rPr>
+              <a:t>ajax</a:t>
+            </a:r>
+            <a:r>
+              <a:rPr lang="zh-CN" altLang="en-US" sz="2000" dirty="0">
+                <a:solidFill>
+                  <a:schemeClr val="tx1"/>
+                </a:solidFill>
+                <a:sym typeface="+mn-ea"/>
+              </a:rPr>
+              <a:t>对象等）</a:t>
+            </a:r>
             <a:endParaRPr lang="zh-CN" altLang="en-US" sz="2000" dirty="0">
               <a:solidFill>
                 <a:schemeClr val="tx1"/>
@@ -7250,13 +9600,144 @@
               </a:lnSpc>
             </a:pPr>
             <a:r>
+              <a:rPr lang="en-US" altLang="zh-CN" sz="3200" dirty="0">
+                <a:solidFill>
+                  <a:schemeClr val="tx1"/>
+                </a:solidFill>
+                <a:sym typeface="+mn-ea"/>
+              </a:rPr>
+              <a:t>XMLHttpRequest</a:t>
+            </a:r>
+            <a:br>
               <a:rPr lang="zh-CN" altLang="en-US" sz="3200" dirty="0">
                 <a:solidFill>
                   <a:schemeClr val="tx1"/>
                 </a:solidFill>
                 <a:sym typeface="+mn-ea"/>
               </a:rPr>
-              <a:t>事件监听机制</a:t>
+            </a:br>
+            <a:r>
+              <a:rPr lang="en-US" altLang="zh-CN" sz="2000" dirty="0">
+                <a:solidFill>
+                  <a:schemeClr val="tx1"/>
+                </a:solidFill>
+                <a:sym typeface="+mn-ea"/>
+              </a:rPr>
+              <a:t>- </a:t>
+            </a:r>
+            <a:r>
+              <a:rPr lang="zh-CN" altLang="en-US" sz="2000" dirty="0">
+                <a:solidFill>
+                  <a:schemeClr val="tx1"/>
+                </a:solidFill>
+                <a:sym typeface="+mn-ea"/>
+              </a:rPr>
+              <a:t>通过</a:t>
+            </a:r>
+            <a:r>
+              <a:rPr lang="zh-CN" altLang="en-US" sz="2000" dirty="0">
+                <a:solidFill>
+                  <a:schemeClr val="tx1"/>
+                </a:solidFill>
+                <a:sym typeface="+mn-ea"/>
+              </a:rPr>
+              <a:t>XMLHttpRequest实例化的对象可</a:t>
+            </a:r>
+            <a:r>
+              <a:rPr lang="zh-CN" altLang="en-US" sz="2000" dirty="0">
+                <a:solidFill>
+                  <a:schemeClr val="tx1"/>
+                </a:solidFill>
+                <a:sym typeface="+mn-ea"/>
+              </a:rPr>
+              <a:t>用于在后台与服务器交换数据，在不重新加载整个网</a:t>
+            </a:r>
+            <a:br>
+              <a:rPr lang="zh-CN" altLang="en-US" sz="2000" dirty="0">
+                <a:solidFill>
+                  <a:schemeClr val="tx1"/>
+                </a:solidFill>
+                <a:sym typeface="+mn-ea"/>
+              </a:rPr>
+            </a:br>
+            <a:r>
+              <a:rPr lang="zh-CN" altLang="en-US" sz="2000" dirty="0">
+                <a:solidFill>
+                  <a:schemeClr val="tx1"/>
+                </a:solidFill>
+                <a:sym typeface="+mn-ea"/>
+              </a:rPr>
+              <a:t>  页的情况下，对网页的某部分进行更新</a:t>
+            </a:r>
+            <a:br>
+              <a:rPr lang="zh-CN" altLang="en-US" sz="2000" dirty="0">
+                <a:solidFill>
+                  <a:schemeClr val="tx1"/>
+                </a:solidFill>
+                <a:sym typeface="+mn-ea"/>
+              </a:rPr>
+            </a:br>
+            <a:r>
+              <a:rPr lang="en-US" altLang="zh-CN" sz="2000" dirty="0">
+                <a:solidFill>
+                  <a:schemeClr val="tx1"/>
+                </a:solidFill>
+                <a:sym typeface="+mn-ea"/>
+              </a:rPr>
+              <a:t>- </a:t>
+            </a:r>
+            <a:r>
+              <a:rPr lang="zh-CN" altLang="en-US" sz="2000" dirty="0">
+                <a:solidFill>
+                  <a:schemeClr val="tx1"/>
+                </a:solidFill>
+                <a:sym typeface="+mn-ea"/>
+              </a:rPr>
+              <a:t>参考链接：</a:t>
+            </a:r>
+            <a:r>
+              <a:rPr lang="en-US" altLang="zh-CN" sz="2000" dirty="0">
+                <a:solidFill>
+                  <a:schemeClr val="tx1"/>
+                </a:solidFill>
+                <a:sym typeface="+mn-ea"/>
+              </a:rPr>
+              <a:t>http://blog.csdn.net/liujiahan629629/article/details/17126727</a:t>
+            </a:r>
+            <a:br>
+              <a:rPr lang="en-US" altLang="zh-CN" sz="2000" dirty="0">
+                <a:solidFill>
+                  <a:schemeClr val="tx1"/>
+                </a:solidFill>
+                <a:sym typeface="+mn-ea"/>
+              </a:rPr>
+            </a:br>
+            <a:r>
+              <a:rPr lang="en-US" altLang="zh-CN" sz="2000" dirty="0">
+                <a:solidFill>
+                  <a:schemeClr val="tx1"/>
+                </a:solidFill>
+                <a:sym typeface="+mn-ea"/>
+              </a:rPr>
+              <a:t>- </a:t>
+            </a:r>
+            <a:r>
+              <a:rPr lang="zh-CN" altLang="en-US" sz="2000" dirty="0">
+                <a:solidFill>
+                  <a:schemeClr val="tx1"/>
+                </a:solidFill>
+                <a:sym typeface="+mn-ea"/>
+              </a:rPr>
+              <a:t>参考链接：</a:t>
+            </a:r>
+            <a:r>
+              <a:rPr lang="en-US" altLang="zh-CN" sz="2000" dirty="0">
+                <a:solidFill>
+                  <a:schemeClr val="tx1"/>
+                </a:solidFill>
+                <a:sym typeface="+mn-ea"/>
+              </a:rPr>
+              <a:t>http://blog.csdn.net/Huang_Cai_Yuan/article/details/54881407</a:t>
             </a:r>
             <a:br>
               <a:rPr lang="zh-CN" altLang="en-US" sz="2000" dirty="0">
@@ -7296,7 +9777,7 @@
             </a:r>
             <a:r>
               <a:rPr lang="zh-CN" altLang="en-US" dirty="0"/>
-              <a:t>异步相关概念</a:t>
+              <a:t>异步网络数据交互</a:t>
             </a:r>
             <a:endParaRPr lang="en-US" altLang="zh-CN" dirty="0"/>
           </a:p>
@@ -7311,7 +9792,7 @@
         <p:spPr>
           <a:xfrm>
             <a:off x="5575300" y="6196330"/>
-            <a:ext cx="5033010" cy="398780"/>
+            <a:ext cx="5950585" cy="398780"/>
           </a:xfrm>
           <a:prstGeom prst="rect">
             <a:avLst/>
@@ -7337,7 +9818,7 @@
                   <a:srgbClr val="FF0000"/>
                 </a:solidFill>
               </a:rPr>
-              <a:t>Demo2 JSON</a:t>
+              <a:t>Demo4 Ajax</a:t>
             </a:r>
             <a:r>
               <a:rPr lang="zh-CN" altLang="en-US" sz="2000">
@@ -7345,7 +9826,31 @@
                   <a:srgbClr val="FF0000"/>
                 </a:solidFill>
               </a:rPr>
-              <a:t>简介</a:t>
+              <a:t>和</a:t>
+            </a:r>
+            <a:r>
+              <a:rPr lang="en-US" altLang="zh-CN" sz="2000">
+                <a:solidFill>
+                  <a:srgbClr val="FF0000"/>
+                </a:solidFill>
+              </a:rPr>
+              <a:t>XMLHttpRequest</a:t>
+            </a:r>
+            <a:r>
+              <a:rPr lang="zh-CN" altLang="en-US" sz="2000">
+                <a:solidFill>
+                  <a:srgbClr val="FF0000"/>
+                </a:solidFill>
+              </a:rPr>
+              <a:t>基本</a:t>
+            </a:r>
+            <a:r>
+              <a:rPr lang="zh-CN" altLang="en-US" sz="2000">
+                <a:solidFill>
+                  <a:srgbClr val="FF0000"/>
+                </a:solidFill>
+              </a:rPr>
+              <a:t>案例</a:t>
             </a:r>
             <a:r>
               <a:rPr lang="en-US" altLang="zh-CN" sz="2000">
@@ -7515,7 +10020,7 @@
                                         <p:tgtEl>
                                           <p:spTgt spid="2">
                                             <p:txEl>
-                                              <p:pRg st="2" end="2"/>
+                                              <p:pRg st="1" end="1"/>
                                             </p:txEl>
                                           </p:spTgt>
                                         </p:tgtEl>
@@ -7533,7 +10038,7 @@
                                         <p:tgtEl>
                                           <p:spTgt spid="2">
                                             <p:txEl>
-                                              <p:pRg st="2" end="2"/>
+                                              <p:pRg st="1" end="1"/>
                                             </p:txEl>
                                           </p:spTgt>
                                         </p:tgtEl>
@@ -7560,7 +10065,7 @@
                                         <p:tgtEl>
                                           <p:spTgt spid="2">
                                             <p:txEl>
-                                              <p:pRg st="2" end="2"/>
+                                              <p:pRg st="1" end="1"/>
                                             </p:txEl>
                                           </p:spTgt>
                                         </p:tgtEl>
@@ -7696,1065 +10201,6 @@
     <p:bldLst>
       <p:bldP spid="6" grpId="0"/>
     </p:bldLst>
-  </p:timing>
-</p:sld>
-</file>
-
-<file path=ppt/slides/slide8.xml><?xml version="1.0" encoding="utf-8"?>
-<p:sld xmlns:a="http://schemas.openxmlformats.org/drawingml/2006/main" xmlns:r="http://schemas.openxmlformats.org/officeDocument/2006/relationships" xmlns:p="http://schemas.openxmlformats.org/presentationml/2006/main">
-  <p:cSld>
-    <p:spTree>
-      <p:nvGrpSpPr>
-        <p:cNvPr id="1" name=""/>
-        <p:cNvGrpSpPr/>
-        <p:nvPr/>
-      </p:nvGrpSpPr>
-      <p:grpSpPr>
-        <a:xfrm>
-          <a:off x="0" y="0"/>
-          <a:ext cx="0" cy="0"/>
-          <a:chOff x="0" y="0"/>
-          <a:chExt cx="0" cy="0"/>
-        </a:xfrm>
-      </p:grpSpPr>
-      <p:sp>
-        <p:nvSpPr>
-          <p:cNvPr id="2" name="内容占位符 1"/>
-          <p:cNvSpPr>
-            <a:spLocks noGrp="1"/>
-          </p:cNvSpPr>
-          <p:nvPr>
-            <p:ph sz="quarter" idx="10"/>
-          </p:nvPr>
-        </p:nvSpPr>
-        <p:spPr>
-          <a:xfrm>
-            <a:off x="927735" y="783590"/>
-            <a:ext cx="10781665" cy="5269230"/>
-          </a:xfrm>
-        </p:spPr>
-        <p:txBody>
-          <a:bodyPr/>
-          <a:lstStyle/>
-          <a:p>
-            <a:pPr>
-              <a:lnSpc>
-                <a:spcPct val="150000"/>
-              </a:lnSpc>
-            </a:pPr>
-            <a:r>
-              <a:rPr lang="zh-CN" sz="3200" dirty="0">
-                <a:solidFill>
-                  <a:schemeClr val="tx1"/>
-                </a:solidFill>
-                <a:sym typeface="+mn-ea"/>
-              </a:rPr>
-              <a:t>订阅发布模式</a:t>
-            </a:r>
-            <a:br>
-              <a:rPr lang="zh-CN" sz="3200" dirty="0">
-                <a:solidFill>
-                  <a:schemeClr val="tx1"/>
-                </a:solidFill>
-                <a:sym typeface="+mn-ea"/>
-              </a:rPr>
-            </a:br>
-            <a:endParaRPr lang="zh-CN" sz="3200" dirty="0">
-              <a:solidFill>
-                <a:schemeClr val="tx1"/>
-              </a:solidFill>
-              <a:sym typeface="+mn-ea"/>
-            </a:endParaRPr>
-          </a:p>
-          <a:p>
-            <a:pPr>
-              <a:lnSpc>
-                <a:spcPct val="150000"/>
-              </a:lnSpc>
-            </a:pPr>
-            <a:endParaRPr lang="zh-CN" altLang="en-US" sz="2000" dirty="0">
-              <a:solidFill>
-                <a:schemeClr val="tx1"/>
-              </a:solidFill>
-              <a:sym typeface="+mn-ea"/>
-            </a:endParaRPr>
-          </a:p>
-          <a:p>
-            <a:pPr>
-              <a:lnSpc>
-                <a:spcPct val="150000"/>
-              </a:lnSpc>
-            </a:pPr>
-            <a:r>
-              <a:rPr lang="en-US" altLang="zh-CN" sz="3200" dirty="0">
-                <a:solidFill>
-                  <a:schemeClr val="tx1"/>
-                </a:solidFill>
-                <a:sym typeface="+mn-ea"/>
-              </a:rPr>
-              <a:t>Promise</a:t>
-            </a:r>
-            <a:br>
-              <a:rPr lang="zh-CN" altLang="en-US" sz="2000" dirty="0">
-                <a:solidFill>
-                  <a:schemeClr val="tx1"/>
-                </a:solidFill>
-                <a:sym typeface="+mn-ea"/>
-              </a:rPr>
-            </a:br>
-            <a:endParaRPr lang="zh-CN" altLang="en-US" sz="2000" dirty="0">
-              <a:solidFill>
-                <a:schemeClr val="tx1"/>
-              </a:solidFill>
-              <a:sym typeface="+mn-ea"/>
-            </a:endParaRPr>
-          </a:p>
-        </p:txBody>
-      </p:sp>
-      <p:sp>
-        <p:nvSpPr>
-          <p:cNvPr id="3" name="内容占位符 2"/>
-          <p:cNvSpPr>
-            <a:spLocks noGrp="1"/>
-          </p:cNvSpPr>
-          <p:nvPr>
-            <p:ph sz="quarter" idx="11"/>
-          </p:nvPr>
-        </p:nvSpPr>
-        <p:spPr/>
-        <p:txBody>
-          <a:bodyPr/>
-          <a:lstStyle/>
-          <a:p>
-            <a:r>
-              <a:rPr lang="en-US" altLang="zh-CN" dirty="0"/>
-              <a:t>JS</a:t>
-            </a:r>
-            <a:r>
-              <a:rPr lang="zh-CN" altLang="en-US" dirty="0"/>
-              <a:t>异步相关概念</a:t>
-            </a:r>
-            <a:endParaRPr lang="en-US" altLang="zh-CN" dirty="0"/>
-          </a:p>
-        </p:txBody>
-      </p:sp>
-      <p:sp>
-        <p:nvSpPr>
-          <p:cNvPr id="6" name="文本框 5"/>
-          <p:cNvSpPr txBox="1"/>
-          <p:nvPr/>
-        </p:nvSpPr>
-        <p:spPr>
-          <a:xfrm>
-            <a:off x="5575300" y="6196330"/>
-            <a:ext cx="5033010" cy="398780"/>
-          </a:xfrm>
-          <a:prstGeom prst="rect">
-            <a:avLst/>
-          </a:prstGeom>
-          <a:noFill/>
-        </p:spPr>
-        <p:txBody>
-          <a:bodyPr wrap="square" rtlCol="0">
-            <a:spAutoFit/>
-          </a:bodyPr>
-          <a:p>
-            <a:r>
-              <a:rPr lang="zh-CN" altLang="en-US" sz="2000">
-                <a:solidFill>
-                  <a:srgbClr val="FF0000"/>
-                </a:solidFill>
-              </a:rPr>
-              <a:t>参见实例</a:t>
-            </a:r>
-            <a:r>
-              <a:rPr lang="en-US" altLang="zh-CN" sz="2000">
-                <a:solidFill>
-                  <a:srgbClr val="FF0000"/>
-                </a:solidFill>
-              </a:rPr>
-              <a:t>Demo2 JSON</a:t>
-            </a:r>
-            <a:r>
-              <a:rPr lang="zh-CN" altLang="en-US" sz="2000">
-                <a:solidFill>
-                  <a:srgbClr val="FF0000"/>
-                </a:solidFill>
-              </a:rPr>
-              <a:t>简介</a:t>
-            </a:r>
-            <a:r>
-              <a:rPr lang="en-US" altLang="zh-CN" sz="2000">
-                <a:solidFill>
-                  <a:srgbClr val="FF0000"/>
-                </a:solidFill>
-              </a:rPr>
-              <a:t> </a:t>
-            </a:r>
-            <a:r>
-              <a:rPr lang="zh-CN" altLang="en-US" sz="2000">
-                <a:solidFill>
-                  <a:srgbClr val="FF0000"/>
-                </a:solidFill>
-              </a:rPr>
-              <a:t> </a:t>
-            </a:r>
-            <a:endParaRPr lang="en-US" altLang="zh-CN" sz="2000">
-              <a:solidFill>
-                <a:srgbClr val="FF0000"/>
-              </a:solidFill>
-            </a:endParaRPr>
-          </a:p>
-        </p:txBody>
-      </p:sp>
-    </p:spTree>
-  </p:cSld>
-  <p:clrMapOvr>
-    <a:masterClrMapping/>
-  </p:clrMapOvr>
-  <p:timing>
-    <p:tnLst>
-      <p:par>
-        <p:cTn id="1" dur="indefinite" restart="never" nodeType="tmRoot">
-          <p:childTnLst>
-            <p:seq concurrent="1" nextAc="seek">
-              <p:cTn id="2" dur="indefinite" nodeType="mainSeq">
-                <p:childTnLst>
-                  <p:par>
-                    <p:cTn id="3" fill="hold">
-                      <p:stCondLst>
-                        <p:cond delay="indefinite"/>
-                      </p:stCondLst>
-                      <p:childTnLst>
-                        <p:par>
-                          <p:cTn id="4" fill="hold">
-                            <p:stCondLst>
-                              <p:cond delay="0"/>
-                            </p:stCondLst>
-                            <p:childTnLst>
-                              <p:par>
-                                <p:cTn id="5" presetID="2" presetClass="entr" presetSubtype="4" fill="hold" nodeType="clickEffect">
-                                  <p:stCondLst>
-                                    <p:cond delay="0"/>
-                                  </p:stCondLst>
-                                  <p:childTnLst>
-                                    <p:set>
-                                      <p:cBhvr>
-                                        <p:cTn id="6" dur="1" fill="hold">
-                                          <p:stCondLst>
-                                            <p:cond delay="0"/>
-                                          </p:stCondLst>
-                                        </p:cTn>
-                                        <p:tgtEl>
-                                          <p:spTgt spid="2">
-                                            <p:txEl>
-                                              <p:pRg st="0" end="0"/>
-                                            </p:txEl>
-                                          </p:spTgt>
-                                        </p:tgtEl>
-                                        <p:attrNameLst>
-                                          <p:attrName>style.visibility</p:attrName>
-                                        </p:attrNameLst>
-                                      </p:cBhvr>
-                                      <p:to>
-                                        <p:strVal val="visible"/>
-                                      </p:to>
-                                    </p:set>
-                                    <p:anim calcmode="lin" valueType="num">
-                                      <p:cBhvr additive="base">
-                                        <p:cTn id="7" dur="500" fill="hold"/>
-                                        <p:tgtEl>
-                                          <p:spTgt spid="2">
-                                            <p:txEl>
-                                              <p:pRg st="0" end="0"/>
-                                            </p:txEl>
-                                          </p:spTgt>
-                                        </p:tgtEl>
-                                        <p:attrNameLst>
-                                          <p:attrName>ppt_x</p:attrName>
-                                        </p:attrNameLst>
-                                      </p:cBhvr>
-                                      <p:tavLst>
-                                        <p:tav tm="0">
-                                          <p:val>
-                                            <p:strVal val="#ppt_x"/>
-                                          </p:val>
-                                        </p:tav>
-                                        <p:tav tm="100000">
-                                          <p:val>
-                                            <p:strVal val="#ppt_x"/>
-                                          </p:val>
-                                        </p:tav>
-                                      </p:tavLst>
-                                    </p:anim>
-                                    <p:anim calcmode="lin" valueType="num">
-                                      <p:cBhvr additive="base">
-                                        <p:cTn id="8" dur="500" fill="hold"/>
-                                        <p:tgtEl>
-                                          <p:spTgt spid="2">
-                                            <p:txEl>
-                                              <p:pRg st="0" end="0"/>
-                                            </p:txEl>
-                                          </p:spTgt>
-                                        </p:tgtEl>
-                                        <p:attrNameLst>
-                                          <p:attrName>ppt_y</p:attrName>
-                                        </p:attrNameLst>
-                                      </p:cBhvr>
-                                      <p:tavLst>
-                                        <p:tav tm="0">
-                                          <p:val>
-                                            <p:strVal val="1+#ppt_h/2"/>
-                                          </p:val>
-                                        </p:tav>
-                                        <p:tav tm="100000">
-                                          <p:val>
-                                            <p:strVal val="#ppt_y"/>
-                                          </p:val>
-                                        </p:tav>
-                                      </p:tavLst>
-                                    </p:anim>
-                                  </p:childTnLst>
-                                </p:cTn>
-                              </p:par>
-                            </p:childTnLst>
-                          </p:cTn>
-                        </p:par>
-                      </p:childTnLst>
-                    </p:cTn>
-                  </p:par>
-                  <p:par>
-                    <p:cTn id="9" fill="hold">
-                      <p:stCondLst>
-                        <p:cond delay="indefinite"/>
-                      </p:stCondLst>
-                      <p:childTnLst>
-                        <p:par>
-                          <p:cTn id="10" fill="hold">
-                            <p:stCondLst>
-                              <p:cond delay="0"/>
-                            </p:stCondLst>
-                            <p:childTnLst>
-                              <p:par>
-                                <p:cTn id="11" presetID="2" presetClass="entr" presetSubtype="4" fill="hold" nodeType="clickEffect">
-                                  <p:stCondLst>
-                                    <p:cond delay="0"/>
-                                  </p:stCondLst>
-                                  <p:childTnLst>
-                                    <p:set>
-                                      <p:cBhvr>
-                                        <p:cTn id="12" dur="1" fill="hold">
-                                          <p:stCondLst>
-                                            <p:cond delay="0"/>
-                                          </p:stCondLst>
-                                        </p:cTn>
-                                        <p:tgtEl>
-                                          <p:spTgt spid="2">
-                                            <p:txEl>
-                                              <p:pRg st="2" end="2"/>
-                                            </p:txEl>
-                                          </p:spTgt>
-                                        </p:tgtEl>
-                                        <p:attrNameLst>
-                                          <p:attrName>style.visibility</p:attrName>
-                                        </p:attrNameLst>
-                                      </p:cBhvr>
-                                      <p:to>
-                                        <p:strVal val="visible"/>
-                                      </p:to>
-                                    </p:set>
-                                    <p:anim calcmode="lin" valueType="num">
-                                      <p:cBhvr additive="base">
-                                        <p:cTn id="13" dur="500" fill="hold"/>
-                                        <p:tgtEl>
-                                          <p:spTgt spid="2">
-                                            <p:txEl>
-                                              <p:pRg st="2" end="2"/>
-                                            </p:txEl>
-                                          </p:spTgt>
-                                        </p:tgtEl>
-                                        <p:attrNameLst>
-                                          <p:attrName>ppt_x</p:attrName>
-                                        </p:attrNameLst>
-                                      </p:cBhvr>
-                                      <p:tavLst>
-                                        <p:tav tm="0">
-                                          <p:val>
-                                            <p:strVal val="#ppt_x"/>
-                                          </p:val>
-                                        </p:tav>
-                                        <p:tav tm="100000">
-                                          <p:val>
-                                            <p:strVal val="#ppt_x"/>
-                                          </p:val>
-                                        </p:tav>
-                                      </p:tavLst>
-                                    </p:anim>
-                                    <p:anim calcmode="lin" valueType="num">
-                                      <p:cBhvr additive="base">
-                                        <p:cTn id="14" dur="500" fill="hold"/>
-                                        <p:tgtEl>
-                                          <p:spTgt spid="2">
-                                            <p:txEl>
-                                              <p:pRg st="2" end="2"/>
-                                            </p:txEl>
-                                          </p:spTgt>
-                                        </p:tgtEl>
-                                        <p:attrNameLst>
-                                          <p:attrName>ppt_y</p:attrName>
-                                        </p:attrNameLst>
-                                      </p:cBhvr>
-                                      <p:tavLst>
-                                        <p:tav tm="0">
-                                          <p:val>
-                                            <p:strVal val="1+#ppt_h/2"/>
-                                          </p:val>
-                                        </p:tav>
-                                        <p:tav tm="100000">
-                                          <p:val>
-                                            <p:strVal val="#ppt_y"/>
-                                          </p:val>
-                                        </p:tav>
-                                      </p:tavLst>
-                                    </p:anim>
-                                  </p:childTnLst>
-                                </p:cTn>
-                              </p:par>
-                            </p:childTnLst>
-                          </p:cTn>
-                        </p:par>
-                        <p:par>
-                          <p:cTn id="15" fill="hold">
-                            <p:stCondLst>
-                              <p:cond delay="500"/>
-                            </p:stCondLst>
-                            <p:childTnLst>
-                              <p:par>
-                                <p:cTn id="16" presetID="2" presetClass="entr" presetSubtype="4" fill="hold" grpId="0" nodeType="afterEffect">
-                                  <p:stCondLst>
-                                    <p:cond delay="0"/>
-                                  </p:stCondLst>
-                                  <p:childTnLst>
-                                    <p:set>
-                                      <p:cBhvr>
-                                        <p:cTn id="17" dur="1" fill="hold">
-                                          <p:stCondLst>
-                                            <p:cond delay="0"/>
-                                          </p:stCondLst>
-                                        </p:cTn>
-                                        <p:tgtEl>
-                                          <p:spTgt spid="6"/>
-                                        </p:tgtEl>
-                                        <p:attrNameLst>
-                                          <p:attrName>style.visibility</p:attrName>
-                                        </p:attrNameLst>
-                                      </p:cBhvr>
-                                      <p:to>
-                                        <p:strVal val="visible"/>
-                                      </p:to>
-                                    </p:set>
-                                    <p:anim calcmode="lin" valueType="num">
-                                      <p:cBhvr additive="base">
-                                        <p:cTn id="18" dur="500" fill="hold"/>
-                                        <p:tgtEl>
-                                          <p:spTgt spid="6"/>
-                                        </p:tgtEl>
-                                        <p:attrNameLst>
-                                          <p:attrName>ppt_x</p:attrName>
-                                        </p:attrNameLst>
-                                      </p:cBhvr>
-                                      <p:tavLst>
-                                        <p:tav tm="0">
-                                          <p:val>
-                                            <p:strVal val="#ppt_x"/>
-                                          </p:val>
-                                        </p:tav>
-                                        <p:tav tm="100000">
-                                          <p:val>
-                                            <p:strVal val="#ppt_x"/>
-                                          </p:val>
-                                        </p:tav>
-                                      </p:tavLst>
-                                    </p:anim>
-                                    <p:anim calcmode="lin" valueType="num">
-                                      <p:cBhvr additive="base">
-                                        <p:cTn id="19" dur="500" fill="hold"/>
-                                        <p:tgtEl>
-                                          <p:spTgt spid="6"/>
-                                        </p:tgtEl>
-                                        <p:attrNameLst>
-                                          <p:attrName>ppt_y</p:attrName>
-                                        </p:attrNameLst>
-                                      </p:cBhvr>
-                                      <p:tavLst>
-                                        <p:tav tm="0">
-                                          <p:val>
-                                            <p:strVal val="1+#ppt_h/2"/>
-                                          </p:val>
-                                        </p:tav>
-                                        <p:tav tm="100000">
-                                          <p:val>
-                                            <p:strVal val="#ppt_y"/>
-                                          </p:val>
-                                        </p:tav>
-                                      </p:tavLst>
-                                    </p:anim>
-                                  </p:childTnLst>
-                                </p:cTn>
-                              </p:par>
-                            </p:childTnLst>
-                          </p:cTn>
-                        </p:par>
-                      </p:childTnLst>
-                    </p:cTn>
-                  </p:par>
-                </p:childTnLst>
-              </p:cTn>
-              <p:prevCondLst>
-                <p:cond evt="onPrev" delay="0">
-                  <p:tgtEl>
-                    <p:sldTgt/>
-                  </p:tgtEl>
-                </p:cond>
-              </p:prevCondLst>
-              <p:nextCondLst>
-                <p:cond evt="onNext" delay="0">
-                  <p:tgtEl>
-                    <p:sldTgt/>
-                  </p:tgtEl>
-                </p:cond>
-              </p:nextCondLst>
-            </p:seq>
-          </p:childTnLst>
-        </p:cTn>
-      </p:par>
-    </p:tnLst>
-    <p:bldLst>
-      <p:bldP spid="6" grpId="0"/>
-    </p:bldLst>
-  </p:timing>
-</p:sld>
-</file>
-
-<file path=ppt/slides/slide9.xml><?xml version="1.0" encoding="utf-8"?>
-<p:sld xmlns:a="http://schemas.openxmlformats.org/drawingml/2006/main" xmlns:r="http://schemas.openxmlformats.org/officeDocument/2006/relationships" xmlns:p="http://schemas.openxmlformats.org/presentationml/2006/main">
-  <p:cSld>
-    <p:spTree>
-      <p:nvGrpSpPr>
-        <p:cNvPr id="1" name=""/>
-        <p:cNvGrpSpPr/>
-        <p:nvPr/>
-      </p:nvGrpSpPr>
-      <p:grpSpPr>
-        <a:xfrm>
-          <a:off x="0" y="0"/>
-          <a:ext cx="0" cy="0"/>
-          <a:chOff x="0" y="0"/>
-          <a:chExt cx="0" cy="0"/>
-        </a:xfrm>
-      </p:grpSpPr>
-      <p:sp>
-        <p:nvSpPr>
-          <p:cNvPr id="5123" name="AutoShape 6"/>
-          <p:cNvSpPr>
-            <a:spLocks noChangeArrowheads="1"/>
-          </p:cNvSpPr>
-          <p:nvPr/>
-        </p:nvSpPr>
-        <p:spPr bwMode="auto">
-          <a:xfrm>
-            <a:off x="2566988" y="1339851"/>
-            <a:ext cx="6711950" cy="4214813"/>
-          </a:xfrm>
-          <a:prstGeom prst="roundRect">
-            <a:avLst>
-              <a:gd name="adj" fmla="val 16667"/>
-            </a:avLst>
-          </a:prstGeom>
-          <a:noFill/>
-          <a:ln w="28575">
-            <a:solidFill>
-              <a:srgbClr val="C0C0C0"/>
-            </a:solidFill>
-            <a:prstDash val="sysDot"/>
-            <a:round/>
-          </a:ln>
-          <a:extLst>
-            <a:ext uri="{909E8E84-426E-40DD-AFC4-6F175D3DCCD1}">
-              <a14:hiddenFill xmlns:a14="http://schemas.microsoft.com/office/drawing/2010/main">
-                <a:solidFill>
-                  <a:srgbClr val="FFFFFF"/>
-                </a:solidFill>
-              </a14:hiddenFill>
-            </a:ext>
-          </a:extLst>
-        </p:spPr>
-        <p:txBody>
-          <a:bodyPr wrap="none" anchor="ctr"/>
-          <a:lstStyle>
-            <a:lvl1pPr marL="457200" indent="-457200">
-              <a:defRPr sz="3200">
-                <a:solidFill>
-                  <a:schemeClr val="tx1"/>
-                </a:solidFill>
-                <a:latin typeface="Arial" panose="020B0604020202020204" pitchFamily="34" charset="0"/>
-                <a:ea typeface="微软雅黑" panose="020B0503020204020204" pitchFamily="34" charset="-122"/>
-              </a:defRPr>
-            </a:lvl1pPr>
-            <a:lvl2pPr marL="742950" indent="-285750">
-              <a:defRPr sz="3200">
-                <a:solidFill>
-                  <a:schemeClr val="tx1"/>
-                </a:solidFill>
-                <a:latin typeface="Arial" panose="020B0604020202020204" pitchFamily="34" charset="0"/>
-                <a:ea typeface="微软雅黑" panose="020B0503020204020204" pitchFamily="34" charset="-122"/>
-              </a:defRPr>
-            </a:lvl2pPr>
-            <a:lvl3pPr marL="1143000" indent="-228600">
-              <a:defRPr sz="3200">
-                <a:solidFill>
-                  <a:schemeClr val="tx1"/>
-                </a:solidFill>
-                <a:latin typeface="Arial" panose="020B0604020202020204" pitchFamily="34" charset="0"/>
-                <a:ea typeface="微软雅黑" panose="020B0503020204020204" pitchFamily="34" charset="-122"/>
-              </a:defRPr>
-            </a:lvl3pPr>
-            <a:lvl4pPr marL="1600200" indent="-228600">
-              <a:defRPr sz="3200">
-                <a:solidFill>
-                  <a:schemeClr val="tx1"/>
-                </a:solidFill>
-                <a:latin typeface="Arial" panose="020B0604020202020204" pitchFamily="34" charset="0"/>
-                <a:ea typeface="微软雅黑" panose="020B0503020204020204" pitchFamily="34" charset="-122"/>
-              </a:defRPr>
-            </a:lvl4pPr>
-            <a:lvl5pPr marL="2057400" indent="-228600">
-              <a:defRPr sz="3200">
-                <a:solidFill>
-                  <a:schemeClr val="tx1"/>
-                </a:solidFill>
-                <a:latin typeface="Arial" panose="020B0604020202020204" pitchFamily="34" charset="0"/>
-                <a:ea typeface="微软雅黑" panose="020B0503020204020204" pitchFamily="34" charset="-122"/>
-              </a:defRPr>
-            </a:lvl5pPr>
-            <a:lvl6pPr marL="2514600" indent="-228600" eaLnBrk="0" fontAlgn="base" hangingPunct="0">
-              <a:spcBef>
-                <a:spcPct val="0"/>
-              </a:spcBef>
-              <a:spcAft>
-                <a:spcPct val="0"/>
-              </a:spcAft>
-              <a:defRPr sz="3200">
-                <a:solidFill>
-                  <a:schemeClr val="tx1"/>
-                </a:solidFill>
-                <a:latin typeface="Arial" panose="020B0604020202020204" pitchFamily="34" charset="0"/>
-                <a:ea typeface="微软雅黑" panose="020B0503020204020204" pitchFamily="34" charset="-122"/>
-              </a:defRPr>
-            </a:lvl6pPr>
-            <a:lvl7pPr marL="2971800" indent="-228600" eaLnBrk="0" fontAlgn="base" hangingPunct="0">
-              <a:spcBef>
-                <a:spcPct val="0"/>
-              </a:spcBef>
-              <a:spcAft>
-                <a:spcPct val="0"/>
-              </a:spcAft>
-              <a:defRPr sz="3200">
-                <a:solidFill>
-                  <a:schemeClr val="tx1"/>
-                </a:solidFill>
-                <a:latin typeface="Arial" panose="020B0604020202020204" pitchFamily="34" charset="0"/>
-                <a:ea typeface="微软雅黑" panose="020B0503020204020204" pitchFamily="34" charset="-122"/>
-              </a:defRPr>
-            </a:lvl7pPr>
-            <a:lvl8pPr marL="3429000" indent="-228600" eaLnBrk="0" fontAlgn="base" hangingPunct="0">
-              <a:spcBef>
-                <a:spcPct val="0"/>
-              </a:spcBef>
-              <a:spcAft>
-                <a:spcPct val="0"/>
-              </a:spcAft>
-              <a:defRPr sz="3200">
-                <a:solidFill>
-                  <a:schemeClr val="tx1"/>
-                </a:solidFill>
-                <a:latin typeface="Arial" panose="020B0604020202020204" pitchFamily="34" charset="0"/>
-                <a:ea typeface="微软雅黑" panose="020B0503020204020204" pitchFamily="34" charset="-122"/>
-              </a:defRPr>
-            </a:lvl8pPr>
-            <a:lvl9pPr marL="3886200" indent="-228600" eaLnBrk="0" fontAlgn="base" hangingPunct="0">
-              <a:spcBef>
-                <a:spcPct val="0"/>
-              </a:spcBef>
-              <a:spcAft>
-                <a:spcPct val="0"/>
-              </a:spcAft>
-              <a:defRPr sz="3200">
-                <a:solidFill>
-                  <a:schemeClr val="tx1"/>
-                </a:solidFill>
-                <a:latin typeface="Arial" panose="020B0604020202020204" pitchFamily="34" charset="0"/>
-                <a:ea typeface="微软雅黑" panose="020B0503020204020204" pitchFamily="34" charset="-122"/>
-              </a:defRPr>
-            </a:lvl9pPr>
-          </a:lstStyle>
-          <a:p>
-            <a:pPr algn="l">
-              <a:lnSpc>
-                <a:spcPct val="150000"/>
-              </a:lnSpc>
-              <a:spcBef>
-                <a:spcPts val="1200"/>
-              </a:spcBef>
-              <a:spcAft>
-                <a:spcPts val="1200"/>
-              </a:spcAft>
-              <a:buClr>
-                <a:srgbClr val="92D050"/>
-              </a:buClr>
-              <a:buFont typeface="Wingdings" panose="05000000000000000000" pitchFamily="2" charset="2"/>
-              <a:buChar char="Ø"/>
-            </a:pPr>
-            <a:r>
-              <a:rPr lang="en-US" altLang="zh-CN" sz="2800" b="1">
-                <a:solidFill>
-                  <a:schemeClr val="tx1"/>
-                </a:solidFill>
-                <a:sym typeface="+mn-ea"/>
-              </a:rPr>
-              <a:t>JS</a:t>
-            </a:r>
-            <a:r>
-              <a:rPr lang="zh-CN" altLang="en-US" sz="2800" b="1">
-                <a:solidFill>
-                  <a:schemeClr val="tx1"/>
-                </a:solidFill>
-                <a:sym typeface="+mn-ea"/>
-              </a:rPr>
-              <a:t>异步相关概念</a:t>
-            </a:r>
-            <a:endParaRPr lang="zh-CN" altLang="en-US" sz="2800" b="1">
-              <a:solidFill>
-                <a:schemeClr val="tx1"/>
-              </a:solidFill>
-              <a:sym typeface="+mn-ea"/>
-            </a:endParaRPr>
-          </a:p>
-          <a:p>
-            <a:pPr algn="l">
-              <a:lnSpc>
-                <a:spcPct val="150000"/>
-              </a:lnSpc>
-              <a:spcBef>
-                <a:spcPts val="1200"/>
-              </a:spcBef>
-              <a:spcAft>
-                <a:spcPts val="1200"/>
-              </a:spcAft>
-              <a:buClr>
-                <a:srgbClr val="92D050"/>
-              </a:buClr>
-              <a:buFont typeface="Wingdings" panose="05000000000000000000" pitchFamily="2" charset="2"/>
-              <a:buChar char="Ø"/>
-            </a:pPr>
-            <a:r>
-              <a:rPr lang="en-US" altLang="zh-CN" sz="2800" b="1">
-                <a:solidFill>
-                  <a:schemeClr val="tx1"/>
-                </a:solidFill>
-                <a:sym typeface="+mn-ea"/>
-              </a:rPr>
-              <a:t>JS</a:t>
-            </a:r>
-            <a:r>
-              <a:rPr lang="zh-CN" altLang="en-US" sz="2800" b="1">
-                <a:solidFill>
-                  <a:schemeClr val="tx1"/>
-                </a:solidFill>
-                <a:sym typeface="+mn-ea"/>
-              </a:rPr>
-              <a:t>异步的几种形式</a:t>
-            </a:r>
-            <a:endParaRPr lang="zh-CN" altLang="en-US" sz="2800" b="1">
-              <a:solidFill>
-                <a:schemeClr val="tx1"/>
-              </a:solidFill>
-              <a:sym typeface="+mn-ea"/>
-            </a:endParaRPr>
-          </a:p>
-          <a:p>
-            <a:pPr algn="l">
-              <a:lnSpc>
-                <a:spcPct val="150000"/>
-              </a:lnSpc>
-              <a:spcBef>
-                <a:spcPts val="1200"/>
-              </a:spcBef>
-              <a:spcAft>
-                <a:spcPts val="1200"/>
-              </a:spcAft>
-              <a:buClr>
-                <a:srgbClr val="92D050"/>
-              </a:buClr>
-              <a:buFont typeface="Wingdings" panose="05000000000000000000" pitchFamily="2" charset="2"/>
-              <a:buChar char="Ø"/>
-            </a:pPr>
-            <a:r>
-              <a:rPr lang="en-US" altLang="zh-CN" sz="2800" b="1">
-                <a:solidFill>
-                  <a:srgbClr val="FF0000"/>
-                </a:solidFill>
-                <a:sym typeface="+mn-ea"/>
-              </a:rPr>
-              <a:t>JS</a:t>
-            </a:r>
-            <a:r>
-              <a:rPr lang="zh-CN" altLang="en-US" sz="2800" b="1">
-                <a:solidFill>
-                  <a:srgbClr val="FF0000"/>
-                </a:solidFill>
-                <a:sym typeface="+mn-ea"/>
-              </a:rPr>
-              <a:t>异步与数据交互案例</a:t>
-            </a:r>
-            <a:endParaRPr lang="zh-CN" altLang="en-US" sz="2800" b="1">
-              <a:solidFill>
-                <a:srgbClr val="FF0000"/>
-              </a:solidFill>
-              <a:sym typeface="+mn-ea"/>
-            </a:endParaRPr>
-          </a:p>
-        </p:txBody>
-      </p:sp>
-      <p:sp>
-        <p:nvSpPr>
-          <p:cNvPr id="4" name="内容占位符 3"/>
-          <p:cNvSpPr txBox="1"/>
-          <p:nvPr/>
-        </p:nvSpPr>
-        <p:spPr>
-          <a:xfrm>
-            <a:off x="981657" y="236943"/>
-            <a:ext cx="8191557" cy="490476"/>
-          </a:xfrm>
-          <a:prstGeom prst="rect">
-            <a:avLst/>
-          </a:prstGeom>
-        </p:spPr>
-        <p:txBody>
-          <a:bodyPr/>
-          <a:lstStyle>
-            <a:lvl1pPr marL="167005" indent="-167005" algn="l" defTabSz="0" rtl="0" eaLnBrk="0" fontAlgn="base" hangingPunct="0">
-              <a:spcBef>
-                <a:spcPct val="0"/>
-              </a:spcBef>
-              <a:spcAft>
-                <a:spcPct val="15000"/>
-              </a:spcAft>
-              <a:buClr>
-                <a:schemeClr val="tx2"/>
-              </a:buClr>
-              <a:buFont typeface="Arial" panose="020B0604020202020204" pitchFamily="34" charset="0"/>
-              <a:buChar char="•"/>
-              <a:defRPr kumimoji="1" sz="1600">
-                <a:solidFill>
-                  <a:srgbClr val="006F53"/>
-                </a:solidFill>
-                <a:latin typeface="微软雅黑" panose="020B0503020204020204" pitchFamily="34" charset="-122"/>
-                <a:ea typeface="微软雅黑" panose="020B0503020204020204" pitchFamily="34" charset="-122"/>
-                <a:cs typeface="微软雅黑" panose="020B0503020204020204" pitchFamily="34" charset="-122"/>
-              </a:defRPr>
-            </a:lvl1pPr>
-            <a:lvl2pPr marL="398780" indent="-230505" algn="l" defTabSz="0" rtl="0" eaLnBrk="0" fontAlgn="base" hangingPunct="0">
-              <a:spcBef>
-                <a:spcPct val="0"/>
-              </a:spcBef>
-              <a:spcAft>
-                <a:spcPct val="15000"/>
-              </a:spcAft>
-              <a:buClr>
-                <a:schemeClr val="tx2"/>
-              </a:buClr>
-              <a:buFont typeface="Arial" panose="020B0604020202020204" pitchFamily="34" charset="0"/>
-              <a:buChar char="–"/>
-              <a:defRPr kumimoji="1" sz="2800">
-                <a:solidFill>
-                  <a:schemeClr val="bg2"/>
-                </a:solidFill>
-                <a:latin typeface="微软雅黑" panose="020B0503020204020204" pitchFamily="34" charset="-122"/>
-                <a:ea typeface="微软雅黑" panose="020B0503020204020204" pitchFamily="34" charset="-122"/>
-                <a:cs typeface="微软雅黑" panose="020B0503020204020204" pitchFamily="34" charset="-122"/>
-              </a:defRPr>
-            </a:lvl2pPr>
-            <a:lvl3pPr marL="400050" indent="182880" algn="l" defTabSz="0" rtl="0" eaLnBrk="0" fontAlgn="base" hangingPunct="0">
-              <a:spcBef>
-                <a:spcPct val="0"/>
-              </a:spcBef>
-              <a:spcAft>
-                <a:spcPct val="15000"/>
-              </a:spcAft>
-              <a:buClr>
-                <a:schemeClr val="tx2"/>
-              </a:buClr>
-              <a:buFont typeface="Arial" panose="020B0604020202020204" pitchFamily="34" charset="0"/>
-              <a:buChar char="•"/>
-              <a:defRPr kumimoji="1" sz="1600">
-                <a:solidFill>
-                  <a:schemeClr val="bg2"/>
-                </a:solidFill>
-                <a:latin typeface="微软雅黑" panose="020B0503020204020204" pitchFamily="34" charset="-122"/>
-                <a:ea typeface="微软雅黑" panose="020B0503020204020204" pitchFamily="34" charset="-122"/>
-                <a:cs typeface="微软雅黑" panose="020B0503020204020204" pitchFamily="34" charset="-122"/>
-              </a:defRPr>
-            </a:lvl3pPr>
-            <a:lvl4pPr marL="825500" indent="-241300" algn="l" defTabSz="0" rtl="0" eaLnBrk="0" fontAlgn="base" hangingPunct="0">
-              <a:spcBef>
-                <a:spcPct val="0"/>
-              </a:spcBef>
-              <a:spcAft>
-                <a:spcPct val="15000"/>
-              </a:spcAft>
-              <a:buClr>
-                <a:schemeClr val="tx2"/>
-              </a:buClr>
-              <a:buFont typeface="Arial" panose="020B0604020202020204" pitchFamily="34" charset="0"/>
-              <a:buChar char="–"/>
-              <a:defRPr kumimoji="1" sz="1600">
-                <a:solidFill>
-                  <a:schemeClr val="bg2"/>
-                </a:solidFill>
-                <a:latin typeface="微软雅黑" panose="020B0503020204020204" pitchFamily="34" charset="-122"/>
-                <a:ea typeface="微软雅黑" panose="020B0503020204020204" pitchFamily="34" charset="-122"/>
-                <a:cs typeface="微软雅黑" panose="020B0503020204020204" pitchFamily="34" charset="-122"/>
-              </a:defRPr>
-            </a:lvl4pPr>
-            <a:lvl5pPr marL="2057400" indent="-228600" algn="l" defTabSz="0" rtl="0" eaLnBrk="0" fontAlgn="base" hangingPunct="0">
-              <a:spcBef>
-                <a:spcPct val="0"/>
-              </a:spcBef>
-              <a:spcAft>
-                <a:spcPct val="25000"/>
-              </a:spcAft>
-              <a:buClr>
-                <a:schemeClr val="tx2"/>
-              </a:buClr>
-              <a:buFont typeface="Arial" panose="020B0604020202020204" pitchFamily="34" charset="0"/>
-              <a:buChar char="–"/>
-              <a:defRPr kumimoji="1" sz="2000">
-                <a:solidFill>
-                  <a:schemeClr val="tx1"/>
-                </a:solidFill>
-                <a:latin typeface="+mn-lt"/>
-                <a:ea typeface="微软雅黑" panose="020B0503020204020204" pitchFamily="34" charset="-122"/>
-                <a:cs typeface="微软雅黑" panose="020B0503020204020204" pitchFamily="34" charset="-122"/>
-              </a:defRPr>
-            </a:lvl5pPr>
-            <a:lvl6pPr marL="2514600" indent="-228600" algn="l" defTabSz="0" rtl="0" eaLnBrk="0" fontAlgn="base" hangingPunct="0">
-              <a:spcBef>
-                <a:spcPct val="0"/>
-              </a:spcBef>
-              <a:spcAft>
-                <a:spcPct val="25000"/>
-              </a:spcAft>
-              <a:buClr>
-                <a:schemeClr val="tx2"/>
-              </a:buClr>
-              <a:buFont typeface="Arial" panose="020B0604020202020204" pitchFamily="34" charset="0"/>
-              <a:buChar char="–"/>
-              <a:defRPr>
-                <a:solidFill>
-                  <a:schemeClr val="tx1"/>
-                </a:solidFill>
-                <a:latin typeface="+mn-lt"/>
-              </a:defRPr>
-            </a:lvl6pPr>
-            <a:lvl7pPr marL="2971800" indent="-228600" algn="l" defTabSz="0" rtl="0" eaLnBrk="0" fontAlgn="base" hangingPunct="0">
-              <a:spcBef>
-                <a:spcPct val="0"/>
-              </a:spcBef>
-              <a:spcAft>
-                <a:spcPct val="25000"/>
-              </a:spcAft>
-              <a:buClr>
-                <a:schemeClr val="tx2"/>
-              </a:buClr>
-              <a:buFont typeface="Arial" panose="020B0604020202020204" pitchFamily="34" charset="0"/>
-              <a:buChar char="–"/>
-              <a:defRPr>
-                <a:solidFill>
-                  <a:schemeClr val="tx1"/>
-                </a:solidFill>
-                <a:latin typeface="+mn-lt"/>
-              </a:defRPr>
-            </a:lvl7pPr>
-            <a:lvl8pPr marL="3429000" indent="-228600" algn="l" defTabSz="0" rtl="0" eaLnBrk="0" fontAlgn="base" hangingPunct="0">
-              <a:spcBef>
-                <a:spcPct val="0"/>
-              </a:spcBef>
-              <a:spcAft>
-                <a:spcPct val="25000"/>
-              </a:spcAft>
-              <a:buClr>
-                <a:schemeClr val="tx2"/>
-              </a:buClr>
-              <a:buFont typeface="Arial" panose="020B0604020202020204" pitchFamily="34" charset="0"/>
-              <a:buChar char="–"/>
-              <a:defRPr>
-                <a:solidFill>
-                  <a:schemeClr val="tx1"/>
-                </a:solidFill>
-                <a:latin typeface="+mn-lt"/>
-              </a:defRPr>
-            </a:lvl8pPr>
-            <a:lvl9pPr marL="3886200" indent="-228600" algn="l" defTabSz="0" rtl="0" eaLnBrk="0" fontAlgn="base" hangingPunct="0">
-              <a:spcBef>
-                <a:spcPct val="0"/>
-              </a:spcBef>
-              <a:spcAft>
-                <a:spcPct val="25000"/>
-              </a:spcAft>
-              <a:buClr>
-                <a:schemeClr val="tx2"/>
-              </a:buClr>
-              <a:buFont typeface="Arial" panose="020B0604020202020204" pitchFamily="34" charset="0"/>
-              <a:buChar char="–"/>
-              <a:defRPr>
-                <a:solidFill>
-                  <a:schemeClr val="tx1"/>
-                </a:solidFill>
-                <a:latin typeface="+mn-lt"/>
-              </a:defRPr>
-            </a:lvl9pPr>
-          </a:lstStyle>
-          <a:p>
-            <a:pPr marL="0" indent="0">
-              <a:buNone/>
-            </a:pPr>
-            <a:r>
-              <a:rPr lang="zh-CN" altLang="en-US" sz="3200" dirty="0" smtClean="0">
-                <a:solidFill>
-                  <a:srgbClr val="C00000"/>
-                </a:solidFill>
-                <a:cs typeface="+mn-cs"/>
-                <a:sym typeface="+mn-ea"/>
-              </a:rPr>
-              <a:t>内容提纲</a:t>
-            </a:r>
-            <a:endParaRPr lang="zh-CN" altLang="en-US" kern="0" dirty="0"/>
-          </a:p>
-        </p:txBody>
-      </p:sp>
-    </p:spTree>
-  </p:cSld>
-  <p:clrMapOvr>
-    <a:masterClrMapping/>
-  </p:clrMapOvr>
-  <p:timing>
-    <p:tnLst>
-      <p:par>
-        <p:cTn id="1" dur="indefinite" restart="never" nodeType="tmRoot"/>
-      </p:par>
-    </p:tnLst>
   </p:timing>
 </p:sld>
 </file>

--- a/课程PPT/12.JavaScript异步与网络数据交互.pptx
+++ b/课程PPT/12.JavaScript异步与网络数据交互.pptx
@@ -21,6 +21,7 @@
     <p:sldId id="1241" r:id="rId14"/>
     <p:sldId id="1242" r:id="rId15"/>
     <p:sldId id="1104" r:id="rId16"/>
+    <p:sldId id="1246" r:id="rId17"/>
   </p:sldIdLst>
   <p:sldSz cx="12192000" cy="6858000"/>
   <p:notesSz cx="6797675" cy="9928225"/>
@@ -676,6 +677,50 @@
 </file>
 
 <file path=ppt/notesSlides/notesSlide11.xml><?xml version="1.0" encoding="utf-8"?>
+<p:notes xmlns:a="http://schemas.openxmlformats.org/drawingml/2006/main" xmlns:r="http://schemas.openxmlformats.org/officeDocument/2006/relationships" xmlns:p="http://schemas.openxmlformats.org/presentationml/2006/main">
+  <p:cSld>
+    <p:spTree>
+      <p:nvGrpSpPr>
+        <p:cNvPr id="1" name=""/>
+        <p:cNvGrpSpPr/>
+        <p:nvPr/>
+      </p:nvGrpSpPr>
+      <p:grpSpPr/>
+      <p:sp>
+        <p:nvSpPr>
+          <p:cNvPr id="2" name="幻灯片图像占位符 1"/>
+          <p:cNvSpPr/>
+          <p:nvPr>
+            <p:ph type="sldImg" idx="2"/>
+          </p:nvPr>
+        </p:nvSpPr>
+        <p:spPr/>
+      </p:sp>
+      <p:sp>
+        <p:nvSpPr>
+          <p:cNvPr id="3" name="文本占位符 2"/>
+          <p:cNvSpPr/>
+          <p:nvPr>
+            <p:ph type="body" idx="3"/>
+          </p:nvPr>
+        </p:nvSpPr>
+        <p:spPr/>
+        <p:txBody>
+          <a:bodyPr/>
+          <a:p>
+            <a:endParaRPr lang="zh-CN" altLang="en-US"/>
+          </a:p>
+        </p:txBody>
+      </p:sp>
+    </p:spTree>
+  </p:cSld>
+  <p:clrMapOvr>
+    <a:masterClrMapping/>
+  </p:clrMapOvr>
+</p:notes>
+</file>
+
+<file path=ppt/notesSlides/notesSlide12.xml><?xml version="1.0" encoding="utf-8"?>
 <p:notes xmlns:a="http://schemas.openxmlformats.org/drawingml/2006/main" xmlns:r="http://schemas.openxmlformats.org/officeDocument/2006/relationships" xmlns:p="http://schemas.openxmlformats.org/presentationml/2006/main">
   <p:cSld>
     <p:spTree>
@@ -3587,7 +3632,7 @@
         </p:blipFill>
         <p:spPr>
           <a:xfrm>
-            <a:off x="1122045" y="1471930"/>
+            <a:off x="1122045" y="1543685"/>
             <a:ext cx="10243820" cy="5268595"/>
           </a:xfrm>
           <a:prstGeom prst="rect">
@@ -4315,8 +4360,8 @@
         </p:nvSpPr>
         <p:spPr>
           <a:xfrm>
-            <a:off x="5255895" y="6196330"/>
-            <a:ext cx="5798185" cy="398780"/>
+            <a:off x="4996180" y="6124575"/>
+            <a:ext cx="6424930" cy="398780"/>
           </a:xfrm>
           <a:prstGeom prst="rect">
             <a:avLst/>
@@ -4342,7 +4387,15 @@
                   <a:srgbClr val="FF0000"/>
                 </a:solidFill>
               </a:rPr>
-              <a:t>Demo5  </a:t>
+              <a:t>NodeAjaxTest</a:t>
+            </a:r>
+            <a:r>
+              <a:rPr lang="en-US" altLang="zh-CN" sz="2000">
+                <a:solidFill>
+                  <a:srgbClr val="FF0000"/>
+                </a:solidFill>
+              </a:rPr>
+              <a:t>  </a:t>
             </a:r>
             <a:r>
               <a:rPr lang="en-US" altLang="zh-CN" sz="2000">
@@ -4491,30 +4544,21 @@
                             </p:childTnLst>
                           </p:cTn>
                         </p:par>
-                      </p:childTnLst>
-                    </p:cTn>
-                  </p:par>
-                  <p:par>
-                    <p:cTn id="9" fill="hold">
-                      <p:stCondLst>
-                        <p:cond delay="indefinite"/>
-                      </p:stCondLst>
-                      <p:childTnLst>
                         <p:par>
-                          <p:cTn id="10" fill="hold">
+                          <p:cTn id="9" fill="hold">
                             <p:stCondLst>
-                              <p:cond delay="0"/>
+                              <p:cond delay="500"/>
                             </p:stCondLst>
                             <p:childTnLst>
                               <p:par>
-                                <p:cTn id="11" presetID="2" presetClass="entr" presetSubtype="4" fill="hold" nodeType="clickEffect">
+                                <p:cTn id="10" presetID="2" presetClass="entr" presetSubtype="4" fill="hold" nodeType="afterEffect">
                                   <p:stCondLst>
                                     <p:cond delay="0"/>
                                   </p:stCondLst>
                                   <p:childTnLst>
                                     <p:set>
                                       <p:cBhvr>
-                                        <p:cTn id="12" dur="1" fill="hold">
+                                        <p:cTn id="11" dur="1" fill="hold">
                                           <p:stCondLst>
                                             <p:cond delay="0"/>
                                           </p:stCondLst>
@@ -4532,7 +4576,7 @@
                                     </p:set>
                                     <p:anim calcmode="lin" valueType="num">
                                       <p:cBhvr additive="base">
-                                        <p:cTn id="13" dur="500" fill="hold"/>
+                                        <p:cTn id="12" dur="500" fill="hold"/>
                                         <p:tgtEl>
                                           <p:spTgt spid="5"/>
                                         </p:tgtEl>
@@ -4555,7 +4599,7 @@
                                     </p:anim>
                                     <p:anim calcmode="lin" valueType="num">
                                       <p:cBhvr additive="base">
-                                        <p:cTn id="14" dur="500" fill="hold"/>
+                                        <p:cTn id="13" dur="500" fill="hold"/>
                                         <p:tgtEl>
                                           <p:spTgt spid="5"/>
                                         </p:tgtEl>
@@ -4583,20 +4627,20 @@
                           </p:cTn>
                         </p:par>
                         <p:par>
-                          <p:cTn id="15" fill="hold">
+                          <p:cTn id="14" fill="hold">
                             <p:stCondLst>
-                              <p:cond delay="500"/>
+                              <p:cond delay="1000"/>
                             </p:stCondLst>
                             <p:childTnLst>
                               <p:par>
-                                <p:cTn id="16" presetID="2" presetClass="entr" presetSubtype="4" fill="hold" grpId="0" nodeType="afterEffect">
+                                <p:cTn id="15" presetID="2" presetClass="entr" presetSubtype="4" fill="hold" grpId="0" nodeType="afterEffect">
                                   <p:stCondLst>
                                     <p:cond delay="0"/>
                                   </p:stCondLst>
                                   <p:childTnLst>
                                     <p:set>
                                       <p:cBhvr>
-                                        <p:cTn id="17" dur="1" fill="hold">
+                                        <p:cTn id="16" dur="1" fill="hold">
                                           <p:stCondLst>
                                             <p:cond delay="0"/>
                                           </p:stCondLst>
@@ -4614,7 +4658,7 @@
                                     </p:set>
                                     <p:anim calcmode="lin" valueType="num">
                                       <p:cBhvr additive="base">
-                                        <p:cTn id="18" dur="500" fill="hold"/>
+                                        <p:cTn id="17" dur="500" fill="hold"/>
                                         <p:tgtEl>
                                           <p:spTgt spid="6"/>
                                         </p:tgtEl>
@@ -4637,7 +4681,7 @@
                                     </p:anim>
                                     <p:anim calcmode="lin" valueType="num">
                                       <p:cBhvr additive="base">
-                                        <p:cTn id="19" dur="500" fill="hold"/>
+                                        <p:cTn id="18" dur="500" fill="hold"/>
                                         <p:tgtEl>
                                           <p:spTgt spid="6"/>
                                         </p:tgtEl>
@@ -4899,6 +4943,189 @@
 </p:sld>
 </file>
 
+<file path=ppt/slides/slide14.xml><?xml version="1.0" encoding="utf-8"?>
+<p:sld xmlns:a="http://schemas.openxmlformats.org/drawingml/2006/main" xmlns:r="http://schemas.openxmlformats.org/officeDocument/2006/relationships" xmlns:p="http://schemas.openxmlformats.org/presentationml/2006/main">
+  <p:cSld>
+    <p:spTree>
+      <p:nvGrpSpPr>
+        <p:cNvPr id="1" name=""/>
+        <p:cNvGrpSpPr/>
+        <p:nvPr/>
+      </p:nvGrpSpPr>
+      <p:grpSpPr>
+        <a:xfrm>
+          <a:off x="0" y="0"/>
+          <a:ext cx="0" cy="0"/>
+          <a:chOff x="0" y="0"/>
+          <a:chExt cx="0" cy="0"/>
+        </a:xfrm>
+      </p:grpSpPr>
+      <p:sp>
+        <p:nvSpPr>
+          <p:cNvPr id="2" name="内容占位符 1"/>
+          <p:cNvSpPr>
+            <a:spLocks noGrp="1"/>
+          </p:cNvSpPr>
+          <p:nvPr>
+            <p:ph sz="quarter" idx="10"/>
+          </p:nvPr>
+        </p:nvSpPr>
+        <p:spPr>
+          <a:xfrm>
+            <a:off x="927735" y="783590"/>
+            <a:ext cx="9776460" cy="5269230"/>
+          </a:xfrm>
+        </p:spPr>
+        <p:txBody>
+          <a:bodyPr/>
+          <a:lstStyle/>
+          <a:p>
+            <a:pPr>
+              <a:lnSpc>
+                <a:spcPct val="150000"/>
+              </a:lnSpc>
+            </a:pPr>
+            <a:r>
+              <a:rPr lang="zh-CN" altLang="en-US" sz="3200" dirty="0">
+                <a:solidFill>
+                  <a:schemeClr val="tx1"/>
+                </a:solidFill>
+                <a:sym typeface="+mn-ea"/>
+              </a:rPr>
+              <a:t>复习本章内容</a:t>
+            </a:r>
+            <a:endParaRPr lang="zh-CN" altLang="en-US" sz="3200" dirty="0">
+              <a:solidFill>
+                <a:schemeClr val="tx1"/>
+              </a:solidFill>
+              <a:sym typeface="+mn-ea"/>
+            </a:endParaRPr>
+          </a:p>
+          <a:p>
+            <a:pPr>
+              <a:lnSpc>
+                <a:spcPct val="150000"/>
+              </a:lnSpc>
+            </a:pPr>
+            <a:r>
+              <a:rPr lang="en-US" altLang="zh-CN" sz="3200" dirty="0">
+                <a:solidFill>
+                  <a:schemeClr val="tx1"/>
+                </a:solidFill>
+                <a:sym typeface="+mn-ea"/>
+              </a:rPr>
+              <a:t>FreeCodeCamp</a:t>
+            </a:r>
+            <a:r>
+              <a:rPr lang="zh-CN" altLang="en-US" sz="3200" dirty="0">
+                <a:solidFill>
+                  <a:schemeClr val="tx1"/>
+                </a:solidFill>
+                <a:sym typeface="+mn-ea"/>
+              </a:rPr>
+              <a:t>中的</a:t>
+            </a:r>
+            <a:r>
+              <a:rPr lang="en-US" altLang="zh-CN" sz="3200" dirty="0">
+                <a:solidFill>
+                  <a:schemeClr val="tx1"/>
+                </a:solidFill>
+                <a:sym typeface="+mn-ea"/>
+              </a:rPr>
+              <a:t>Ajax</a:t>
+            </a:r>
+            <a:r>
+              <a:rPr lang="zh-CN" altLang="en-US" sz="3200" dirty="0">
+                <a:solidFill>
+                  <a:schemeClr val="tx1"/>
+                </a:solidFill>
+                <a:sym typeface="+mn-ea"/>
+              </a:rPr>
+              <a:t>任务</a:t>
+            </a:r>
+            <a:br>
+              <a:rPr lang="zh-CN" altLang="en-US" sz="3200" dirty="0">
+                <a:solidFill>
+                  <a:schemeClr val="tx1"/>
+                </a:solidFill>
+                <a:sym typeface="+mn-ea"/>
+              </a:rPr>
+            </a:br>
+            <a:endParaRPr lang="zh-CN" altLang="en-US" sz="3200" dirty="0">
+              <a:solidFill>
+                <a:schemeClr val="accent3"/>
+              </a:solidFill>
+              <a:sym typeface="+mn-ea"/>
+            </a:endParaRPr>
+          </a:p>
+          <a:p>
+            <a:pPr marL="0" indent="0">
+              <a:lnSpc>
+                <a:spcPct val="150000"/>
+              </a:lnSpc>
+              <a:buNone/>
+            </a:pPr>
+            <a:endParaRPr lang="zh-CN" altLang="en-US" sz="1800" dirty="0">
+              <a:solidFill>
+                <a:schemeClr val="tx1"/>
+              </a:solidFill>
+              <a:sym typeface="+mn-ea"/>
+            </a:endParaRPr>
+          </a:p>
+          <a:p>
+            <a:pPr marL="0" indent="0">
+              <a:lnSpc>
+                <a:spcPct val="160000"/>
+              </a:lnSpc>
+              <a:buNone/>
+            </a:pPr>
+            <a:endParaRPr lang="en-US" altLang="zh-CN" sz="1800" dirty="0">
+              <a:solidFill>
+                <a:schemeClr val="tx1"/>
+              </a:solidFill>
+              <a:sym typeface="+mn-ea"/>
+            </a:endParaRPr>
+          </a:p>
+        </p:txBody>
+      </p:sp>
+      <p:sp>
+        <p:nvSpPr>
+          <p:cNvPr id="3" name="内容占位符 2"/>
+          <p:cNvSpPr>
+            <a:spLocks noGrp="1"/>
+          </p:cNvSpPr>
+          <p:nvPr>
+            <p:ph sz="quarter" idx="11"/>
+          </p:nvPr>
+        </p:nvSpPr>
+        <p:spPr/>
+        <p:txBody>
+          <a:bodyPr/>
+          <a:lstStyle/>
+          <a:p>
+            <a:r>
+              <a:rPr lang="zh-CN" altLang="en-US" dirty="0"/>
+              <a:t>作业</a:t>
+            </a:r>
+            <a:endParaRPr lang="zh-CN" altLang="en-US" dirty="0"/>
+          </a:p>
+        </p:txBody>
+      </p:sp>
+    </p:spTree>
+  </p:cSld>
+  <p:clrMapOvr>
+    <a:masterClrMapping/>
+  </p:clrMapOvr>
+  <p:timing>
+    <p:tnLst>
+      <p:par>
+        <p:cTn id="1" dur="indefinite" restart="never" nodeType="tmRoot"/>
+      </p:par>
+    </p:tnLst>
+  </p:timing>
+</p:sld>
+</file>
+
 <file path=ppt/slides/slide2.xml><?xml version="1.0" encoding="utf-8"?>
 <p:sld xmlns:a="http://schemas.openxmlformats.org/drawingml/2006/main" xmlns:r="http://schemas.openxmlformats.org/officeDocument/2006/relationships" xmlns:p="http://schemas.openxmlformats.org/presentationml/2006/main">
   <p:cSld>
@@ -5497,25 +5724,7 @@
                 </a:solidFill>
                 <a:sym typeface="+mn-ea"/>
               </a:rPr>
-              <a:t>线程是程序执行流的最基本单元</a:t>
-            </a:r>
-            <a:r>
-              <a:rPr lang="zh-CN" altLang="en-US" sz="2000" dirty="0">
-                <a:solidFill>
-                  <a:schemeClr val="tx1"/>
-                </a:solidFill>
-                <a:sym typeface="+mn-ea"/>
-              </a:rPr>
-              <a:t>（类比单个实体的人）</a:t>
-            </a:r>
-            <a:r>
-              <a:rPr lang="zh-CN" altLang="en-US" sz="2000" dirty="0">
-                <a:solidFill>
-                  <a:schemeClr val="tx1"/>
-                </a:solidFill>
-                <a:sym typeface="+mn-ea"/>
-              </a:rPr>
-              <a:t>，是进程中的一个实体</a:t>
+              <a:t>线程是程序执行流的最基本单元（类比单个实体的人），是进程中的一个实体</a:t>
             </a:r>
             <a:br>
               <a:rPr lang="zh-CN" altLang="en-US" sz="2000" dirty="0">
@@ -5541,16 +5750,7 @@
                 </a:solidFill>
                 <a:sym typeface="+mn-ea"/>
               </a:rPr>
-              <a:t>一个线程</a:t>
-            </a:r>
-            <a:r>
-              <a:rPr lang="zh-CN" altLang="en-US" sz="2000" dirty="0">
-                <a:solidFill>
-                  <a:schemeClr val="tx1"/>
-                </a:solidFill>
-                <a:sym typeface="+mn-ea"/>
-              </a:rPr>
-              <a:t>可与同属一个进程的其它线程共享进程所拥有的系统资源</a:t>
+              <a:t>一个线程可与同属一个进程的其它线程共享进程所拥有的系统资源</a:t>
             </a:r>
             <a:br>
               <a:rPr lang="zh-CN" altLang="en-US" sz="2000" dirty="0">
@@ -8455,15 +8655,7 @@
                   <a:srgbClr val="FF0000"/>
                 </a:solidFill>
               </a:rPr>
-              <a:t>发布订阅</a:t>
-            </a:r>
-            <a:r>
-              <a:rPr lang="zh-CN" altLang="en-US" sz="2000">
-                <a:solidFill>
-                  <a:srgbClr val="FF0000"/>
-                </a:solidFill>
-              </a:rPr>
-              <a:t>模式</a:t>
+              <a:t>发布订阅模式</a:t>
             </a:r>
             <a:r>
               <a:rPr lang="en-US" altLang="zh-CN" sz="2000">
@@ -9539,16 +9731,7 @@
                 </a:solidFill>
                 <a:sym typeface="+mn-ea"/>
               </a:rPr>
-              <a:t>对象</a:t>
-            </a:r>
-            <a:r>
-              <a:rPr lang="zh-CN" altLang="en-US" sz="2000" dirty="0">
-                <a:solidFill>
-                  <a:schemeClr val="tx1"/>
-                </a:solidFill>
-                <a:sym typeface="+mn-ea"/>
-              </a:rPr>
-              <a:t>、</a:t>
+              <a:t>对象、</a:t>
             </a:r>
             <a:r>
               <a:rPr lang="en-US" altLang="zh-CN" sz="2000" dirty="0">
@@ -9632,25 +9815,7 @@
                 </a:solidFill>
                 <a:sym typeface="+mn-ea"/>
               </a:rPr>
-              <a:t>通过</a:t>
-            </a:r>
-            <a:r>
-              <a:rPr lang="zh-CN" altLang="en-US" sz="2000" dirty="0">
-                <a:solidFill>
-                  <a:schemeClr val="tx1"/>
-                </a:solidFill>
-                <a:sym typeface="+mn-ea"/>
-              </a:rPr>
-              <a:t>XMLHttpRequest实例化的对象可</a:t>
-            </a:r>
-            <a:r>
-              <a:rPr lang="zh-CN" altLang="en-US" sz="2000" dirty="0">
-                <a:solidFill>
-                  <a:schemeClr val="tx1"/>
-                </a:solidFill>
-                <a:sym typeface="+mn-ea"/>
-              </a:rPr>
-              <a:t>用于在后台与服务器交换数据，在不重新加载整个网</a:t>
+              <a:t>通过XMLHttpRequest实例化的对象可用于在后台与服务器交换数据，在不重新加载整个网</a:t>
             </a:r>
             <a:br>
               <a:rPr lang="zh-CN" altLang="en-US" sz="2000" dirty="0">
@@ -9842,15 +10007,7 @@
                   <a:srgbClr val="FF0000"/>
                 </a:solidFill>
               </a:rPr>
-              <a:t>基本</a:t>
-            </a:r>
-            <a:r>
-              <a:rPr lang="zh-CN" altLang="en-US" sz="2000">
-                <a:solidFill>
-                  <a:srgbClr val="FF0000"/>
-                </a:solidFill>
-              </a:rPr>
-              <a:t>案例</a:t>
+              <a:t>基本案例</a:t>
             </a:r>
             <a:r>
               <a:rPr lang="en-US" altLang="zh-CN" sz="2000">
